--- a/Housing in Orange County, FL.pptx
+++ b/Housing in Orange County, FL.pptx
@@ -4,6 +4,12 @@
   <p:sldMasterIdLst>
     <p:sldMasterId id="2147483648" r:id="rId1"/>
   </p:sldMasterIdLst>
+  <p:notesMasterIdLst>
+    <p:notesMasterId r:id="rId11"/>
+  </p:notesMasterIdLst>
+  <p:handoutMasterIdLst>
+    <p:handoutMasterId r:id="rId12"/>
+  </p:handoutMasterIdLst>
   <p:sldIdLst>
     <p:sldId id="256" r:id="rId2"/>
     <p:sldId id="257" r:id="rId3"/>
@@ -112,12 +118,25 @@
       </a:defRPr>
     </a:lvl9pPr>
   </p:defaultTextStyle>
+  <p:extLst>
+    <p:ext uri="{EFAFB233-063F-42B5-8137-9DF3F51BA10A}">
+      <p15:sldGuideLst xmlns:p15="http://schemas.microsoft.com/office/powerpoint/2012/main"/>
+    </p:ext>
+    <p:ext uri="{2D200454-40CA-4A62-9FC3-DE9A4176ACB9}">
+      <p15:notesGuideLst xmlns:p15="http://schemas.microsoft.com/office/powerpoint/2012/main"/>
+    </p:ext>
+  </p:extLst>
 </p:presentation>
 </file>
 
-<file path=ppt/slideLayouts/slideLayout1.xml><?xml version="1.0" encoding="utf-8"?>
-<p:sldLayout xmlns:a="http://schemas.openxmlformats.org/drawingml/2006/main" xmlns:r="http://schemas.openxmlformats.org/officeDocument/2006/relationships" xmlns:p="http://schemas.openxmlformats.org/presentationml/2006/main" type="title" preserve="1">
-  <p:cSld name="Title Slide">
+<file path=ppt/handoutMasters/handoutMaster1.xml><?xml version="1.0" encoding="utf-8"?>
+<p:handoutMaster xmlns:a="http://schemas.openxmlformats.org/drawingml/2006/main" xmlns:r="http://schemas.openxmlformats.org/officeDocument/2006/relationships" xmlns:p="http://schemas.openxmlformats.org/presentationml/2006/main">
+  <p:cSld>
+    <p:bg>
+      <p:bgRef idx="1001">
+        <a:schemeClr val="bg1"/>
+      </p:bgRef>
+    </p:bg>
     <p:spTree>
       <p:nvGrpSpPr>
         <p:cNvPr id="1" name=""/>
@@ -134,133 +153,63 @@
       </p:grpSpPr>
       <p:sp>
         <p:nvSpPr>
-          <p:cNvPr id="2" name="Title 1">
-            <a:extLst>
-              <a:ext uri="{FF2B5EF4-FFF2-40B4-BE49-F238E27FC236}">
-                <a16:creationId xmlns:a16="http://schemas.microsoft.com/office/drawing/2014/main" id="{05E87B1A-9B22-4A35-B831-058D27FCFD97}"/>
-              </a:ext>
-            </a:extLst>
-          </p:cNvPr>
-          <p:cNvSpPr>
-            <a:spLocks noGrp="1"/>
-          </p:cNvSpPr>
-          <p:nvPr>
-            <p:ph type="ctrTitle"/>
+          <p:cNvPr id="2" name="Header Placeholder 1"/>
+          <p:cNvSpPr>
+            <a:spLocks noGrp="1"/>
+          </p:cNvSpPr>
+          <p:nvPr>
+            <p:ph type="hdr" sz="quarter"/>
           </p:nvPr>
         </p:nvSpPr>
         <p:spPr>
           <a:xfrm>
-            <a:off x="1524000" y="1122363"/>
-            <a:ext cx="9144000" cy="2387600"/>
+            <a:off x="0" y="0"/>
+            <a:ext cx="2971800" cy="458788"/>
           </a:xfrm>
+          <a:prstGeom prst="rect">
+            <a:avLst/>
+          </a:prstGeom>
         </p:spPr>
         <p:txBody>
-          <a:bodyPr anchor="b"/>
+          <a:bodyPr vert="horz" lIns="91440" tIns="45720" rIns="91440" bIns="45720" rtlCol="0"/>
           <a:lstStyle>
-            <a:lvl1pPr algn="ctr">
-              <a:defRPr sz="6000"/>
+            <a:lvl1pPr algn="l">
+              <a:defRPr sz="1200"/>
             </a:lvl1pPr>
           </a:lstStyle>
           <a:p>
-            <a:r>
-              <a:rPr lang="en-US"/>
-              <a:t>Click to edit Master title style</a:t>
-            </a:r>
-          </a:p>
-        </p:txBody>
-      </p:sp>
-      <p:sp>
-        <p:nvSpPr>
-          <p:cNvPr id="3" name="Subtitle 2">
-            <a:extLst>
-              <a:ext uri="{FF2B5EF4-FFF2-40B4-BE49-F238E27FC236}">
-                <a16:creationId xmlns:a16="http://schemas.microsoft.com/office/drawing/2014/main" id="{BE6D10E2-0952-4940-B6B0-73B80B926A38}"/>
-              </a:ext>
-            </a:extLst>
-          </p:cNvPr>
-          <p:cNvSpPr>
-            <a:spLocks noGrp="1"/>
-          </p:cNvSpPr>
-          <p:nvPr>
-            <p:ph type="subTitle" idx="1"/>
+            <a:endParaRPr lang="en-US"/>
+          </a:p>
+        </p:txBody>
+      </p:sp>
+      <p:sp>
+        <p:nvSpPr>
+          <p:cNvPr id="3" name="Date Placeholder 2"/>
+          <p:cNvSpPr>
+            <a:spLocks noGrp="1"/>
+          </p:cNvSpPr>
+          <p:nvPr>
+            <p:ph type="dt" sz="quarter" idx="1"/>
           </p:nvPr>
         </p:nvSpPr>
         <p:spPr>
           <a:xfrm>
-            <a:off x="1524000" y="3602038"/>
-            <a:ext cx="9144000" cy="1655762"/>
+            <a:off x="3884613" y="0"/>
+            <a:ext cx="2971800" cy="458788"/>
           </a:xfrm>
+          <a:prstGeom prst="rect">
+            <a:avLst/>
+          </a:prstGeom>
         </p:spPr>
         <p:txBody>
-          <a:bodyPr/>
+          <a:bodyPr vert="horz" lIns="91440" tIns="45720" rIns="91440" bIns="45720" rtlCol="0"/>
           <a:lstStyle>
-            <a:lvl1pPr marL="0" indent="0" algn="ctr">
-              <a:buNone/>
-              <a:defRPr sz="2400"/>
+            <a:lvl1pPr algn="r">
+              <a:defRPr sz="1200"/>
             </a:lvl1pPr>
-            <a:lvl2pPr marL="457200" indent="0" algn="ctr">
-              <a:buNone/>
-              <a:defRPr sz="2000"/>
-            </a:lvl2pPr>
-            <a:lvl3pPr marL="914400" indent="0" algn="ctr">
-              <a:buNone/>
-              <a:defRPr sz="1800"/>
-            </a:lvl3pPr>
-            <a:lvl4pPr marL="1371600" indent="0" algn="ctr">
-              <a:buNone/>
-              <a:defRPr sz="1600"/>
-            </a:lvl4pPr>
-            <a:lvl5pPr marL="1828800" indent="0" algn="ctr">
-              <a:buNone/>
-              <a:defRPr sz="1600"/>
-            </a:lvl5pPr>
-            <a:lvl6pPr marL="2286000" indent="0" algn="ctr">
-              <a:buNone/>
-              <a:defRPr sz="1600"/>
-            </a:lvl6pPr>
-            <a:lvl7pPr marL="2743200" indent="0" algn="ctr">
-              <a:buNone/>
-              <a:defRPr sz="1600"/>
-            </a:lvl7pPr>
-            <a:lvl8pPr marL="3200400" indent="0" algn="ctr">
-              <a:buNone/>
-              <a:defRPr sz="1600"/>
-            </a:lvl8pPr>
-            <a:lvl9pPr marL="3657600" indent="0" algn="ctr">
-              <a:buNone/>
-              <a:defRPr sz="1600"/>
-            </a:lvl9pPr>
           </a:lstStyle>
           <a:p>
-            <a:r>
-              <a:rPr lang="en-US"/>
-              <a:t>Click to edit Master subtitle style</a:t>
-            </a:r>
-          </a:p>
-        </p:txBody>
-      </p:sp>
-      <p:sp>
-        <p:nvSpPr>
-          <p:cNvPr id="4" name="Date Placeholder 3">
-            <a:extLst>
-              <a:ext uri="{FF2B5EF4-FFF2-40B4-BE49-F238E27FC236}">
-                <a16:creationId xmlns:a16="http://schemas.microsoft.com/office/drawing/2014/main" id="{25D68E9D-155A-4868-9270-8BB9A37484E6}"/>
-              </a:ext>
-            </a:extLst>
-          </p:cNvPr>
-          <p:cNvSpPr>
-            <a:spLocks noGrp="1"/>
-          </p:cNvSpPr>
-          <p:nvPr>
-            <p:ph type="dt" sz="half" idx="10"/>
-          </p:nvPr>
-        </p:nvSpPr>
-        <p:spPr/>
-        <p:txBody>
-          <a:bodyPr/>
-          <a:lstStyle/>
-          <a:p>
-            <a:fld id="{1FED6004-F7BE-43C7-985E-0A487F9339B8}" type="datetimeFigureOut">
+            <a:fld id="{061C5132-FFA3-4B02-9F09-22FCF40EFA74}" type="datetimeFigureOut">
               <a:rPr lang="en-US" smtClean="0"/>
               <a:t>3/6/2019</a:t>
             </a:fld>
@@ -270,24 +219,30 @@
       </p:sp>
       <p:sp>
         <p:nvSpPr>
-          <p:cNvPr id="5" name="Footer Placeholder 4">
-            <a:extLst>
-              <a:ext uri="{FF2B5EF4-FFF2-40B4-BE49-F238E27FC236}">
-                <a16:creationId xmlns:a16="http://schemas.microsoft.com/office/drawing/2014/main" id="{59AA6B09-0E15-4F5A-9187-40C3795FCD41}"/>
-              </a:ext>
-            </a:extLst>
-          </p:cNvPr>
-          <p:cNvSpPr>
-            <a:spLocks noGrp="1"/>
-          </p:cNvSpPr>
-          <p:nvPr>
-            <p:ph type="ftr" sz="quarter" idx="11"/>
-          </p:nvPr>
-        </p:nvSpPr>
-        <p:spPr/>
-        <p:txBody>
-          <a:bodyPr/>
-          <a:lstStyle/>
+          <p:cNvPr id="4" name="Footer Placeholder 3"/>
+          <p:cNvSpPr>
+            <a:spLocks noGrp="1"/>
+          </p:cNvSpPr>
+          <p:nvPr>
+            <p:ph type="ftr" sz="quarter" idx="2"/>
+          </p:nvPr>
+        </p:nvSpPr>
+        <p:spPr>
+          <a:xfrm>
+            <a:off x="0" y="8685213"/>
+            <a:ext cx="2971800" cy="458787"/>
+          </a:xfrm>
+          <a:prstGeom prst="rect">
+            <a:avLst/>
+          </a:prstGeom>
+        </p:spPr>
+        <p:txBody>
+          <a:bodyPr vert="horz" lIns="91440" tIns="45720" rIns="91440" bIns="45720" rtlCol="0" anchor="b"/>
+          <a:lstStyle>
+            <a:lvl1pPr algn="l">
+              <a:defRPr sz="1200"/>
+            </a:lvl1pPr>
+          </a:lstStyle>
           <a:p>
             <a:endParaRPr lang="en-US"/>
           </a:p>
@@ -295,26 +250,32 @@
       </p:sp>
       <p:sp>
         <p:nvSpPr>
-          <p:cNvPr id="6" name="Slide Number Placeholder 5">
-            <a:extLst>
-              <a:ext uri="{FF2B5EF4-FFF2-40B4-BE49-F238E27FC236}">
-                <a16:creationId xmlns:a16="http://schemas.microsoft.com/office/drawing/2014/main" id="{FCA13DBE-C23E-486B-9C05-57BE4ECA7E31}"/>
-              </a:ext>
-            </a:extLst>
-          </p:cNvPr>
-          <p:cNvSpPr>
-            <a:spLocks noGrp="1"/>
-          </p:cNvSpPr>
-          <p:nvPr>
-            <p:ph type="sldNum" sz="quarter" idx="12"/>
-          </p:nvPr>
-        </p:nvSpPr>
-        <p:spPr/>
-        <p:txBody>
-          <a:bodyPr/>
-          <a:lstStyle/>
-          <a:p>
-            <a:fld id="{AF771BD0-E7B5-466C-A84F-456BFECB9CDE}" type="slidenum">
+          <p:cNvPr id="5" name="Slide Number Placeholder 4"/>
+          <p:cNvSpPr>
+            <a:spLocks noGrp="1"/>
+          </p:cNvSpPr>
+          <p:nvPr>
+            <p:ph type="sldNum" sz="quarter" idx="3"/>
+          </p:nvPr>
+        </p:nvSpPr>
+        <p:spPr>
+          <a:xfrm>
+            <a:off x="3884613" y="8685213"/>
+            <a:ext cx="2971800" cy="458787"/>
+          </a:xfrm>
+          <a:prstGeom prst="rect">
+            <a:avLst/>
+          </a:prstGeom>
+        </p:spPr>
+        <p:txBody>
+          <a:bodyPr vert="horz" lIns="91440" tIns="45720" rIns="91440" bIns="45720" rtlCol="0" anchor="b"/>
+          <a:lstStyle>
+            <a:lvl1pPr algn="r">
+              <a:defRPr sz="1200"/>
+            </a:lvl1pPr>
+          </a:lstStyle>
+          <a:p>
+            <a:fld id="{DB3C20D7-F8F1-4196-9585-26F31AFC85C9}" type="slidenum">
               <a:rPr lang="en-US" smtClean="0"/>
               <a:t>‹#›</a:t>
             </a:fld>
@@ -325,13 +286,571 @@
     </p:spTree>
     <p:extLst>
       <p:ext uri="{BB962C8B-B14F-4D97-AF65-F5344CB8AC3E}">
-        <p14:creationId xmlns:p14="http://schemas.microsoft.com/office/powerpoint/2010/main" val="4033515"/>
+        <p14:creationId xmlns:p14="http://schemas.microsoft.com/office/powerpoint/2010/main" val="4168162121"/>
+      </p:ext>
+    </p:extLst>
+  </p:cSld>
+  <p:clrMap bg1="lt1" tx1="dk1" bg2="lt2" tx2="dk2" accent1="accent1" accent2="accent2" accent3="accent3" accent4="accent4" accent5="accent5" accent6="accent6" hlink="hlink" folHlink="folHlink"/>
+</p:handoutMaster>
+</file>
+
+<file path=ppt/notesMasters/notesMaster1.xml><?xml version="1.0" encoding="utf-8"?>
+<p:notesMaster xmlns:a="http://schemas.openxmlformats.org/drawingml/2006/main" xmlns:r="http://schemas.openxmlformats.org/officeDocument/2006/relationships" xmlns:p="http://schemas.openxmlformats.org/presentationml/2006/main">
+  <p:cSld>
+    <p:bg>
+      <p:bgRef idx="1001">
+        <a:schemeClr val="bg1"/>
+      </p:bgRef>
+    </p:bg>
+    <p:spTree>
+      <p:nvGrpSpPr>
+        <p:cNvPr id="1" name=""/>
+        <p:cNvGrpSpPr/>
+        <p:nvPr/>
+      </p:nvGrpSpPr>
+      <p:grpSpPr>
+        <a:xfrm>
+          <a:off x="0" y="0"/>
+          <a:ext cx="0" cy="0"/>
+          <a:chOff x="0" y="0"/>
+          <a:chExt cx="0" cy="0"/>
+        </a:xfrm>
+      </p:grpSpPr>
+      <p:sp>
+        <p:nvSpPr>
+          <p:cNvPr id="2" name="Header Placeholder 1"/>
+          <p:cNvSpPr>
+            <a:spLocks noGrp="1"/>
+          </p:cNvSpPr>
+          <p:nvPr>
+            <p:ph type="hdr" sz="quarter"/>
+          </p:nvPr>
+        </p:nvSpPr>
+        <p:spPr>
+          <a:xfrm>
+            <a:off x="0" y="0"/>
+            <a:ext cx="2971800" cy="458788"/>
+          </a:xfrm>
+          <a:prstGeom prst="rect">
+            <a:avLst/>
+          </a:prstGeom>
+        </p:spPr>
+        <p:txBody>
+          <a:bodyPr vert="horz" lIns="91440" tIns="45720" rIns="91440" bIns="45720" rtlCol="0"/>
+          <a:lstStyle>
+            <a:lvl1pPr algn="l">
+              <a:defRPr sz="1200"/>
+            </a:lvl1pPr>
+          </a:lstStyle>
+          <a:p>
+            <a:endParaRPr lang="en-US"/>
+          </a:p>
+        </p:txBody>
+      </p:sp>
+      <p:sp>
+        <p:nvSpPr>
+          <p:cNvPr id="3" name="Date Placeholder 2"/>
+          <p:cNvSpPr>
+            <a:spLocks noGrp="1"/>
+          </p:cNvSpPr>
+          <p:nvPr>
+            <p:ph type="dt" idx="1"/>
+          </p:nvPr>
+        </p:nvSpPr>
+        <p:spPr>
+          <a:xfrm>
+            <a:off x="3884613" y="0"/>
+            <a:ext cx="2971800" cy="458788"/>
+          </a:xfrm>
+          <a:prstGeom prst="rect">
+            <a:avLst/>
+          </a:prstGeom>
+        </p:spPr>
+        <p:txBody>
+          <a:bodyPr vert="horz" lIns="91440" tIns="45720" rIns="91440" bIns="45720" rtlCol="0"/>
+          <a:lstStyle>
+            <a:lvl1pPr algn="r">
+              <a:defRPr sz="1200"/>
+            </a:lvl1pPr>
+          </a:lstStyle>
+          <a:p>
+            <a:fld id="{0B6E42C9-243F-4DC5-AFF6-9D56B5FA9D63}" type="datetimeFigureOut">
+              <a:rPr lang="en-US" smtClean="0"/>
+              <a:t>3/6/2019</a:t>
+            </a:fld>
+            <a:endParaRPr lang="en-US"/>
+          </a:p>
+        </p:txBody>
+      </p:sp>
+      <p:sp>
+        <p:nvSpPr>
+          <p:cNvPr id="4" name="Slide Image Placeholder 3"/>
+          <p:cNvSpPr>
+            <a:spLocks noGrp="1" noRot="1" noChangeAspect="1"/>
+          </p:cNvSpPr>
+          <p:nvPr>
+            <p:ph type="sldImg" idx="2"/>
+          </p:nvPr>
+        </p:nvSpPr>
+        <p:spPr>
+          <a:xfrm>
+            <a:off x="685800" y="1143000"/>
+            <a:ext cx="5486400" cy="3086100"/>
+          </a:xfrm>
+          <a:prstGeom prst="rect">
+            <a:avLst/>
+          </a:prstGeom>
+          <a:noFill/>
+          <a:ln w="12700">
+            <a:solidFill>
+              <a:prstClr val="black"/>
+            </a:solidFill>
+          </a:ln>
+        </p:spPr>
+        <p:txBody>
+          <a:bodyPr vert="horz" lIns="91440" tIns="45720" rIns="91440" bIns="45720" rtlCol="0" anchor="ctr"/>
+          <a:lstStyle/>
+          <a:p>
+            <a:endParaRPr lang="en-US"/>
+          </a:p>
+        </p:txBody>
+      </p:sp>
+      <p:sp>
+        <p:nvSpPr>
+          <p:cNvPr id="5" name="Notes Placeholder 4"/>
+          <p:cNvSpPr>
+            <a:spLocks noGrp="1"/>
+          </p:cNvSpPr>
+          <p:nvPr>
+            <p:ph type="body" sz="quarter" idx="3"/>
+          </p:nvPr>
+        </p:nvSpPr>
+        <p:spPr>
+          <a:xfrm>
+            <a:off x="685800" y="4400550"/>
+            <a:ext cx="5486400" cy="3600450"/>
+          </a:xfrm>
+          <a:prstGeom prst="rect">
+            <a:avLst/>
+          </a:prstGeom>
+        </p:spPr>
+        <p:txBody>
+          <a:bodyPr vert="horz" lIns="91440" tIns="45720" rIns="91440" bIns="45720" rtlCol="0"/>
+          <a:lstStyle/>
+          <a:p>
+            <a:pPr lvl="0"/>
+            <a:r>
+              <a:rPr lang="en-US"/>
+              <a:t>Click to edit Master text styles</a:t>
+            </a:r>
+          </a:p>
+          <a:p>
+            <a:pPr lvl="1"/>
+            <a:r>
+              <a:rPr lang="en-US"/>
+              <a:t>Second level</a:t>
+            </a:r>
+          </a:p>
+          <a:p>
+            <a:pPr lvl="2"/>
+            <a:r>
+              <a:rPr lang="en-US"/>
+              <a:t>Third level</a:t>
+            </a:r>
+          </a:p>
+          <a:p>
+            <a:pPr lvl="3"/>
+            <a:r>
+              <a:rPr lang="en-US"/>
+              <a:t>Fourth level</a:t>
+            </a:r>
+          </a:p>
+          <a:p>
+            <a:pPr lvl="4"/>
+            <a:r>
+              <a:rPr lang="en-US"/>
+              <a:t>Fifth level</a:t>
+            </a:r>
+          </a:p>
+        </p:txBody>
+      </p:sp>
+      <p:sp>
+        <p:nvSpPr>
+          <p:cNvPr id="6" name="Footer Placeholder 5"/>
+          <p:cNvSpPr>
+            <a:spLocks noGrp="1"/>
+          </p:cNvSpPr>
+          <p:nvPr>
+            <p:ph type="ftr" sz="quarter" idx="4"/>
+          </p:nvPr>
+        </p:nvSpPr>
+        <p:spPr>
+          <a:xfrm>
+            <a:off x="0" y="8685213"/>
+            <a:ext cx="2971800" cy="458787"/>
+          </a:xfrm>
+          <a:prstGeom prst="rect">
+            <a:avLst/>
+          </a:prstGeom>
+        </p:spPr>
+        <p:txBody>
+          <a:bodyPr vert="horz" lIns="91440" tIns="45720" rIns="91440" bIns="45720" rtlCol="0" anchor="b"/>
+          <a:lstStyle>
+            <a:lvl1pPr algn="l">
+              <a:defRPr sz="1200"/>
+            </a:lvl1pPr>
+          </a:lstStyle>
+          <a:p>
+            <a:endParaRPr lang="en-US"/>
+          </a:p>
+        </p:txBody>
+      </p:sp>
+      <p:sp>
+        <p:nvSpPr>
+          <p:cNvPr id="7" name="Slide Number Placeholder 6"/>
+          <p:cNvSpPr>
+            <a:spLocks noGrp="1"/>
+          </p:cNvSpPr>
+          <p:nvPr>
+            <p:ph type="sldNum" sz="quarter" idx="5"/>
+          </p:nvPr>
+        </p:nvSpPr>
+        <p:spPr>
+          <a:xfrm>
+            <a:off x="3884613" y="8685213"/>
+            <a:ext cx="2971800" cy="458787"/>
+          </a:xfrm>
+          <a:prstGeom prst="rect">
+            <a:avLst/>
+          </a:prstGeom>
+        </p:spPr>
+        <p:txBody>
+          <a:bodyPr vert="horz" lIns="91440" tIns="45720" rIns="91440" bIns="45720" rtlCol="0" anchor="b"/>
+          <a:lstStyle>
+            <a:lvl1pPr algn="r">
+              <a:defRPr sz="1200"/>
+            </a:lvl1pPr>
+          </a:lstStyle>
+          <a:p>
+            <a:fld id="{8DAEC444-603B-4F09-9A06-5917518DD901}" type="slidenum">
+              <a:rPr lang="en-US" smtClean="0"/>
+              <a:t>‹#›</a:t>
+            </a:fld>
+            <a:endParaRPr lang="en-US"/>
+          </a:p>
+        </p:txBody>
+      </p:sp>
+    </p:spTree>
+    <p:extLst>
+      <p:ext uri="{BB962C8B-B14F-4D97-AF65-F5344CB8AC3E}">
+        <p14:creationId xmlns:p14="http://schemas.microsoft.com/office/powerpoint/2010/main" val="874255113"/>
+      </p:ext>
+    </p:extLst>
+  </p:cSld>
+  <p:clrMap bg1="lt1" tx1="dk1" bg2="lt2" tx2="dk2" accent1="accent1" accent2="accent2" accent3="accent3" accent4="accent4" accent5="accent5" accent6="accent6" hlink="hlink" folHlink="folHlink"/>
+  <p:notesStyle>
+    <a:lvl1pPr marL="0" algn="l" defTabSz="914400" rtl="0" eaLnBrk="1" latinLnBrk="0" hangingPunct="1">
+      <a:defRPr sz="1200" kern="1200">
+        <a:solidFill>
+          <a:schemeClr val="tx1"/>
+        </a:solidFill>
+        <a:latin typeface="+mn-lt"/>
+        <a:ea typeface="+mn-ea"/>
+        <a:cs typeface="+mn-cs"/>
+      </a:defRPr>
+    </a:lvl1pPr>
+    <a:lvl2pPr marL="457200" algn="l" defTabSz="914400" rtl="0" eaLnBrk="1" latinLnBrk="0" hangingPunct="1">
+      <a:defRPr sz="1200" kern="1200">
+        <a:solidFill>
+          <a:schemeClr val="tx1"/>
+        </a:solidFill>
+        <a:latin typeface="+mn-lt"/>
+        <a:ea typeface="+mn-ea"/>
+        <a:cs typeface="+mn-cs"/>
+      </a:defRPr>
+    </a:lvl2pPr>
+    <a:lvl3pPr marL="914400" algn="l" defTabSz="914400" rtl="0" eaLnBrk="1" latinLnBrk="0" hangingPunct="1">
+      <a:defRPr sz="1200" kern="1200">
+        <a:solidFill>
+          <a:schemeClr val="tx1"/>
+        </a:solidFill>
+        <a:latin typeface="+mn-lt"/>
+        <a:ea typeface="+mn-ea"/>
+        <a:cs typeface="+mn-cs"/>
+      </a:defRPr>
+    </a:lvl3pPr>
+    <a:lvl4pPr marL="1371600" algn="l" defTabSz="914400" rtl="0" eaLnBrk="1" latinLnBrk="0" hangingPunct="1">
+      <a:defRPr sz="1200" kern="1200">
+        <a:solidFill>
+          <a:schemeClr val="tx1"/>
+        </a:solidFill>
+        <a:latin typeface="+mn-lt"/>
+        <a:ea typeface="+mn-ea"/>
+        <a:cs typeface="+mn-cs"/>
+      </a:defRPr>
+    </a:lvl4pPr>
+    <a:lvl5pPr marL="1828800" algn="l" defTabSz="914400" rtl="0" eaLnBrk="1" latinLnBrk="0" hangingPunct="1">
+      <a:defRPr sz="1200" kern="1200">
+        <a:solidFill>
+          <a:schemeClr val="tx1"/>
+        </a:solidFill>
+        <a:latin typeface="+mn-lt"/>
+        <a:ea typeface="+mn-ea"/>
+        <a:cs typeface="+mn-cs"/>
+      </a:defRPr>
+    </a:lvl5pPr>
+    <a:lvl6pPr marL="2286000" algn="l" defTabSz="914400" rtl="0" eaLnBrk="1" latinLnBrk="0" hangingPunct="1">
+      <a:defRPr sz="1200" kern="1200">
+        <a:solidFill>
+          <a:schemeClr val="tx1"/>
+        </a:solidFill>
+        <a:latin typeface="+mn-lt"/>
+        <a:ea typeface="+mn-ea"/>
+        <a:cs typeface="+mn-cs"/>
+      </a:defRPr>
+    </a:lvl6pPr>
+    <a:lvl7pPr marL="2743200" algn="l" defTabSz="914400" rtl="0" eaLnBrk="1" latinLnBrk="0" hangingPunct="1">
+      <a:defRPr sz="1200" kern="1200">
+        <a:solidFill>
+          <a:schemeClr val="tx1"/>
+        </a:solidFill>
+        <a:latin typeface="+mn-lt"/>
+        <a:ea typeface="+mn-ea"/>
+        <a:cs typeface="+mn-cs"/>
+      </a:defRPr>
+    </a:lvl7pPr>
+    <a:lvl8pPr marL="3200400" algn="l" defTabSz="914400" rtl="0" eaLnBrk="1" latinLnBrk="0" hangingPunct="1">
+      <a:defRPr sz="1200" kern="1200">
+        <a:solidFill>
+          <a:schemeClr val="tx1"/>
+        </a:solidFill>
+        <a:latin typeface="+mn-lt"/>
+        <a:ea typeface="+mn-ea"/>
+        <a:cs typeface="+mn-cs"/>
+      </a:defRPr>
+    </a:lvl8pPr>
+    <a:lvl9pPr marL="3657600" algn="l" defTabSz="914400" rtl="0" eaLnBrk="1" latinLnBrk="0" hangingPunct="1">
+      <a:defRPr sz="1200" kern="1200">
+        <a:solidFill>
+          <a:schemeClr val="tx1"/>
+        </a:solidFill>
+        <a:latin typeface="+mn-lt"/>
+        <a:ea typeface="+mn-ea"/>
+        <a:cs typeface="+mn-cs"/>
+      </a:defRPr>
+    </a:lvl9pPr>
+  </p:notesStyle>
+</p:notesMaster>
+</file>
+
+<file path=ppt/slideLayouts/slideLayout1.xml><?xml version="1.0" encoding="utf-8"?>
+<p:sldLayout xmlns:a="http://schemas.openxmlformats.org/drawingml/2006/main" xmlns:r="http://schemas.openxmlformats.org/officeDocument/2006/relationships" xmlns:p="http://schemas.openxmlformats.org/presentationml/2006/main" showMasterSp="0" type="title" preserve="1">
+  <p:cSld name="Title Slide">
+    <p:bg>
+      <p:bgPr>
+        <a:blipFill dpi="0" rotWithShape="1">
+          <a:blip r:embed="rId2">
+            <a:lum/>
+          </a:blip>
+          <a:srcRect/>
+          <a:stretch>
+            <a:fillRect/>
+          </a:stretch>
+        </a:blipFill>
+        <a:effectLst/>
+      </p:bgPr>
+    </p:bg>
+    <p:spTree>
+      <p:nvGrpSpPr>
+        <p:cNvPr id="1" name=""/>
+        <p:cNvGrpSpPr/>
+        <p:nvPr/>
+      </p:nvGrpSpPr>
+      <p:grpSpPr>
+        <a:xfrm>
+          <a:off x="0" y="0"/>
+          <a:ext cx="0" cy="0"/>
+          <a:chOff x="0" y="0"/>
+          <a:chExt cx="0" cy="0"/>
+        </a:xfrm>
+      </p:grpSpPr>
+      <p:sp>
+        <p:nvSpPr>
+          <p:cNvPr id="7" name="Rectangle"/>
+          <p:cNvSpPr/>
+          <p:nvPr/>
+        </p:nvSpPr>
+        <p:spPr bwMode="invGray">
+          <a:xfrm>
+            <a:off x="0" y="3936697"/>
+            <a:ext cx="12192000" cy="2103120"/>
+          </a:xfrm>
+          <a:prstGeom prst="rect">
+            <a:avLst/>
+          </a:prstGeom>
+          <a:solidFill>
+            <a:schemeClr val="bg1"/>
+          </a:solidFill>
+          <a:ln>
+            <a:noFill/>
+          </a:ln>
+        </p:spPr>
+        <p:style>
+          <a:lnRef idx="2">
+            <a:schemeClr val="accent1">
+              <a:shade val="50000"/>
+            </a:schemeClr>
+          </a:lnRef>
+          <a:fillRef idx="1">
+            <a:schemeClr val="accent1"/>
+          </a:fillRef>
+          <a:effectRef idx="0">
+            <a:schemeClr val="accent1"/>
+          </a:effectRef>
+          <a:fontRef idx="minor">
+            <a:schemeClr val="lt1"/>
+          </a:fontRef>
+        </p:style>
+        <p:txBody>
+          <a:bodyPr rtlCol="0" anchor="ctr"/>
+          <a:lstStyle/>
+          <a:p>
+            <a:pPr algn="ctr"/>
+            <a:endParaRPr lang="en-US"/>
+          </a:p>
+        </p:txBody>
+      </p:sp>
+      <p:sp>
+        <p:nvSpPr>
+          <p:cNvPr id="2" name="Title 1"/>
+          <p:cNvSpPr>
+            <a:spLocks noGrp="1"/>
+          </p:cNvSpPr>
+          <p:nvPr>
+            <p:ph type="ctrTitle"/>
+          </p:nvPr>
+        </p:nvSpPr>
+        <p:spPr>
+          <a:xfrm>
+            <a:off x="838201" y="4114800"/>
+            <a:ext cx="10515598" cy="1158446"/>
+          </a:xfrm>
+        </p:spPr>
+        <p:txBody>
+          <a:bodyPr anchor="b">
+            <a:normAutofit/>
+          </a:bodyPr>
+          <a:lstStyle>
+            <a:lvl1pPr algn="l">
+              <a:defRPr sz="5200">
+                <a:solidFill>
+                  <a:schemeClr val="tx1"/>
+                </a:solidFill>
+              </a:defRPr>
+            </a:lvl1pPr>
+          </a:lstStyle>
+          <a:p>
+            <a:r>
+              <a:rPr lang="en-US"/>
+              <a:t>Click to edit Master title style</a:t>
+            </a:r>
+            <a:endParaRPr lang="en-US" dirty="0"/>
+          </a:p>
+        </p:txBody>
+      </p:sp>
+      <p:sp>
+        <p:nvSpPr>
+          <p:cNvPr id="3" name="Subtitle 2"/>
+          <p:cNvSpPr>
+            <a:spLocks noGrp="1"/>
+          </p:cNvSpPr>
+          <p:nvPr>
+            <p:ph type="subTitle" idx="1"/>
+          </p:nvPr>
+        </p:nvSpPr>
+        <p:spPr>
+          <a:xfrm>
+            <a:off x="838201" y="5338170"/>
+            <a:ext cx="10515598" cy="474836"/>
+          </a:xfrm>
+        </p:spPr>
+        <p:txBody>
+          <a:bodyPr/>
+          <a:lstStyle>
+            <a:lvl1pPr marL="0" indent="0" algn="l">
+              <a:spcBef>
+                <a:spcPts val="0"/>
+              </a:spcBef>
+              <a:buNone/>
+              <a:defRPr sz="2400">
+                <a:solidFill>
+                  <a:schemeClr val="accent1"/>
+                </a:solidFill>
+              </a:defRPr>
+            </a:lvl1pPr>
+            <a:lvl2pPr marL="457200" indent="0" algn="ctr">
+              <a:buNone/>
+              <a:defRPr sz="2000"/>
+            </a:lvl2pPr>
+            <a:lvl3pPr marL="914400" indent="0" algn="ctr">
+              <a:buNone/>
+              <a:defRPr sz="1800"/>
+            </a:lvl3pPr>
+            <a:lvl4pPr marL="1371600" indent="0" algn="ctr">
+              <a:buNone/>
+              <a:defRPr sz="1600"/>
+            </a:lvl4pPr>
+            <a:lvl5pPr marL="1828800" indent="0" algn="ctr">
+              <a:buNone/>
+              <a:defRPr sz="1600"/>
+            </a:lvl5pPr>
+            <a:lvl6pPr marL="2286000" indent="0" algn="ctr">
+              <a:buNone/>
+              <a:defRPr sz="1600"/>
+            </a:lvl6pPr>
+            <a:lvl7pPr marL="2743200" indent="0" algn="ctr">
+              <a:buNone/>
+              <a:defRPr sz="1600"/>
+            </a:lvl7pPr>
+            <a:lvl8pPr marL="3200400" indent="0" algn="ctr">
+              <a:buNone/>
+              <a:defRPr sz="1600"/>
+            </a:lvl8pPr>
+            <a:lvl9pPr marL="3657600" indent="0" algn="ctr">
+              <a:buNone/>
+              <a:defRPr sz="1600"/>
+            </a:lvl9pPr>
+          </a:lstStyle>
+          <a:p>
+            <a:r>
+              <a:rPr lang="en-US"/>
+              <a:t>Click to edit Master subtitle style</a:t>
+            </a:r>
+          </a:p>
+        </p:txBody>
+      </p:sp>
+    </p:spTree>
+    <p:extLst>
+      <p:ext uri="{BB962C8B-B14F-4D97-AF65-F5344CB8AC3E}">
+        <p14:creationId xmlns:p14="http://schemas.microsoft.com/office/powerpoint/2010/main" val="630729612"/>
       </p:ext>
     </p:extLst>
   </p:cSld>
   <p:clrMapOvr>
     <a:masterClrMapping/>
   </p:clrMapOvr>
+  <mc:AlternateContent xmlns:mc="http://schemas.openxmlformats.org/markup-compatibility/2006" xmlns:p14="http://schemas.microsoft.com/office/powerpoint/2010/main">
+    <mc:Choice Requires="p14">
+      <p:transition spd="med" p14:dur="700">
+        <p:fade/>
+      </p:transition>
+    </mc:Choice>
+    <mc:Fallback xmlns="">
+      <p:transition spd="med">
+        <p:fade/>
+      </p:transition>
+    </mc:Fallback>
+  </mc:AlternateContent>
 </p:sldLayout>
 </file>
 
@@ -354,13 +873,7 @@
       </p:grpSpPr>
       <p:sp>
         <p:nvSpPr>
-          <p:cNvPr id="2" name="Title 1">
-            <a:extLst>
-              <a:ext uri="{FF2B5EF4-FFF2-40B4-BE49-F238E27FC236}">
-                <a16:creationId xmlns:a16="http://schemas.microsoft.com/office/drawing/2014/main" id="{496A0264-F2BB-467A-BA3F-BD8442EAD3B4}"/>
-              </a:ext>
-            </a:extLst>
-          </p:cNvPr>
+          <p:cNvPr id="2" name="Title 1"/>
           <p:cNvSpPr>
             <a:spLocks noGrp="1"/>
           </p:cNvSpPr>
@@ -382,13 +895,7 @@
       </p:sp>
       <p:sp>
         <p:nvSpPr>
-          <p:cNvPr id="3" name="Vertical Text Placeholder 2">
-            <a:extLst>
-              <a:ext uri="{FF2B5EF4-FFF2-40B4-BE49-F238E27FC236}">
-                <a16:creationId xmlns:a16="http://schemas.microsoft.com/office/drawing/2014/main" id="{37235404-839E-483F-9278-8503DFBF405D}"/>
-              </a:ext>
-            </a:extLst>
-          </p:cNvPr>
+          <p:cNvPr id="3" name="Vertical Text Placeholder 2"/>
           <p:cNvSpPr>
             <a:spLocks noGrp="1"/>
           </p:cNvSpPr>
@@ -439,13 +946,26 @@
       </p:sp>
       <p:sp>
         <p:nvSpPr>
-          <p:cNvPr id="4" name="Date Placeholder 3">
-            <a:extLst>
-              <a:ext uri="{FF2B5EF4-FFF2-40B4-BE49-F238E27FC236}">
-                <a16:creationId xmlns:a16="http://schemas.microsoft.com/office/drawing/2014/main" id="{C4788653-62E2-41FB-A182-DC9CF98B7B41}"/>
-              </a:ext>
-            </a:extLst>
-          </p:cNvPr>
+          <p:cNvPr id="5" name="Footer Placeholder 3"/>
+          <p:cNvSpPr>
+            <a:spLocks noGrp="1"/>
+          </p:cNvSpPr>
+          <p:nvPr>
+            <p:ph type="ftr" sz="quarter" idx="11"/>
+          </p:nvPr>
+        </p:nvSpPr>
+        <p:spPr/>
+        <p:txBody>
+          <a:bodyPr/>
+          <a:lstStyle/>
+          <a:p>
+            <a:endParaRPr lang="en-US"/>
+          </a:p>
+        </p:txBody>
+      </p:sp>
+      <p:sp>
+        <p:nvSpPr>
+          <p:cNvPr id="4" name="Date Placeholder 4"/>
           <p:cNvSpPr>
             <a:spLocks noGrp="1"/>
           </p:cNvSpPr>
@@ -458,7 +978,7 @@
           <a:bodyPr/>
           <a:lstStyle/>
           <a:p>
-            <a:fld id="{1FED6004-F7BE-43C7-985E-0A487F9339B8}" type="datetimeFigureOut">
+            <a:fld id="{B0FE2824-C2A0-4931-BB32-60B24BDBB3CC}" type="datetimeFigureOut">
               <a:rPr lang="en-US" smtClean="0"/>
               <a:t>3/6/2019</a:t>
             </a:fld>
@@ -468,18 +988,12 @@
       </p:sp>
       <p:sp>
         <p:nvSpPr>
-          <p:cNvPr id="5" name="Footer Placeholder 4">
-            <a:extLst>
-              <a:ext uri="{FF2B5EF4-FFF2-40B4-BE49-F238E27FC236}">
-                <a16:creationId xmlns:a16="http://schemas.microsoft.com/office/drawing/2014/main" id="{D8A7FEE7-A46C-4553-BF64-5C1B0EB497AE}"/>
-              </a:ext>
-            </a:extLst>
-          </p:cNvPr>
-          <p:cNvSpPr>
-            <a:spLocks noGrp="1"/>
-          </p:cNvSpPr>
-          <p:nvPr>
-            <p:ph type="ftr" sz="quarter" idx="11"/>
+          <p:cNvPr id="6" name="Slide Number Placeholder 5"/>
+          <p:cNvSpPr>
+            <a:spLocks noGrp="1"/>
+          </p:cNvSpPr>
+          <p:nvPr>
+            <p:ph type="sldNum" sz="quarter" idx="12"/>
           </p:nvPr>
         </p:nvSpPr>
         <p:spPr/>
@@ -487,32 +1001,7 @@
           <a:bodyPr/>
           <a:lstStyle/>
           <a:p>
-            <a:endParaRPr lang="en-US"/>
-          </a:p>
-        </p:txBody>
-      </p:sp>
-      <p:sp>
-        <p:nvSpPr>
-          <p:cNvPr id="6" name="Slide Number Placeholder 5">
-            <a:extLst>
-              <a:ext uri="{FF2B5EF4-FFF2-40B4-BE49-F238E27FC236}">
-                <a16:creationId xmlns:a16="http://schemas.microsoft.com/office/drawing/2014/main" id="{AFDE5BEF-FA04-4AC4-AD1B-B3AAAC5F26B1}"/>
-              </a:ext>
-            </a:extLst>
-          </p:cNvPr>
-          <p:cNvSpPr>
-            <a:spLocks noGrp="1"/>
-          </p:cNvSpPr>
-          <p:nvPr>
-            <p:ph type="sldNum" sz="quarter" idx="12"/>
-          </p:nvPr>
-        </p:nvSpPr>
-        <p:spPr/>
-        <p:txBody>
-          <a:bodyPr/>
-          <a:lstStyle/>
-          <a:p>
-            <a:fld id="{AF771BD0-E7B5-466C-A84F-456BFECB9CDE}" type="slidenum">
+            <a:fld id="{B13333A4-2EF1-4B79-B68C-AB20E66B4822}" type="slidenum">
               <a:rPr lang="en-US" smtClean="0"/>
               <a:t>‹#›</a:t>
             </a:fld>
@@ -523,13 +1012,25 @@
     </p:spTree>
     <p:extLst>
       <p:ext uri="{BB962C8B-B14F-4D97-AF65-F5344CB8AC3E}">
-        <p14:creationId xmlns:p14="http://schemas.microsoft.com/office/powerpoint/2010/main" val="871432011"/>
+        <p14:creationId xmlns:p14="http://schemas.microsoft.com/office/powerpoint/2010/main" val="3787557672"/>
       </p:ext>
     </p:extLst>
   </p:cSld>
   <p:clrMapOvr>
     <a:masterClrMapping/>
   </p:clrMapOvr>
+  <mc:AlternateContent xmlns:mc="http://schemas.openxmlformats.org/markup-compatibility/2006" xmlns:p14="http://schemas.microsoft.com/office/powerpoint/2010/main">
+    <mc:Choice Requires="p14">
+      <p:transition spd="med" p14:dur="700">
+        <p:fade/>
+      </p:transition>
+    </mc:Choice>
+    <mc:Fallback xmlns="">
+      <p:transition spd="med">
+        <p:fade/>
+      </p:transition>
+    </mc:Fallback>
+  </mc:AlternateContent>
 </p:sldLayout>
 </file>
 
@@ -552,13 +1053,7 @@
       </p:grpSpPr>
       <p:sp>
         <p:nvSpPr>
-          <p:cNvPr id="2" name="Vertical Title 1">
-            <a:extLst>
-              <a:ext uri="{FF2B5EF4-FFF2-40B4-BE49-F238E27FC236}">
-                <a16:creationId xmlns:a16="http://schemas.microsoft.com/office/drawing/2014/main" id="{DDA03039-2F68-47BD-B7A7-82F15B7348A9}"/>
-              </a:ext>
-            </a:extLst>
-          </p:cNvPr>
+          <p:cNvPr id="2" name="Vertical Title 1"/>
           <p:cNvSpPr>
             <a:spLocks noGrp="1"/>
           </p:cNvSpPr>
@@ -568,30 +1063,29 @@
         </p:nvSpPr>
         <p:spPr>
           <a:xfrm>
-            <a:off x="8724900" y="365125"/>
-            <a:ext cx="2628900" cy="5811838"/>
+            <a:off x="9741693" y="365125"/>
+            <a:ext cx="1600200" cy="5811838"/>
           </a:xfrm>
         </p:spPr>
         <p:txBody>
           <a:bodyPr vert="eaVert"/>
-          <a:lstStyle/>
+          <a:lstStyle>
+            <a:lvl1pPr>
+              <a:defRPr/>
+            </a:lvl1pPr>
+          </a:lstStyle>
           <a:p>
             <a:r>
               <a:rPr lang="en-US"/>
               <a:t>Click to edit Master title style</a:t>
             </a:r>
-          </a:p>
-        </p:txBody>
-      </p:sp>
-      <p:sp>
-        <p:nvSpPr>
-          <p:cNvPr id="3" name="Vertical Text Placeholder 2">
-            <a:extLst>
-              <a:ext uri="{FF2B5EF4-FFF2-40B4-BE49-F238E27FC236}">
-                <a16:creationId xmlns:a16="http://schemas.microsoft.com/office/drawing/2014/main" id="{9DAFB29E-E951-4887-B60A-EE8280FBEDD3}"/>
-              </a:ext>
-            </a:extLst>
-          </p:cNvPr>
+            <a:endParaRPr lang="en-US" dirty="0"/>
+          </a:p>
+        </p:txBody>
+      </p:sp>
+      <p:sp>
+        <p:nvSpPr>
+          <p:cNvPr id="3" name="Vertical Text Placeholder 2"/>
           <p:cNvSpPr>
             <a:spLocks noGrp="1"/>
           </p:cNvSpPr>
@@ -602,7 +1096,7 @@
         <p:spPr>
           <a:xfrm>
             <a:off x="838200" y="365125"/>
-            <a:ext cx="7734300" cy="5811838"/>
+            <a:ext cx="8534400" cy="5811838"/>
           </a:xfrm>
         </p:spPr>
         <p:txBody>
@@ -647,13 +1141,26 @@
       </p:sp>
       <p:sp>
         <p:nvSpPr>
-          <p:cNvPr id="4" name="Date Placeholder 3">
-            <a:extLst>
-              <a:ext uri="{FF2B5EF4-FFF2-40B4-BE49-F238E27FC236}">
-                <a16:creationId xmlns:a16="http://schemas.microsoft.com/office/drawing/2014/main" id="{23E9C371-8A14-44F4-94D5-2D850C10C78C}"/>
-              </a:ext>
-            </a:extLst>
-          </p:cNvPr>
+          <p:cNvPr id="5" name="Footer Placeholder 3"/>
+          <p:cNvSpPr>
+            <a:spLocks noGrp="1"/>
+          </p:cNvSpPr>
+          <p:nvPr>
+            <p:ph type="ftr" sz="quarter" idx="11"/>
+          </p:nvPr>
+        </p:nvSpPr>
+        <p:spPr/>
+        <p:txBody>
+          <a:bodyPr/>
+          <a:lstStyle/>
+          <a:p>
+            <a:endParaRPr lang="en-US"/>
+          </a:p>
+        </p:txBody>
+      </p:sp>
+      <p:sp>
+        <p:nvSpPr>
+          <p:cNvPr id="4" name="Date Placeholder 4"/>
           <p:cNvSpPr>
             <a:spLocks noGrp="1"/>
           </p:cNvSpPr>
@@ -666,7 +1173,7 @@
           <a:bodyPr/>
           <a:lstStyle/>
           <a:p>
-            <a:fld id="{1FED6004-F7BE-43C7-985E-0A487F9339B8}" type="datetimeFigureOut">
+            <a:fld id="{B0FE2824-C2A0-4931-BB32-60B24BDBB3CC}" type="datetimeFigureOut">
               <a:rPr lang="en-US" smtClean="0"/>
               <a:t>3/6/2019</a:t>
             </a:fld>
@@ -676,18 +1183,12 @@
       </p:sp>
       <p:sp>
         <p:nvSpPr>
-          <p:cNvPr id="5" name="Footer Placeholder 4">
-            <a:extLst>
-              <a:ext uri="{FF2B5EF4-FFF2-40B4-BE49-F238E27FC236}">
-                <a16:creationId xmlns:a16="http://schemas.microsoft.com/office/drawing/2014/main" id="{E1106D48-BE37-44A2-9B71-4193CDAA30EA}"/>
-              </a:ext>
-            </a:extLst>
-          </p:cNvPr>
-          <p:cNvSpPr>
-            <a:spLocks noGrp="1"/>
-          </p:cNvSpPr>
-          <p:nvPr>
-            <p:ph type="ftr" sz="quarter" idx="11"/>
+          <p:cNvPr id="6" name="Slide Number Placeholder 5"/>
+          <p:cNvSpPr>
+            <a:spLocks noGrp="1"/>
+          </p:cNvSpPr>
+          <p:nvPr>
+            <p:ph type="sldNum" sz="quarter" idx="12"/>
           </p:nvPr>
         </p:nvSpPr>
         <p:spPr/>
@@ -695,32 +1196,7 @@
           <a:bodyPr/>
           <a:lstStyle/>
           <a:p>
-            <a:endParaRPr lang="en-US"/>
-          </a:p>
-        </p:txBody>
-      </p:sp>
-      <p:sp>
-        <p:nvSpPr>
-          <p:cNvPr id="6" name="Slide Number Placeholder 5">
-            <a:extLst>
-              <a:ext uri="{FF2B5EF4-FFF2-40B4-BE49-F238E27FC236}">
-                <a16:creationId xmlns:a16="http://schemas.microsoft.com/office/drawing/2014/main" id="{DA7D5E95-2ACF-4FEF-8F0A-3AC8CE48DC51}"/>
-              </a:ext>
-            </a:extLst>
-          </p:cNvPr>
-          <p:cNvSpPr>
-            <a:spLocks noGrp="1"/>
-          </p:cNvSpPr>
-          <p:nvPr>
-            <p:ph type="sldNum" sz="quarter" idx="12"/>
-          </p:nvPr>
-        </p:nvSpPr>
-        <p:spPr/>
-        <p:txBody>
-          <a:bodyPr/>
-          <a:lstStyle/>
-          <a:p>
-            <a:fld id="{AF771BD0-E7B5-466C-A84F-456BFECB9CDE}" type="slidenum">
+            <a:fld id="{B13333A4-2EF1-4B79-B68C-AB20E66B4822}" type="slidenum">
               <a:rPr lang="en-US" smtClean="0"/>
               <a:t>‹#›</a:t>
             </a:fld>
@@ -731,13 +1207,25 @@
     </p:spTree>
     <p:extLst>
       <p:ext uri="{BB962C8B-B14F-4D97-AF65-F5344CB8AC3E}">
-        <p14:creationId xmlns:p14="http://schemas.microsoft.com/office/powerpoint/2010/main" val="2117842842"/>
+        <p14:creationId xmlns:p14="http://schemas.microsoft.com/office/powerpoint/2010/main" val="770254474"/>
       </p:ext>
     </p:extLst>
   </p:cSld>
   <p:clrMapOvr>
     <a:masterClrMapping/>
   </p:clrMapOvr>
+  <mc:AlternateContent xmlns:mc="http://schemas.openxmlformats.org/markup-compatibility/2006" xmlns:p14="http://schemas.microsoft.com/office/powerpoint/2010/main">
+    <mc:Choice Requires="p14">
+      <p:transition spd="med" p14:dur="700">
+        <p:fade/>
+      </p:transition>
+    </mc:Choice>
+    <mc:Fallback xmlns="">
+      <p:transition spd="med">
+        <p:fade/>
+      </p:transition>
+    </mc:Fallback>
+  </mc:AlternateContent>
 </p:sldLayout>
 </file>
 
@@ -760,13 +1248,7 @@
       </p:grpSpPr>
       <p:sp>
         <p:nvSpPr>
-          <p:cNvPr id="2" name="Title 1">
-            <a:extLst>
-              <a:ext uri="{FF2B5EF4-FFF2-40B4-BE49-F238E27FC236}">
-                <a16:creationId xmlns:a16="http://schemas.microsoft.com/office/drawing/2014/main" id="{C752872A-7B14-499F-A7CB-C497A58A8540}"/>
-              </a:ext>
-            </a:extLst>
-          </p:cNvPr>
+          <p:cNvPr id="2" name="Title 1"/>
           <p:cNvSpPr>
             <a:spLocks noGrp="1"/>
           </p:cNvSpPr>
@@ -788,13 +1270,7 @@
       </p:sp>
       <p:sp>
         <p:nvSpPr>
-          <p:cNvPr id="3" name="Content Placeholder 2">
-            <a:extLst>
-              <a:ext uri="{FF2B5EF4-FFF2-40B4-BE49-F238E27FC236}">
-                <a16:creationId xmlns:a16="http://schemas.microsoft.com/office/drawing/2014/main" id="{B2A900EC-59B0-4CCA-83A5-ADC47104A34F}"/>
-              </a:ext>
-            </a:extLst>
-          </p:cNvPr>
+          <p:cNvPr id="3" name="Content Placeholder 2"/>
           <p:cNvSpPr>
             <a:spLocks noGrp="1"/>
           </p:cNvSpPr>
@@ -845,13 +1321,26 @@
       </p:sp>
       <p:sp>
         <p:nvSpPr>
-          <p:cNvPr id="4" name="Date Placeholder 3">
-            <a:extLst>
-              <a:ext uri="{FF2B5EF4-FFF2-40B4-BE49-F238E27FC236}">
-                <a16:creationId xmlns:a16="http://schemas.microsoft.com/office/drawing/2014/main" id="{DFDB329E-2AA3-47DD-A209-DF61C13E1EB2}"/>
-              </a:ext>
-            </a:extLst>
-          </p:cNvPr>
+          <p:cNvPr id="5" name="Footer Placeholder 3"/>
+          <p:cNvSpPr>
+            <a:spLocks noGrp="1"/>
+          </p:cNvSpPr>
+          <p:nvPr>
+            <p:ph type="ftr" sz="quarter" idx="11"/>
+          </p:nvPr>
+        </p:nvSpPr>
+        <p:spPr/>
+        <p:txBody>
+          <a:bodyPr/>
+          <a:lstStyle/>
+          <a:p>
+            <a:endParaRPr lang="en-US" dirty="0"/>
+          </a:p>
+        </p:txBody>
+      </p:sp>
+      <p:sp>
+        <p:nvSpPr>
+          <p:cNvPr id="4" name="Date Placeholder 4"/>
           <p:cNvSpPr>
             <a:spLocks noGrp="1"/>
           </p:cNvSpPr>
@@ -864,7 +1353,7 @@
           <a:bodyPr/>
           <a:lstStyle/>
           <a:p>
-            <a:fld id="{1FED6004-F7BE-43C7-985E-0A487F9339B8}" type="datetimeFigureOut">
+            <a:fld id="{B0FE2824-C2A0-4931-BB32-60B24BDBB3CC}" type="datetimeFigureOut">
               <a:rPr lang="en-US" smtClean="0"/>
               <a:t>3/6/2019</a:t>
             </a:fld>
@@ -874,18 +1363,12 @@
       </p:sp>
       <p:sp>
         <p:nvSpPr>
-          <p:cNvPr id="5" name="Footer Placeholder 4">
-            <a:extLst>
-              <a:ext uri="{FF2B5EF4-FFF2-40B4-BE49-F238E27FC236}">
-                <a16:creationId xmlns:a16="http://schemas.microsoft.com/office/drawing/2014/main" id="{56ABD4C0-8E27-4E33-9C13-5DEF087FEA45}"/>
-              </a:ext>
-            </a:extLst>
-          </p:cNvPr>
-          <p:cNvSpPr>
-            <a:spLocks noGrp="1"/>
-          </p:cNvSpPr>
-          <p:nvPr>
-            <p:ph type="ftr" sz="quarter" idx="11"/>
+          <p:cNvPr id="6" name="Slide Number Placeholder 5"/>
+          <p:cNvSpPr>
+            <a:spLocks noGrp="1"/>
+          </p:cNvSpPr>
+          <p:nvPr>
+            <p:ph type="sldNum" sz="quarter" idx="12"/>
           </p:nvPr>
         </p:nvSpPr>
         <p:spPr/>
@@ -893,32 +1376,7 @@
           <a:bodyPr/>
           <a:lstStyle/>
           <a:p>
-            <a:endParaRPr lang="en-US"/>
-          </a:p>
-        </p:txBody>
-      </p:sp>
-      <p:sp>
-        <p:nvSpPr>
-          <p:cNvPr id="6" name="Slide Number Placeholder 5">
-            <a:extLst>
-              <a:ext uri="{FF2B5EF4-FFF2-40B4-BE49-F238E27FC236}">
-                <a16:creationId xmlns:a16="http://schemas.microsoft.com/office/drawing/2014/main" id="{9E8E2098-E25F-4285-90C9-DB81FE513A58}"/>
-              </a:ext>
-            </a:extLst>
-          </p:cNvPr>
-          <p:cNvSpPr>
-            <a:spLocks noGrp="1"/>
-          </p:cNvSpPr>
-          <p:nvPr>
-            <p:ph type="sldNum" sz="quarter" idx="12"/>
-          </p:nvPr>
-        </p:nvSpPr>
-        <p:spPr/>
-        <p:txBody>
-          <a:bodyPr/>
-          <a:lstStyle/>
-          <a:p>
-            <a:fld id="{AF771BD0-E7B5-466C-A84F-456BFECB9CDE}" type="slidenum">
+            <a:fld id="{B13333A4-2EF1-4B79-B68C-AB20E66B4822}" type="slidenum">
               <a:rPr lang="en-US" smtClean="0"/>
               <a:t>‹#›</a:t>
             </a:fld>
@@ -929,19 +1387,45 @@
     </p:spTree>
     <p:extLst>
       <p:ext uri="{BB962C8B-B14F-4D97-AF65-F5344CB8AC3E}">
-        <p14:creationId xmlns:p14="http://schemas.microsoft.com/office/powerpoint/2010/main" val="2742394640"/>
+        <p14:creationId xmlns:p14="http://schemas.microsoft.com/office/powerpoint/2010/main" val="3215576435"/>
       </p:ext>
     </p:extLst>
   </p:cSld>
   <p:clrMapOvr>
     <a:masterClrMapping/>
   </p:clrMapOvr>
+  <mc:AlternateContent xmlns:mc="http://schemas.openxmlformats.org/markup-compatibility/2006" xmlns:p14="http://schemas.microsoft.com/office/powerpoint/2010/main">
+    <mc:Choice Requires="p14">
+      <p:transition spd="med" p14:dur="700">
+        <p:fade/>
+      </p:transition>
+    </mc:Choice>
+    <mc:Fallback xmlns="">
+      <p:transition spd="med">
+        <p:fade/>
+      </p:transition>
+    </mc:Fallback>
+  </mc:AlternateContent>
 </p:sldLayout>
 </file>
 
 <file path=ppt/slideLayouts/slideLayout3.xml><?xml version="1.0" encoding="utf-8"?>
-<p:sldLayout xmlns:a="http://schemas.openxmlformats.org/drawingml/2006/main" xmlns:r="http://schemas.openxmlformats.org/officeDocument/2006/relationships" xmlns:p="http://schemas.openxmlformats.org/presentationml/2006/main" type="secHead" preserve="1">
+<p:sldLayout xmlns:a="http://schemas.openxmlformats.org/drawingml/2006/main" xmlns:r="http://schemas.openxmlformats.org/officeDocument/2006/relationships" xmlns:p="http://schemas.openxmlformats.org/presentationml/2006/main" showMasterSp="0" preserve="1">
   <p:cSld name="Section Header">
+    <p:bg>
+      <p:bgPr>
+        <a:blipFill dpi="0" rotWithShape="1">
+          <a:blip r:embed="rId2">
+            <a:lum/>
+          </a:blip>
+          <a:srcRect/>
+          <a:stretch>
+            <a:fillRect/>
+          </a:stretch>
+        </a:blipFill>
+        <a:effectLst/>
+      </p:bgPr>
+    </p:bg>
     <p:spTree>
       <p:nvGrpSpPr>
         <p:cNvPr id="1" name=""/>
@@ -958,13 +1442,53 @@
       </p:grpSpPr>
       <p:sp>
         <p:nvSpPr>
-          <p:cNvPr id="2" name="Title 1">
-            <a:extLst>
-              <a:ext uri="{FF2B5EF4-FFF2-40B4-BE49-F238E27FC236}">
-                <a16:creationId xmlns:a16="http://schemas.microsoft.com/office/drawing/2014/main" id="{304C2E17-DD8B-4C40-AFB6-378FCE05AF07}"/>
-              </a:ext>
-            </a:extLst>
-          </p:cNvPr>
+          <p:cNvPr id="7" name="Rectangle 6"/>
+          <p:cNvSpPr/>
+          <p:nvPr/>
+        </p:nvSpPr>
+        <p:spPr bwMode="ltGray">
+          <a:xfrm>
+            <a:off x="0" y="3276600"/>
+            <a:ext cx="12192000" cy="2763216"/>
+          </a:xfrm>
+          <a:prstGeom prst="rect">
+            <a:avLst/>
+          </a:prstGeom>
+          <a:solidFill>
+            <a:schemeClr val="accent1"/>
+          </a:solidFill>
+          <a:ln>
+            <a:noFill/>
+          </a:ln>
+        </p:spPr>
+        <p:style>
+          <a:lnRef idx="2">
+            <a:schemeClr val="accent1">
+              <a:shade val="50000"/>
+            </a:schemeClr>
+          </a:lnRef>
+          <a:fillRef idx="1">
+            <a:schemeClr val="accent1"/>
+          </a:fillRef>
+          <a:effectRef idx="0">
+            <a:schemeClr val="accent1"/>
+          </a:effectRef>
+          <a:fontRef idx="minor">
+            <a:schemeClr val="lt1"/>
+          </a:fontRef>
+        </p:style>
+        <p:txBody>
+          <a:bodyPr rtlCol="0" anchor="ctr"/>
+          <a:lstStyle/>
+          <a:p>
+            <a:pPr algn="ctr"/>
+            <a:endParaRPr lang="en-US"/>
+          </a:p>
+        </p:txBody>
+      </p:sp>
+      <p:sp>
+        <p:nvSpPr>
+          <p:cNvPr id="2" name="Title 1"/>
           <p:cNvSpPr>
             <a:spLocks noGrp="1"/>
           </p:cNvSpPr>
@@ -974,15 +1498,21 @@
         </p:nvSpPr>
         <p:spPr>
           <a:xfrm>
-            <a:off x="831850" y="1709738"/>
-            <a:ext cx="10515600" cy="2852737"/>
+            <a:off x="841248" y="3429000"/>
+            <a:ext cx="9601200" cy="1838519"/>
           </a:xfrm>
         </p:spPr>
         <p:txBody>
-          <a:bodyPr anchor="b"/>
+          <a:bodyPr anchor="b">
+            <a:normAutofit/>
+          </a:bodyPr>
           <a:lstStyle>
             <a:lvl1pPr>
-              <a:defRPr sz="6000"/>
+              <a:defRPr sz="5200">
+                <a:solidFill>
+                  <a:schemeClr val="bg1"/>
+                </a:solidFill>
+              </a:defRPr>
             </a:lvl1pPr>
           </a:lstStyle>
           <a:p>
@@ -990,18 +1520,13 @@
               <a:rPr lang="en-US"/>
               <a:t>Click to edit Master title style</a:t>
             </a:r>
-          </a:p>
-        </p:txBody>
-      </p:sp>
-      <p:sp>
-        <p:nvSpPr>
-          <p:cNvPr id="3" name="Text Placeholder 2">
-            <a:extLst>
-              <a:ext uri="{FF2B5EF4-FFF2-40B4-BE49-F238E27FC236}">
-                <a16:creationId xmlns:a16="http://schemas.microsoft.com/office/drawing/2014/main" id="{9F21DC35-AD92-41BD-A2BD-EF69E8375B01}"/>
-              </a:ext>
-            </a:extLst>
-          </p:cNvPr>
+            <a:endParaRPr lang="en-US" dirty="0"/>
+          </a:p>
+        </p:txBody>
+      </p:sp>
+      <p:sp>
+        <p:nvSpPr>
+          <p:cNvPr id="3" name="Text Placeholder 2"/>
           <p:cNvSpPr>
             <a:spLocks noGrp="1"/>
           </p:cNvSpPr>
@@ -1011,102 +1536,55 @@
         </p:nvSpPr>
         <p:spPr>
           <a:xfrm>
-            <a:off x="831850" y="4589463"/>
-            <a:ext cx="10515600" cy="1500187"/>
+            <a:off x="841248" y="5340096"/>
+            <a:ext cx="9601200" cy="475488"/>
           </a:xfrm>
         </p:spPr>
         <p:txBody>
           <a:bodyPr/>
           <a:lstStyle>
             <a:lvl1pPr marL="0" indent="0">
+              <a:spcBef>
+                <a:spcPts val="0"/>
+              </a:spcBef>
               <a:buNone/>
               <a:defRPr sz="2400">
                 <a:solidFill>
-                  <a:schemeClr val="tx1">
-                    <a:tint val="75000"/>
-                  </a:schemeClr>
+                  <a:schemeClr val="bg1"/>
                 </a:solidFill>
               </a:defRPr>
             </a:lvl1pPr>
             <a:lvl2pPr marL="457200" indent="0">
               <a:buNone/>
-              <a:defRPr sz="2000">
-                <a:solidFill>
-                  <a:schemeClr val="tx1">
-                    <a:tint val="75000"/>
-                  </a:schemeClr>
-                </a:solidFill>
-              </a:defRPr>
+              <a:defRPr sz="2000"/>
             </a:lvl2pPr>
             <a:lvl3pPr marL="914400" indent="0">
               <a:buNone/>
-              <a:defRPr sz="1800">
-                <a:solidFill>
-                  <a:schemeClr val="tx1">
-                    <a:tint val="75000"/>
-                  </a:schemeClr>
-                </a:solidFill>
-              </a:defRPr>
+              <a:defRPr sz="1800"/>
             </a:lvl3pPr>
             <a:lvl4pPr marL="1371600" indent="0">
               <a:buNone/>
-              <a:defRPr sz="1600">
-                <a:solidFill>
-                  <a:schemeClr val="tx1">
-                    <a:tint val="75000"/>
-                  </a:schemeClr>
-                </a:solidFill>
-              </a:defRPr>
+              <a:defRPr sz="1600"/>
             </a:lvl4pPr>
             <a:lvl5pPr marL="1828800" indent="0">
               <a:buNone/>
-              <a:defRPr sz="1600">
-                <a:solidFill>
-                  <a:schemeClr val="tx1">
-                    <a:tint val="75000"/>
-                  </a:schemeClr>
-                </a:solidFill>
-              </a:defRPr>
+              <a:defRPr sz="1600"/>
             </a:lvl5pPr>
             <a:lvl6pPr marL="2286000" indent="0">
               <a:buNone/>
-              <a:defRPr sz="1600">
-                <a:solidFill>
-                  <a:schemeClr val="tx1">
-                    <a:tint val="75000"/>
-                  </a:schemeClr>
-                </a:solidFill>
-              </a:defRPr>
+              <a:defRPr sz="1600"/>
             </a:lvl6pPr>
             <a:lvl7pPr marL="2743200" indent="0">
               <a:buNone/>
-              <a:defRPr sz="1600">
-                <a:solidFill>
-                  <a:schemeClr val="tx1">
-                    <a:tint val="75000"/>
-                  </a:schemeClr>
-                </a:solidFill>
-              </a:defRPr>
+              <a:defRPr sz="1600"/>
             </a:lvl7pPr>
             <a:lvl8pPr marL="3200400" indent="0">
               <a:buNone/>
-              <a:defRPr sz="1600">
-                <a:solidFill>
-                  <a:schemeClr val="tx1">
-                    <a:tint val="75000"/>
-                  </a:schemeClr>
-                </a:solidFill>
-              </a:defRPr>
+              <a:defRPr sz="1600"/>
             </a:lvl8pPr>
             <a:lvl9pPr marL="3657600" indent="0">
               <a:buNone/>
-              <a:defRPr sz="1600">
-                <a:solidFill>
-                  <a:schemeClr val="tx1">
-                    <a:tint val="75000"/>
-                  </a:schemeClr>
-                </a:solidFill>
-              </a:defRPr>
+              <a:defRPr sz="1600"/>
             </a:lvl9pPr>
           </a:lstStyle>
           <a:p>
@@ -1115,102 +1593,31 @@
               <a:rPr lang="en-US"/>
               <a:t>Edit Master text styles</a:t>
             </a:r>
-          </a:p>
-        </p:txBody>
-      </p:sp>
-      <p:sp>
-        <p:nvSpPr>
-          <p:cNvPr id="4" name="Date Placeholder 3">
-            <a:extLst>
-              <a:ext uri="{FF2B5EF4-FFF2-40B4-BE49-F238E27FC236}">
-                <a16:creationId xmlns:a16="http://schemas.microsoft.com/office/drawing/2014/main" id="{AC55DAAE-53B8-44F8-9FEC-F7A4B03F0AB4}"/>
-              </a:ext>
-            </a:extLst>
-          </p:cNvPr>
-          <p:cNvSpPr>
-            <a:spLocks noGrp="1"/>
-          </p:cNvSpPr>
-          <p:nvPr>
-            <p:ph type="dt" sz="half" idx="10"/>
-          </p:nvPr>
-        </p:nvSpPr>
-        <p:spPr/>
-        <p:txBody>
-          <a:bodyPr/>
-          <a:lstStyle/>
-          <a:p>
-            <a:fld id="{1FED6004-F7BE-43C7-985E-0A487F9339B8}" type="datetimeFigureOut">
-              <a:rPr lang="en-US" smtClean="0"/>
-              <a:t>3/6/2019</a:t>
-            </a:fld>
-            <a:endParaRPr lang="en-US"/>
-          </a:p>
-        </p:txBody>
-      </p:sp>
-      <p:sp>
-        <p:nvSpPr>
-          <p:cNvPr id="5" name="Footer Placeholder 4">
-            <a:extLst>
-              <a:ext uri="{FF2B5EF4-FFF2-40B4-BE49-F238E27FC236}">
-                <a16:creationId xmlns:a16="http://schemas.microsoft.com/office/drawing/2014/main" id="{2919A517-7B8C-4AD4-A0F1-0FC375D21969}"/>
-              </a:ext>
-            </a:extLst>
-          </p:cNvPr>
-          <p:cNvSpPr>
-            <a:spLocks noGrp="1"/>
-          </p:cNvSpPr>
-          <p:nvPr>
-            <p:ph type="ftr" sz="quarter" idx="11"/>
-          </p:nvPr>
-        </p:nvSpPr>
-        <p:spPr/>
-        <p:txBody>
-          <a:bodyPr/>
-          <a:lstStyle/>
-          <a:p>
-            <a:endParaRPr lang="en-US"/>
-          </a:p>
-        </p:txBody>
-      </p:sp>
-      <p:sp>
-        <p:nvSpPr>
-          <p:cNvPr id="6" name="Slide Number Placeholder 5">
-            <a:extLst>
-              <a:ext uri="{FF2B5EF4-FFF2-40B4-BE49-F238E27FC236}">
-                <a16:creationId xmlns:a16="http://schemas.microsoft.com/office/drawing/2014/main" id="{E7680F46-1F75-4D71-8425-F6F973C7D435}"/>
-              </a:ext>
-            </a:extLst>
-          </p:cNvPr>
-          <p:cNvSpPr>
-            <a:spLocks noGrp="1"/>
-          </p:cNvSpPr>
-          <p:nvPr>
-            <p:ph type="sldNum" sz="quarter" idx="12"/>
-          </p:nvPr>
-        </p:nvSpPr>
-        <p:spPr/>
-        <p:txBody>
-          <a:bodyPr/>
-          <a:lstStyle/>
-          <a:p>
-            <a:fld id="{AF771BD0-E7B5-466C-A84F-456BFECB9CDE}" type="slidenum">
-              <a:rPr lang="en-US" smtClean="0"/>
-              <a:t>‹#›</a:t>
-            </a:fld>
-            <a:endParaRPr lang="en-US"/>
           </a:p>
         </p:txBody>
       </p:sp>
     </p:spTree>
     <p:extLst>
       <p:ext uri="{BB962C8B-B14F-4D97-AF65-F5344CB8AC3E}">
-        <p14:creationId xmlns:p14="http://schemas.microsoft.com/office/powerpoint/2010/main" val="1819323053"/>
+        <p14:creationId xmlns:p14="http://schemas.microsoft.com/office/powerpoint/2010/main" val="1917355129"/>
       </p:ext>
     </p:extLst>
   </p:cSld>
   <p:clrMapOvr>
     <a:masterClrMapping/>
   </p:clrMapOvr>
+  <mc:AlternateContent xmlns:mc="http://schemas.openxmlformats.org/markup-compatibility/2006" xmlns:p14="http://schemas.microsoft.com/office/powerpoint/2010/main">
+    <mc:Choice Requires="p14">
+      <p:transition spd="med" p14:dur="700">
+        <p:fade/>
+      </p:transition>
+    </mc:Choice>
+    <mc:Fallback xmlns="">
+      <p:transition spd="med">
+        <p:fade/>
+      </p:transition>
+    </mc:Fallback>
+  </mc:AlternateContent>
 </p:sldLayout>
 </file>
 
@@ -1233,13 +1640,7 @@
       </p:grpSpPr>
       <p:sp>
         <p:nvSpPr>
-          <p:cNvPr id="2" name="Title 1">
-            <a:extLst>
-              <a:ext uri="{FF2B5EF4-FFF2-40B4-BE49-F238E27FC236}">
-                <a16:creationId xmlns:a16="http://schemas.microsoft.com/office/drawing/2014/main" id="{AA68B493-14D1-4A2A-8B25-950A5489902B}"/>
-              </a:ext>
-            </a:extLst>
-          </p:cNvPr>
+          <p:cNvPr id="2" name="Title 1"/>
           <p:cNvSpPr>
             <a:spLocks noGrp="1"/>
           </p:cNvSpPr>
@@ -1247,7 +1648,12 @@
             <p:ph type="title"/>
           </p:nvPr>
         </p:nvSpPr>
-        <p:spPr/>
+        <p:spPr>
+          <a:xfrm>
+            <a:off x="838200" y="365126"/>
+            <a:ext cx="10515600" cy="1145224"/>
+          </a:xfrm>
+        </p:spPr>
         <p:txBody>
           <a:bodyPr/>
           <a:lstStyle/>
@@ -1261,13 +1667,7 @@
       </p:sp>
       <p:sp>
         <p:nvSpPr>
-          <p:cNvPr id="3" name="Content Placeholder 2">
-            <a:extLst>
-              <a:ext uri="{FF2B5EF4-FFF2-40B4-BE49-F238E27FC236}">
-                <a16:creationId xmlns:a16="http://schemas.microsoft.com/office/drawing/2014/main" id="{8639F813-64E9-4FC2-814C-5D97B49462A6}"/>
-              </a:ext>
-            </a:extLst>
-          </p:cNvPr>
+          <p:cNvPr id="3" name="Content Placeholder 2"/>
           <p:cNvSpPr>
             <a:spLocks noGrp="1"/>
           </p:cNvSpPr>
@@ -1278,12 +1678,42 @@
         <p:spPr>
           <a:xfrm>
             <a:off x="838200" y="1825625"/>
-            <a:ext cx="5181600" cy="4351338"/>
+            <a:ext cx="5029200" cy="4351338"/>
           </a:xfrm>
         </p:spPr>
         <p:txBody>
-          <a:bodyPr/>
-          <a:lstStyle/>
+          <a:bodyPr>
+            <a:normAutofit/>
+          </a:bodyPr>
+          <a:lstStyle>
+            <a:lvl1pPr>
+              <a:defRPr sz="2000"/>
+            </a:lvl1pPr>
+            <a:lvl2pPr>
+              <a:defRPr sz="1800"/>
+            </a:lvl2pPr>
+            <a:lvl3pPr>
+              <a:defRPr sz="1600"/>
+            </a:lvl3pPr>
+            <a:lvl4pPr>
+              <a:defRPr sz="1400"/>
+            </a:lvl4pPr>
+            <a:lvl5pPr>
+              <a:defRPr sz="1400"/>
+            </a:lvl5pPr>
+            <a:lvl6pPr>
+              <a:defRPr sz="1800"/>
+            </a:lvl6pPr>
+            <a:lvl7pPr>
+              <a:defRPr sz="1800"/>
+            </a:lvl7pPr>
+            <a:lvl8pPr>
+              <a:defRPr sz="1800"/>
+            </a:lvl8pPr>
+            <a:lvl9pPr>
+              <a:defRPr sz="1800"/>
+            </a:lvl9pPr>
+          </a:lstStyle>
           <a:p>
             <a:pPr lvl="0"/>
             <a:r>
@@ -1318,18 +1748,13 @@
               <a:rPr lang="en-US"/>
               <a:t>Fifth level</a:t>
             </a:r>
-          </a:p>
-        </p:txBody>
-      </p:sp>
-      <p:sp>
-        <p:nvSpPr>
-          <p:cNvPr id="4" name="Content Placeholder 3">
-            <a:extLst>
-              <a:ext uri="{FF2B5EF4-FFF2-40B4-BE49-F238E27FC236}">
-                <a16:creationId xmlns:a16="http://schemas.microsoft.com/office/drawing/2014/main" id="{F97FD4D4-494B-4892-A5D2-784F213CFB55}"/>
-              </a:ext>
-            </a:extLst>
-          </p:cNvPr>
+            <a:endParaRPr lang="en-US" dirty="0"/>
+          </a:p>
+        </p:txBody>
+      </p:sp>
+      <p:sp>
+        <p:nvSpPr>
+          <p:cNvPr id="4" name="Content Placeholder 3"/>
           <p:cNvSpPr>
             <a:spLocks noGrp="1"/>
           </p:cNvSpPr>
@@ -1339,59 +1764,103 @@
         </p:nvSpPr>
         <p:spPr>
           <a:xfrm>
-            <a:off x="6172200" y="1825625"/>
-            <a:ext cx="5181600" cy="4351338"/>
+            <a:off x="6324600" y="1825625"/>
+            <a:ext cx="5029200" cy="4351338"/>
           </a:xfrm>
         </p:spPr>
         <p:txBody>
+          <a:bodyPr>
+            <a:normAutofit/>
+          </a:bodyPr>
+          <a:lstStyle>
+            <a:lvl1pPr>
+              <a:defRPr sz="2000"/>
+            </a:lvl1pPr>
+            <a:lvl2pPr>
+              <a:defRPr sz="1800"/>
+            </a:lvl2pPr>
+            <a:lvl3pPr>
+              <a:defRPr sz="1600"/>
+            </a:lvl3pPr>
+            <a:lvl4pPr>
+              <a:defRPr sz="1400"/>
+            </a:lvl4pPr>
+            <a:lvl5pPr>
+              <a:defRPr sz="1400"/>
+            </a:lvl5pPr>
+            <a:lvl6pPr>
+              <a:defRPr sz="1800"/>
+            </a:lvl6pPr>
+            <a:lvl7pPr>
+              <a:defRPr sz="1800"/>
+            </a:lvl7pPr>
+            <a:lvl8pPr>
+              <a:defRPr sz="1800"/>
+            </a:lvl8pPr>
+            <a:lvl9pPr>
+              <a:defRPr sz="1800"/>
+            </a:lvl9pPr>
+          </a:lstStyle>
+          <a:p>
+            <a:pPr lvl="0"/>
+            <a:r>
+              <a:rPr lang="en-US"/>
+              <a:t>Edit Master text styles</a:t>
+            </a:r>
+          </a:p>
+          <a:p>
+            <a:pPr lvl="1"/>
+            <a:r>
+              <a:rPr lang="en-US"/>
+              <a:t>Second level</a:t>
+            </a:r>
+          </a:p>
+          <a:p>
+            <a:pPr lvl="2"/>
+            <a:r>
+              <a:rPr lang="en-US"/>
+              <a:t>Third level</a:t>
+            </a:r>
+          </a:p>
+          <a:p>
+            <a:pPr lvl="3"/>
+            <a:r>
+              <a:rPr lang="en-US"/>
+              <a:t>Fourth level</a:t>
+            </a:r>
+          </a:p>
+          <a:p>
+            <a:pPr lvl="4"/>
+            <a:r>
+              <a:rPr lang="en-US"/>
+              <a:t>Fifth level</a:t>
+            </a:r>
+            <a:endParaRPr lang="en-US" dirty="0"/>
+          </a:p>
+        </p:txBody>
+      </p:sp>
+      <p:sp>
+        <p:nvSpPr>
+          <p:cNvPr id="6" name="Footer Placeholder 4"/>
+          <p:cNvSpPr>
+            <a:spLocks noGrp="1"/>
+          </p:cNvSpPr>
+          <p:nvPr>
+            <p:ph type="ftr" sz="quarter" idx="11"/>
+          </p:nvPr>
+        </p:nvSpPr>
+        <p:spPr/>
+        <p:txBody>
           <a:bodyPr/>
           <a:lstStyle/>
           <a:p>
-            <a:pPr lvl="0"/>
-            <a:r>
-              <a:rPr lang="en-US"/>
-              <a:t>Edit Master text styles</a:t>
-            </a:r>
-          </a:p>
-          <a:p>
-            <a:pPr lvl="1"/>
-            <a:r>
-              <a:rPr lang="en-US"/>
-              <a:t>Second level</a:t>
-            </a:r>
-          </a:p>
-          <a:p>
-            <a:pPr lvl="2"/>
-            <a:r>
-              <a:rPr lang="en-US"/>
-              <a:t>Third level</a:t>
-            </a:r>
-          </a:p>
-          <a:p>
-            <a:pPr lvl="3"/>
-            <a:r>
-              <a:rPr lang="en-US"/>
-              <a:t>Fourth level</a:t>
-            </a:r>
-          </a:p>
-          <a:p>
-            <a:pPr lvl="4"/>
-            <a:r>
-              <a:rPr lang="en-US"/>
-              <a:t>Fifth level</a:t>
-            </a:r>
-          </a:p>
-        </p:txBody>
-      </p:sp>
-      <p:sp>
-        <p:nvSpPr>
-          <p:cNvPr id="5" name="Date Placeholder 4">
-            <a:extLst>
-              <a:ext uri="{FF2B5EF4-FFF2-40B4-BE49-F238E27FC236}">
-                <a16:creationId xmlns:a16="http://schemas.microsoft.com/office/drawing/2014/main" id="{579B190C-B042-4AD3-BA7A-09555FE15205}"/>
-              </a:ext>
-            </a:extLst>
-          </p:cNvPr>
+            <a:endParaRPr lang="en-US"/>
+          </a:p>
+        </p:txBody>
+      </p:sp>
+      <p:sp>
+        <p:nvSpPr>
+          <p:cNvPr id="5" name="Date Placeholder 5"/>
           <p:cNvSpPr>
             <a:spLocks noGrp="1"/>
           </p:cNvSpPr>
@@ -1404,7 +1873,7 @@
           <a:bodyPr/>
           <a:lstStyle/>
           <a:p>
-            <a:fld id="{1FED6004-F7BE-43C7-985E-0A487F9339B8}" type="datetimeFigureOut">
+            <a:fld id="{B0FE2824-C2A0-4931-BB32-60B24BDBB3CC}" type="datetimeFigureOut">
               <a:rPr lang="en-US" smtClean="0"/>
               <a:t>3/6/2019</a:t>
             </a:fld>
@@ -1414,18 +1883,12 @@
       </p:sp>
       <p:sp>
         <p:nvSpPr>
-          <p:cNvPr id="6" name="Footer Placeholder 5">
-            <a:extLst>
-              <a:ext uri="{FF2B5EF4-FFF2-40B4-BE49-F238E27FC236}">
-                <a16:creationId xmlns:a16="http://schemas.microsoft.com/office/drawing/2014/main" id="{A8D206F7-9D9E-4B7C-97D3-D0F1C644AE69}"/>
-              </a:ext>
-            </a:extLst>
-          </p:cNvPr>
-          <p:cNvSpPr>
-            <a:spLocks noGrp="1"/>
-          </p:cNvSpPr>
-          <p:nvPr>
-            <p:ph type="ftr" sz="quarter" idx="11"/>
+          <p:cNvPr id="7" name="Slide Number Placeholder 6"/>
+          <p:cNvSpPr>
+            <a:spLocks noGrp="1"/>
+          </p:cNvSpPr>
+          <p:nvPr>
+            <p:ph type="sldNum" sz="quarter" idx="12"/>
           </p:nvPr>
         </p:nvSpPr>
         <p:spPr/>
@@ -1433,32 +1896,7 @@
           <a:bodyPr/>
           <a:lstStyle/>
           <a:p>
-            <a:endParaRPr lang="en-US"/>
-          </a:p>
-        </p:txBody>
-      </p:sp>
-      <p:sp>
-        <p:nvSpPr>
-          <p:cNvPr id="7" name="Slide Number Placeholder 6">
-            <a:extLst>
-              <a:ext uri="{FF2B5EF4-FFF2-40B4-BE49-F238E27FC236}">
-                <a16:creationId xmlns:a16="http://schemas.microsoft.com/office/drawing/2014/main" id="{C94B96A3-FECC-42A4-87D6-E736A566EE88}"/>
-              </a:ext>
-            </a:extLst>
-          </p:cNvPr>
-          <p:cNvSpPr>
-            <a:spLocks noGrp="1"/>
-          </p:cNvSpPr>
-          <p:nvPr>
-            <p:ph type="sldNum" sz="quarter" idx="12"/>
-          </p:nvPr>
-        </p:nvSpPr>
-        <p:spPr/>
-        <p:txBody>
-          <a:bodyPr/>
-          <a:lstStyle/>
-          <a:p>
-            <a:fld id="{AF771BD0-E7B5-466C-A84F-456BFECB9CDE}" type="slidenum">
+            <a:fld id="{B13333A4-2EF1-4B79-B68C-AB20E66B4822}" type="slidenum">
               <a:rPr lang="en-US" smtClean="0"/>
               <a:t>‹#›</a:t>
             </a:fld>
@@ -1469,13 +1907,25 @@
     </p:spTree>
     <p:extLst>
       <p:ext uri="{BB962C8B-B14F-4D97-AF65-F5344CB8AC3E}">
-        <p14:creationId xmlns:p14="http://schemas.microsoft.com/office/powerpoint/2010/main" val="1099658875"/>
+        <p14:creationId xmlns:p14="http://schemas.microsoft.com/office/powerpoint/2010/main" val="3963172377"/>
       </p:ext>
     </p:extLst>
   </p:cSld>
   <p:clrMapOvr>
     <a:masterClrMapping/>
   </p:clrMapOvr>
+  <mc:AlternateContent xmlns:mc="http://schemas.openxmlformats.org/markup-compatibility/2006" xmlns:p14="http://schemas.microsoft.com/office/powerpoint/2010/main">
+    <mc:Choice Requires="p14">
+      <p:transition spd="med" p14:dur="700">
+        <p:fade/>
+      </p:transition>
+    </mc:Choice>
+    <mc:Fallback xmlns="">
+      <p:transition spd="med">
+        <p:fade/>
+      </p:transition>
+    </mc:Fallback>
+  </mc:AlternateContent>
 </p:sldLayout>
 </file>
 
@@ -1498,65 +1948,53 @@
       </p:grpSpPr>
       <p:sp>
         <p:nvSpPr>
-          <p:cNvPr id="2" name="Title 1">
-            <a:extLst>
-              <a:ext uri="{FF2B5EF4-FFF2-40B4-BE49-F238E27FC236}">
-                <a16:creationId xmlns:a16="http://schemas.microsoft.com/office/drawing/2014/main" id="{C74B938F-C98C-47B1-BF68-58DB28B30E34}"/>
-              </a:ext>
-            </a:extLst>
-          </p:cNvPr>
+          <p:cNvPr id="2" name="Title 1"/>
           <p:cNvSpPr>
             <a:spLocks noGrp="1"/>
           </p:cNvSpPr>
           <p:nvPr>
             <p:ph type="title"/>
+          </p:nvPr>
+        </p:nvSpPr>
+        <p:spPr/>
+        <p:txBody>
+          <a:bodyPr/>
+          <a:lstStyle/>
+          <a:p>
+            <a:r>
+              <a:rPr lang="en-US"/>
+              <a:t>Click to edit Master title style</a:t>
+            </a:r>
+          </a:p>
+        </p:txBody>
+      </p:sp>
+      <p:sp>
+        <p:nvSpPr>
+          <p:cNvPr id="3" name="Text Placeholder 2"/>
+          <p:cNvSpPr>
+            <a:spLocks noGrp="1"/>
+          </p:cNvSpPr>
+          <p:nvPr>
+            <p:ph type="body" idx="1"/>
           </p:nvPr>
         </p:nvSpPr>
         <p:spPr>
           <a:xfrm>
-            <a:off x="839788" y="365125"/>
-            <a:ext cx="10515600" cy="1325563"/>
+            <a:off x="839788" y="1828800"/>
+            <a:ext cx="5029200" cy="685800"/>
           </a:xfrm>
         </p:spPr>
         <p:txBody>
-          <a:bodyPr/>
-          <a:lstStyle/>
-          <a:p>
-            <a:r>
-              <a:rPr lang="en-US"/>
-              <a:t>Click to edit Master title style</a:t>
-            </a:r>
-          </a:p>
-        </p:txBody>
-      </p:sp>
-      <p:sp>
-        <p:nvSpPr>
-          <p:cNvPr id="3" name="Text Placeholder 2">
-            <a:extLst>
-              <a:ext uri="{FF2B5EF4-FFF2-40B4-BE49-F238E27FC236}">
-                <a16:creationId xmlns:a16="http://schemas.microsoft.com/office/drawing/2014/main" id="{127C6544-7566-4162-90CC-66B5F7B5C5E0}"/>
-              </a:ext>
-            </a:extLst>
-          </p:cNvPr>
-          <p:cNvSpPr>
-            <a:spLocks noGrp="1"/>
-          </p:cNvSpPr>
-          <p:nvPr>
-            <p:ph type="body" idx="1"/>
-          </p:nvPr>
-        </p:nvSpPr>
-        <p:spPr>
-          <a:xfrm>
-            <a:off x="839788" y="1681163"/>
-            <a:ext cx="5157787" cy="823912"/>
-          </a:xfrm>
-        </p:spPr>
-        <p:txBody>
-          <a:bodyPr anchor="b"/>
+          <a:bodyPr anchor="ctr">
+            <a:normAutofit/>
+          </a:bodyPr>
           <a:lstStyle>
             <a:lvl1pPr marL="0" indent="0">
-              <a:buNone/>
-              <a:defRPr sz="2400" b="1"/>
+              <a:spcBef>
+                <a:spcPts val="1000"/>
+              </a:spcBef>
+              <a:buNone/>
+              <a:defRPr sz="2000" b="1"/>
             </a:lvl1pPr>
             <a:lvl2pPr marL="457200" indent="0">
               <a:buNone/>
@@ -1602,13 +2040,7 @@
       </p:sp>
       <p:sp>
         <p:nvSpPr>
-          <p:cNvPr id="4" name="Content Placeholder 3">
-            <a:extLst>
-              <a:ext uri="{FF2B5EF4-FFF2-40B4-BE49-F238E27FC236}">
-                <a16:creationId xmlns:a16="http://schemas.microsoft.com/office/drawing/2014/main" id="{CC4FD9D3-F88D-4A95-B310-B1B363AD466E}"/>
-              </a:ext>
-            </a:extLst>
-          </p:cNvPr>
+          <p:cNvPr id="4" name="Content Placeholder 3"/>
           <p:cNvSpPr>
             <a:spLocks noGrp="1"/>
           </p:cNvSpPr>
@@ -1618,13 +2050,43 @@
         </p:nvSpPr>
         <p:spPr>
           <a:xfrm>
-            <a:off x="839788" y="2505075"/>
-            <a:ext cx="5157787" cy="3684588"/>
+            <a:off x="839788" y="2514600"/>
+            <a:ext cx="5029200" cy="3675063"/>
           </a:xfrm>
         </p:spPr>
         <p:txBody>
-          <a:bodyPr/>
-          <a:lstStyle/>
+          <a:bodyPr>
+            <a:normAutofit/>
+          </a:bodyPr>
+          <a:lstStyle>
+            <a:lvl1pPr>
+              <a:defRPr sz="2000"/>
+            </a:lvl1pPr>
+            <a:lvl2pPr>
+              <a:defRPr sz="1800"/>
+            </a:lvl2pPr>
+            <a:lvl3pPr>
+              <a:defRPr sz="1600"/>
+            </a:lvl3pPr>
+            <a:lvl4pPr>
+              <a:defRPr sz="1400"/>
+            </a:lvl4pPr>
+            <a:lvl5pPr>
+              <a:defRPr sz="1400"/>
+            </a:lvl5pPr>
+            <a:lvl6pPr>
+              <a:defRPr sz="1600"/>
+            </a:lvl6pPr>
+            <a:lvl7pPr>
+              <a:defRPr sz="1600"/>
+            </a:lvl7pPr>
+            <a:lvl8pPr>
+              <a:defRPr sz="1600"/>
+            </a:lvl8pPr>
+            <a:lvl9pPr>
+              <a:defRPr sz="1600"/>
+            </a:lvl9pPr>
+          </a:lstStyle>
           <a:p>
             <a:pPr lvl="0"/>
             <a:r>
@@ -1659,18 +2121,13 @@
               <a:rPr lang="en-US"/>
               <a:t>Fifth level</a:t>
             </a:r>
-          </a:p>
-        </p:txBody>
-      </p:sp>
-      <p:sp>
-        <p:nvSpPr>
-          <p:cNvPr id="5" name="Text Placeholder 4">
-            <a:extLst>
-              <a:ext uri="{FF2B5EF4-FFF2-40B4-BE49-F238E27FC236}">
-                <a16:creationId xmlns:a16="http://schemas.microsoft.com/office/drawing/2014/main" id="{3690EE2E-18E9-4839-BFE4-B2FA41236DC2}"/>
-              </a:ext>
-            </a:extLst>
-          </p:cNvPr>
+            <a:endParaRPr lang="en-US" dirty="0"/>
+          </a:p>
+        </p:txBody>
+      </p:sp>
+      <p:sp>
+        <p:nvSpPr>
+          <p:cNvPr id="5" name="Text Placeholder 4"/>
           <p:cNvSpPr>
             <a:spLocks noGrp="1"/>
           </p:cNvSpPr>
@@ -1680,16 +2137,21 @@
         </p:nvSpPr>
         <p:spPr>
           <a:xfrm>
-            <a:off x="6172200" y="1681163"/>
-            <a:ext cx="5183188" cy="823912"/>
+            <a:off x="6326188" y="1828800"/>
+            <a:ext cx="5029200" cy="685800"/>
           </a:xfrm>
         </p:spPr>
         <p:txBody>
-          <a:bodyPr anchor="b"/>
+          <a:bodyPr anchor="ctr">
+            <a:normAutofit/>
+          </a:bodyPr>
           <a:lstStyle>
             <a:lvl1pPr marL="0" indent="0">
-              <a:buNone/>
-              <a:defRPr sz="2400" b="1"/>
+              <a:spcBef>
+                <a:spcPts val="1000"/>
+              </a:spcBef>
+              <a:buNone/>
+              <a:defRPr sz="2000" b="1"/>
             </a:lvl1pPr>
             <a:lvl2pPr marL="457200" indent="0">
               <a:buNone/>
@@ -1735,13 +2197,7 @@
       </p:sp>
       <p:sp>
         <p:nvSpPr>
-          <p:cNvPr id="6" name="Content Placeholder 5">
-            <a:extLst>
-              <a:ext uri="{FF2B5EF4-FFF2-40B4-BE49-F238E27FC236}">
-                <a16:creationId xmlns:a16="http://schemas.microsoft.com/office/drawing/2014/main" id="{0710A8A7-F01C-4DE2-947A-48728130E022}"/>
-              </a:ext>
-            </a:extLst>
-          </p:cNvPr>
+          <p:cNvPr id="6" name="Content Placeholder 5"/>
           <p:cNvSpPr>
             <a:spLocks noGrp="1"/>
           </p:cNvSpPr>
@@ -1751,59 +2207,102 @@
         </p:nvSpPr>
         <p:spPr>
           <a:xfrm>
-            <a:off x="6172200" y="2505075"/>
-            <a:ext cx="5183188" cy="3684588"/>
+            <a:off x="6326188" y="2514600"/>
+            <a:ext cx="5029200" cy="3675063"/>
           </a:xfrm>
         </p:spPr>
         <p:txBody>
+          <a:bodyPr>
+            <a:normAutofit/>
+          </a:bodyPr>
+          <a:lstStyle>
+            <a:lvl1pPr>
+              <a:defRPr sz="2000"/>
+            </a:lvl1pPr>
+            <a:lvl2pPr>
+              <a:defRPr sz="1800"/>
+            </a:lvl2pPr>
+            <a:lvl3pPr>
+              <a:defRPr sz="1600"/>
+            </a:lvl3pPr>
+            <a:lvl4pPr>
+              <a:defRPr sz="1400"/>
+            </a:lvl4pPr>
+            <a:lvl5pPr>
+              <a:defRPr sz="1400"/>
+            </a:lvl5pPr>
+            <a:lvl6pPr>
+              <a:defRPr sz="1600"/>
+            </a:lvl6pPr>
+            <a:lvl7pPr>
+              <a:defRPr sz="1600"/>
+            </a:lvl7pPr>
+            <a:lvl8pPr>
+              <a:defRPr sz="1600"/>
+            </a:lvl8pPr>
+            <a:lvl9pPr>
+              <a:defRPr sz="1600"/>
+            </a:lvl9pPr>
+          </a:lstStyle>
+          <a:p>
+            <a:pPr lvl="0"/>
+            <a:r>
+              <a:rPr lang="en-US"/>
+              <a:t>Edit Master text styles</a:t>
+            </a:r>
+          </a:p>
+          <a:p>
+            <a:pPr lvl="1"/>
+            <a:r>
+              <a:rPr lang="en-US"/>
+              <a:t>Second level</a:t>
+            </a:r>
+          </a:p>
+          <a:p>
+            <a:pPr lvl="2"/>
+            <a:r>
+              <a:rPr lang="en-US"/>
+              <a:t>Third level</a:t>
+            </a:r>
+          </a:p>
+          <a:p>
+            <a:pPr lvl="3"/>
+            <a:r>
+              <a:rPr lang="en-US"/>
+              <a:t>Fourth level</a:t>
+            </a:r>
+          </a:p>
+          <a:p>
+            <a:pPr lvl="4"/>
+            <a:r>
+              <a:rPr lang="en-US"/>
+              <a:t>Fifth level</a:t>
+            </a:r>
+          </a:p>
+        </p:txBody>
+      </p:sp>
+      <p:sp>
+        <p:nvSpPr>
+          <p:cNvPr id="8" name="Footer Placeholder 6"/>
+          <p:cNvSpPr>
+            <a:spLocks noGrp="1"/>
+          </p:cNvSpPr>
+          <p:nvPr>
+            <p:ph type="ftr" sz="quarter" idx="11"/>
+          </p:nvPr>
+        </p:nvSpPr>
+        <p:spPr/>
+        <p:txBody>
           <a:bodyPr/>
           <a:lstStyle/>
           <a:p>
-            <a:pPr lvl="0"/>
-            <a:r>
-              <a:rPr lang="en-US"/>
-              <a:t>Edit Master text styles</a:t>
-            </a:r>
-          </a:p>
-          <a:p>
-            <a:pPr lvl="1"/>
-            <a:r>
-              <a:rPr lang="en-US"/>
-              <a:t>Second level</a:t>
-            </a:r>
-          </a:p>
-          <a:p>
-            <a:pPr lvl="2"/>
-            <a:r>
-              <a:rPr lang="en-US"/>
-              <a:t>Third level</a:t>
-            </a:r>
-          </a:p>
-          <a:p>
-            <a:pPr lvl="3"/>
-            <a:r>
-              <a:rPr lang="en-US"/>
-              <a:t>Fourth level</a:t>
-            </a:r>
-          </a:p>
-          <a:p>
-            <a:pPr lvl="4"/>
-            <a:r>
-              <a:rPr lang="en-US"/>
-              <a:t>Fifth level</a:t>
-            </a:r>
-          </a:p>
-        </p:txBody>
-      </p:sp>
-      <p:sp>
-        <p:nvSpPr>
-          <p:cNvPr id="7" name="Date Placeholder 6">
-            <a:extLst>
-              <a:ext uri="{FF2B5EF4-FFF2-40B4-BE49-F238E27FC236}">
-                <a16:creationId xmlns:a16="http://schemas.microsoft.com/office/drawing/2014/main" id="{58A43A13-B903-480A-B689-BB3492C7ADE9}"/>
-              </a:ext>
-            </a:extLst>
-          </p:cNvPr>
+            <a:endParaRPr lang="en-US"/>
+          </a:p>
+        </p:txBody>
+      </p:sp>
+      <p:sp>
+        <p:nvSpPr>
+          <p:cNvPr id="7" name="Date Placeholder 7"/>
           <p:cNvSpPr>
             <a:spLocks noGrp="1"/>
           </p:cNvSpPr>
@@ -1816,7 +2315,7 @@
           <a:bodyPr/>
           <a:lstStyle/>
           <a:p>
-            <a:fld id="{1FED6004-F7BE-43C7-985E-0A487F9339B8}" type="datetimeFigureOut">
+            <a:fld id="{B0FE2824-C2A0-4931-BB32-60B24BDBB3CC}" type="datetimeFigureOut">
               <a:rPr lang="en-US" smtClean="0"/>
               <a:t>3/6/2019</a:t>
             </a:fld>
@@ -1826,18 +2325,12 @@
       </p:sp>
       <p:sp>
         <p:nvSpPr>
-          <p:cNvPr id="8" name="Footer Placeholder 7">
-            <a:extLst>
-              <a:ext uri="{FF2B5EF4-FFF2-40B4-BE49-F238E27FC236}">
-                <a16:creationId xmlns:a16="http://schemas.microsoft.com/office/drawing/2014/main" id="{2EF4DB78-D78E-4626-9F88-DA1661E0CA1B}"/>
-              </a:ext>
-            </a:extLst>
-          </p:cNvPr>
-          <p:cNvSpPr>
-            <a:spLocks noGrp="1"/>
-          </p:cNvSpPr>
-          <p:nvPr>
-            <p:ph type="ftr" sz="quarter" idx="11"/>
+          <p:cNvPr id="9" name="Slide Number Placeholder 8"/>
+          <p:cNvSpPr>
+            <a:spLocks noGrp="1"/>
+          </p:cNvSpPr>
+          <p:nvPr>
+            <p:ph type="sldNum" sz="quarter" idx="12"/>
           </p:nvPr>
         </p:nvSpPr>
         <p:spPr/>
@@ -1845,32 +2338,7 @@
           <a:bodyPr/>
           <a:lstStyle/>
           <a:p>
-            <a:endParaRPr lang="en-US"/>
-          </a:p>
-        </p:txBody>
-      </p:sp>
-      <p:sp>
-        <p:nvSpPr>
-          <p:cNvPr id="9" name="Slide Number Placeholder 8">
-            <a:extLst>
-              <a:ext uri="{FF2B5EF4-FFF2-40B4-BE49-F238E27FC236}">
-                <a16:creationId xmlns:a16="http://schemas.microsoft.com/office/drawing/2014/main" id="{5CE845B7-7506-499A-8B41-0D23A6ECF736}"/>
-              </a:ext>
-            </a:extLst>
-          </p:cNvPr>
-          <p:cNvSpPr>
-            <a:spLocks noGrp="1"/>
-          </p:cNvSpPr>
-          <p:nvPr>
-            <p:ph type="sldNum" sz="quarter" idx="12"/>
-          </p:nvPr>
-        </p:nvSpPr>
-        <p:spPr/>
-        <p:txBody>
-          <a:bodyPr/>
-          <a:lstStyle/>
-          <a:p>
-            <a:fld id="{AF771BD0-E7B5-466C-A84F-456BFECB9CDE}" type="slidenum">
+            <a:fld id="{B13333A4-2EF1-4B79-B68C-AB20E66B4822}" type="slidenum">
               <a:rPr lang="en-US" smtClean="0"/>
               <a:t>‹#›</a:t>
             </a:fld>
@@ -1881,13 +2349,25 @@
     </p:spTree>
     <p:extLst>
       <p:ext uri="{BB962C8B-B14F-4D97-AF65-F5344CB8AC3E}">
-        <p14:creationId xmlns:p14="http://schemas.microsoft.com/office/powerpoint/2010/main" val="828897335"/>
+        <p14:creationId xmlns:p14="http://schemas.microsoft.com/office/powerpoint/2010/main" val="1447994018"/>
       </p:ext>
     </p:extLst>
   </p:cSld>
   <p:clrMapOvr>
     <a:masterClrMapping/>
   </p:clrMapOvr>
+  <mc:AlternateContent xmlns:mc="http://schemas.openxmlformats.org/markup-compatibility/2006" xmlns:p14="http://schemas.microsoft.com/office/powerpoint/2010/main">
+    <mc:Choice Requires="p14">
+      <p:transition spd="med" p14:dur="700">
+        <p:fade/>
+      </p:transition>
+    </mc:Choice>
+    <mc:Fallback xmlns="">
+      <p:transition spd="med">
+        <p:fade/>
+      </p:transition>
+    </mc:Fallback>
+  </mc:AlternateContent>
 </p:sldLayout>
 </file>
 
@@ -1910,13 +2390,7 @@
       </p:grpSpPr>
       <p:sp>
         <p:nvSpPr>
-          <p:cNvPr id="2" name="Title 1">
-            <a:extLst>
-              <a:ext uri="{FF2B5EF4-FFF2-40B4-BE49-F238E27FC236}">
-                <a16:creationId xmlns:a16="http://schemas.microsoft.com/office/drawing/2014/main" id="{0184132F-7CA2-4A21-B339-0B00F8DCE501}"/>
-              </a:ext>
-            </a:extLst>
-          </p:cNvPr>
+          <p:cNvPr id="2" name="Title 1"/>
           <p:cNvSpPr>
             <a:spLocks noGrp="1"/>
           </p:cNvSpPr>
@@ -1938,13 +2412,26 @@
       </p:sp>
       <p:sp>
         <p:nvSpPr>
-          <p:cNvPr id="3" name="Date Placeholder 2">
-            <a:extLst>
-              <a:ext uri="{FF2B5EF4-FFF2-40B4-BE49-F238E27FC236}">
-                <a16:creationId xmlns:a16="http://schemas.microsoft.com/office/drawing/2014/main" id="{14651119-5D01-4A16-9EF3-12391ABFCC98}"/>
-              </a:ext>
-            </a:extLst>
-          </p:cNvPr>
+          <p:cNvPr id="4" name="Footer Placeholder 2"/>
+          <p:cNvSpPr>
+            <a:spLocks noGrp="1"/>
+          </p:cNvSpPr>
+          <p:nvPr>
+            <p:ph type="ftr" sz="quarter" idx="11"/>
+          </p:nvPr>
+        </p:nvSpPr>
+        <p:spPr/>
+        <p:txBody>
+          <a:bodyPr/>
+          <a:lstStyle/>
+          <a:p>
+            <a:endParaRPr lang="en-US"/>
+          </a:p>
+        </p:txBody>
+      </p:sp>
+      <p:sp>
+        <p:nvSpPr>
+          <p:cNvPr id="3" name="Date Placeholder 3"/>
           <p:cNvSpPr>
             <a:spLocks noGrp="1"/>
           </p:cNvSpPr>
@@ -1957,7 +2444,7 @@
           <a:bodyPr/>
           <a:lstStyle/>
           <a:p>
-            <a:fld id="{1FED6004-F7BE-43C7-985E-0A487F9339B8}" type="datetimeFigureOut">
+            <a:fld id="{B0FE2824-C2A0-4931-BB32-60B24BDBB3CC}" type="datetimeFigureOut">
               <a:rPr lang="en-US" smtClean="0"/>
               <a:t>3/6/2019</a:t>
             </a:fld>
@@ -1967,18 +2454,12 @@
       </p:sp>
       <p:sp>
         <p:nvSpPr>
-          <p:cNvPr id="4" name="Footer Placeholder 3">
-            <a:extLst>
-              <a:ext uri="{FF2B5EF4-FFF2-40B4-BE49-F238E27FC236}">
-                <a16:creationId xmlns:a16="http://schemas.microsoft.com/office/drawing/2014/main" id="{3FC8B604-E214-49D5-B930-276511D41391}"/>
-              </a:ext>
-            </a:extLst>
-          </p:cNvPr>
-          <p:cNvSpPr>
-            <a:spLocks noGrp="1"/>
-          </p:cNvSpPr>
-          <p:nvPr>
-            <p:ph type="ftr" sz="quarter" idx="11"/>
+          <p:cNvPr id="5" name="Slide Number Placeholder 4"/>
+          <p:cNvSpPr>
+            <a:spLocks noGrp="1"/>
+          </p:cNvSpPr>
+          <p:nvPr>
+            <p:ph type="sldNum" sz="quarter" idx="12"/>
           </p:nvPr>
         </p:nvSpPr>
         <p:spPr/>
@@ -1986,32 +2467,7 @@
           <a:bodyPr/>
           <a:lstStyle/>
           <a:p>
-            <a:endParaRPr lang="en-US"/>
-          </a:p>
-        </p:txBody>
-      </p:sp>
-      <p:sp>
-        <p:nvSpPr>
-          <p:cNvPr id="5" name="Slide Number Placeholder 4">
-            <a:extLst>
-              <a:ext uri="{FF2B5EF4-FFF2-40B4-BE49-F238E27FC236}">
-                <a16:creationId xmlns:a16="http://schemas.microsoft.com/office/drawing/2014/main" id="{12FFB820-F960-419E-A2C7-A0386AE4BE8C}"/>
-              </a:ext>
-            </a:extLst>
-          </p:cNvPr>
-          <p:cNvSpPr>
-            <a:spLocks noGrp="1"/>
-          </p:cNvSpPr>
-          <p:nvPr>
-            <p:ph type="sldNum" sz="quarter" idx="12"/>
-          </p:nvPr>
-        </p:nvSpPr>
-        <p:spPr/>
-        <p:txBody>
-          <a:bodyPr/>
-          <a:lstStyle/>
-          <a:p>
-            <a:fld id="{AF771BD0-E7B5-466C-A84F-456BFECB9CDE}" type="slidenum">
+            <a:fld id="{B13333A4-2EF1-4B79-B68C-AB20E66B4822}" type="slidenum">
               <a:rPr lang="en-US" smtClean="0"/>
               <a:t>‹#›</a:t>
             </a:fld>
@@ -2022,13 +2478,25 @@
     </p:spTree>
     <p:extLst>
       <p:ext uri="{BB962C8B-B14F-4D97-AF65-F5344CB8AC3E}">
-        <p14:creationId xmlns:p14="http://schemas.microsoft.com/office/powerpoint/2010/main" val="3824068348"/>
+        <p14:creationId xmlns:p14="http://schemas.microsoft.com/office/powerpoint/2010/main" val="3956345120"/>
       </p:ext>
     </p:extLst>
   </p:cSld>
   <p:clrMapOvr>
     <a:masterClrMapping/>
   </p:clrMapOvr>
+  <mc:AlternateContent xmlns:mc="http://schemas.openxmlformats.org/markup-compatibility/2006" xmlns:p14="http://schemas.microsoft.com/office/powerpoint/2010/main">
+    <mc:Choice Requires="p14">
+      <p:transition spd="med" p14:dur="700">
+        <p:fade/>
+      </p:transition>
+    </mc:Choice>
+    <mc:Fallback xmlns="">
+      <p:transition spd="med">
+        <p:fade/>
+      </p:transition>
+    </mc:Fallback>
+  </mc:AlternateContent>
 </p:sldLayout>
 </file>
 
@@ -2051,13 +2519,26 @@
       </p:grpSpPr>
       <p:sp>
         <p:nvSpPr>
-          <p:cNvPr id="2" name="Date Placeholder 1">
-            <a:extLst>
-              <a:ext uri="{FF2B5EF4-FFF2-40B4-BE49-F238E27FC236}">
-                <a16:creationId xmlns:a16="http://schemas.microsoft.com/office/drawing/2014/main" id="{A83F036C-9255-4426-AB7B-1B7CBFFE41BB}"/>
-              </a:ext>
-            </a:extLst>
-          </p:cNvPr>
+          <p:cNvPr id="3" name="Footer Placeholder 1"/>
+          <p:cNvSpPr>
+            <a:spLocks noGrp="1"/>
+          </p:cNvSpPr>
+          <p:nvPr>
+            <p:ph type="ftr" sz="quarter" idx="11"/>
+          </p:nvPr>
+        </p:nvSpPr>
+        <p:spPr/>
+        <p:txBody>
+          <a:bodyPr/>
+          <a:lstStyle/>
+          <a:p>
+            <a:endParaRPr lang="en-US"/>
+          </a:p>
+        </p:txBody>
+      </p:sp>
+      <p:sp>
+        <p:nvSpPr>
+          <p:cNvPr id="2" name="Date Placeholder 2"/>
           <p:cNvSpPr>
             <a:spLocks noGrp="1"/>
           </p:cNvSpPr>
@@ -2070,7 +2551,7 @@
           <a:bodyPr/>
           <a:lstStyle/>
           <a:p>
-            <a:fld id="{1FED6004-F7BE-43C7-985E-0A487F9339B8}" type="datetimeFigureOut">
+            <a:fld id="{B0FE2824-C2A0-4931-BB32-60B24BDBB3CC}" type="datetimeFigureOut">
               <a:rPr lang="en-US" smtClean="0"/>
               <a:t>3/6/2019</a:t>
             </a:fld>
@@ -2080,18 +2561,12 @@
       </p:sp>
       <p:sp>
         <p:nvSpPr>
-          <p:cNvPr id="3" name="Footer Placeholder 2">
-            <a:extLst>
-              <a:ext uri="{FF2B5EF4-FFF2-40B4-BE49-F238E27FC236}">
-                <a16:creationId xmlns:a16="http://schemas.microsoft.com/office/drawing/2014/main" id="{C61CAEBF-D965-41AC-B1DD-D9C97662C3D8}"/>
-              </a:ext>
-            </a:extLst>
-          </p:cNvPr>
-          <p:cNvSpPr>
-            <a:spLocks noGrp="1"/>
-          </p:cNvSpPr>
-          <p:nvPr>
-            <p:ph type="ftr" sz="quarter" idx="11"/>
+          <p:cNvPr id="4" name="Slide Number Placeholder 3"/>
+          <p:cNvSpPr>
+            <a:spLocks noGrp="1"/>
+          </p:cNvSpPr>
+          <p:nvPr>
+            <p:ph type="sldNum" sz="quarter" idx="12"/>
           </p:nvPr>
         </p:nvSpPr>
         <p:spPr/>
@@ -2099,32 +2574,7 @@
           <a:bodyPr/>
           <a:lstStyle/>
           <a:p>
-            <a:endParaRPr lang="en-US"/>
-          </a:p>
-        </p:txBody>
-      </p:sp>
-      <p:sp>
-        <p:nvSpPr>
-          <p:cNvPr id="4" name="Slide Number Placeholder 3">
-            <a:extLst>
-              <a:ext uri="{FF2B5EF4-FFF2-40B4-BE49-F238E27FC236}">
-                <a16:creationId xmlns:a16="http://schemas.microsoft.com/office/drawing/2014/main" id="{03E83696-7671-4BD2-97C8-9D44734AB3A4}"/>
-              </a:ext>
-            </a:extLst>
-          </p:cNvPr>
-          <p:cNvSpPr>
-            <a:spLocks noGrp="1"/>
-          </p:cNvSpPr>
-          <p:nvPr>
-            <p:ph type="sldNum" sz="quarter" idx="12"/>
-          </p:nvPr>
-        </p:nvSpPr>
-        <p:spPr/>
-        <p:txBody>
-          <a:bodyPr/>
-          <a:lstStyle/>
-          <a:p>
-            <a:fld id="{AF771BD0-E7B5-466C-A84F-456BFECB9CDE}" type="slidenum">
+            <a:fld id="{B13333A4-2EF1-4B79-B68C-AB20E66B4822}" type="slidenum">
               <a:rPr lang="en-US" smtClean="0"/>
               <a:t>‹#›</a:t>
             </a:fld>
@@ -2135,13 +2585,25 @@
     </p:spTree>
     <p:extLst>
       <p:ext uri="{BB962C8B-B14F-4D97-AF65-F5344CB8AC3E}">
-        <p14:creationId xmlns:p14="http://schemas.microsoft.com/office/powerpoint/2010/main" val="2943113954"/>
+        <p14:creationId xmlns:p14="http://schemas.microsoft.com/office/powerpoint/2010/main" val="3667301160"/>
       </p:ext>
     </p:extLst>
   </p:cSld>
   <p:clrMapOvr>
     <a:masterClrMapping/>
   </p:clrMapOvr>
+  <mc:AlternateContent xmlns:mc="http://schemas.openxmlformats.org/markup-compatibility/2006" xmlns:p14="http://schemas.microsoft.com/office/powerpoint/2010/main">
+    <mc:Choice Requires="p14">
+      <p:transition spd="med" p14:dur="700">
+        <p:fade/>
+      </p:transition>
+    </mc:Choice>
+    <mc:Fallback xmlns="">
+      <p:transition spd="med">
+        <p:fade/>
+      </p:transition>
+    </mc:Fallback>
+  </mc:AlternateContent>
 </p:sldLayout>
 </file>
 
@@ -2164,13 +2626,7 @@
       </p:grpSpPr>
       <p:sp>
         <p:nvSpPr>
-          <p:cNvPr id="2" name="Title 1">
-            <a:extLst>
-              <a:ext uri="{FF2B5EF4-FFF2-40B4-BE49-F238E27FC236}">
-                <a16:creationId xmlns:a16="http://schemas.microsoft.com/office/drawing/2014/main" id="{95832DE3-3DD3-4E31-8E70-DCAFC899231E}"/>
-              </a:ext>
-            </a:extLst>
-          </p:cNvPr>
+          <p:cNvPr id="2" name="Title 1"/>
           <p:cNvSpPr>
             <a:spLocks noGrp="1"/>
           </p:cNvSpPr>
@@ -2180,15 +2636,17 @@
         </p:nvSpPr>
         <p:spPr>
           <a:xfrm>
-            <a:off x="839788" y="457200"/>
-            <a:ext cx="3932237" cy="1600200"/>
+            <a:off x="7924800" y="1524000"/>
+            <a:ext cx="3429000" cy="1905000"/>
           </a:xfrm>
         </p:spPr>
         <p:txBody>
-          <a:bodyPr anchor="b"/>
+          <a:bodyPr anchor="b">
+            <a:normAutofit/>
+          </a:bodyPr>
           <a:lstStyle>
             <a:lvl1pPr>
-              <a:defRPr sz="3200"/>
+              <a:defRPr sz="3400"/>
             </a:lvl1pPr>
           </a:lstStyle>
           <a:p>
@@ -2196,18 +2654,13 @@
               <a:rPr lang="en-US"/>
               <a:t>Click to edit Master title style</a:t>
             </a:r>
-          </a:p>
-        </p:txBody>
-      </p:sp>
-      <p:sp>
-        <p:nvSpPr>
-          <p:cNvPr id="3" name="Content Placeholder 2">
-            <a:extLst>
-              <a:ext uri="{FF2B5EF4-FFF2-40B4-BE49-F238E27FC236}">
-                <a16:creationId xmlns:a16="http://schemas.microsoft.com/office/drawing/2014/main" id="{B7F56905-E278-4C64-BE79-70366945A306}"/>
-              </a:ext>
-            </a:extLst>
-          </p:cNvPr>
+            <a:endParaRPr lang="en-US" dirty="0"/>
+          </a:p>
+        </p:txBody>
+      </p:sp>
+      <p:sp>
+        <p:nvSpPr>
+          <p:cNvPr id="3" name="Content Placeholder 2"/>
           <p:cNvSpPr>
             <a:spLocks noGrp="1"/>
           </p:cNvSpPr>
@@ -2217,27 +2670,29 @@
         </p:nvSpPr>
         <p:spPr>
           <a:xfrm>
-            <a:off x="5183188" y="987425"/>
-            <a:ext cx="6172200" cy="4873625"/>
+            <a:off x="838200" y="685800"/>
+            <a:ext cx="6400800" cy="5257800"/>
           </a:xfrm>
         </p:spPr>
         <p:txBody>
-          <a:bodyPr/>
+          <a:bodyPr>
+            <a:normAutofit/>
+          </a:bodyPr>
           <a:lstStyle>
             <a:lvl1pPr>
-              <a:defRPr sz="3200"/>
+              <a:defRPr sz="2000"/>
             </a:lvl1pPr>
             <a:lvl2pPr>
-              <a:defRPr sz="2800"/>
+              <a:defRPr sz="1800"/>
             </a:lvl2pPr>
             <a:lvl3pPr>
-              <a:defRPr sz="2400"/>
+              <a:defRPr sz="1600"/>
             </a:lvl3pPr>
             <a:lvl4pPr>
-              <a:defRPr sz="2000"/>
+              <a:defRPr sz="1400"/>
             </a:lvl4pPr>
             <a:lvl5pPr>
-              <a:defRPr sz="2000"/>
+              <a:defRPr sz="1400"/>
             </a:lvl5pPr>
             <a:lvl6pPr>
               <a:defRPr sz="2000"/>
@@ -2286,18 +2741,13 @@
               <a:rPr lang="en-US"/>
               <a:t>Fifth level</a:t>
             </a:r>
-          </a:p>
-        </p:txBody>
-      </p:sp>
-      <p:sp>
-        <p:nvSpPr>
-          <p:cNvPr id="4" name="Text Placeholder 3">
-            <a:extLst>
-              <a:ext uri="{FF2B5EF4-FFF2-40B4-BE49-F238E27FC236}">
-                <a16:creationId xmlns:a16="http://schemas.microsoft.com/office/drawing/2014/main" id="{EC079132-E6D5-4810-9B70-0E0B3F5D71D6}"/>
-              </a:ext>
-            </a:extLst>
-          </p:cNvPr>
+            <a:endParaRPr lang="en-US" dirty="0"/>
+          </a:p>
+        </p:txBody>
+      </p:sp>
+      <p:sp>
+        <p:nvSpPr>
+          <p:cNvPr id="4" name="Text Placeholder 3"/>
           <p:cNvSpPr>
             <a:spLocks noGrp="1"/>
           </p:cNvSpPr>
@@ -2307,14 +2757,17 @@
         </p:nvSpPr>
         <p:spPr>
           <a:xfrm>
-            <a:off x="839788" y="2057400"/>
-            <a:ext cx="3932237" cy="3811588"/>
+            <a:off x="7924800" y="3581400"/>
+            <a:ext cx="3429000" cy="1828800"/>
           </a:xfrm>
         </p:spPr>
         <p:txBody>
           <a:bodyPr/>
           <a:lstStyle>
             <a:lvl1pPr marL="0" indent="0">
+              <a:spcBef>
+                <a:spcPts val="1000"/>
+              </a:spcBef>
               <a:buNone/>
               <a:defRPr sz="1600"/>
             </a:lvl1pPr>
@@ -2362,13 +2815,26 @@
       </p:sp>
       <p:sp>
         <p:nvSpPr>
-          <p:cNvPr id="5" name="Date Placeholder 4">
-            <a:extLst>
-              <a:ext uri="{FF2B5EF4-FFF2-40B4-BE49-F238E27FC236}">
-                <a16:creationId xmlns:a16="http://schemas.microsoft.com/office/drawing/2014/main" id="{94C8364B-25E4-484B-BE93-DA9C988F2DE0}"/>
-              </a:ext>
-            </a:extLst>
-          </p:cNvPr>
+          <p:cNvPr id="6" name="Footer Placeholder 4"/>
+          <p:cNvSpPr>
+            <a:spLocks noGrp="1"/>
+          </p:cNvSpPr>
+          <p:nvPr>
+            <p:ph type="ftr" sz="quarter" idx="11"/>
+          </p:nvPr>
+        </p:nvSpPr>
+        <p:spPr/>
+        <p:txBody>
+          <a:bodyPr/>
+          <a:lstStyle/>
+          <a:p>
+            <a:endParaRPr lang="en-US"/>
+          </a:p>
+        </p:txBody>
+      </p:sp>
+      <p:sp>
+        <p:nvSpPr>
+          <p:cNvPr id="5" name="Date Placeholder 5"/>
           <p:cNvSpPr>
             <a:spLocks noGrp="1"/>
           </p:cNvSpPr>
@@ -2381,7 +2847,7 @@
           <a:bodyPr/>
           <a:lstStyle/>
           <a:p>
-            <a:fld id="{1FED6004-F7BE-43C7-985E-0A487F9339B8}" type="datetimeFigureOut">
+            <a:fld id="{B0FE2824-C2A0-4931-BB32-60B24BDBB3CC}" type="datetimeFigureOut">
               <a:rPr lang="en-US" smtClean="0"/>
               <a:t>3/6/2019</a:t>
             </a:fld>
@@ -2391,18 +2857,12 @@
       </p:sp>
       <p:sp>
         <p:nvSpPr>
-          <p:cNvPr id="6" name="Footer Placeholder 5">
-            <a:extLst>
-              <a:ext uri="{FF2B5EF4-FFF2-40B4-BE49-F238E27FC236}">
-                <a16:creationId xmlns:a16="http://schemas.microsoft.com/office/drawing/2014/main" id="{67C39835-05C6-4DB0-B726-C575FF945E6F}"/>
-              </a:ext>
-            </a:extLst>
-          </p:cNvPr>
-          <p:cNvSpPr>
-            <a:spLocks noGrp="1"/>
-          </p:cNvSpPr>
-          <p:nvPr>
-            <p:ph type="ftr" sz="quarter" idx="11"/>
+          <p:cNvPr id="7" name="Slide Number Placeholder 6"/>
+          <p:cNvSpPr>
+            <a:spLocks noGrp="1"/>
+          </p:cNvSpPr>
+          <p:nvPr>
+            <p:ph type="sldNum" sz="quarter" idx="12"/>
           </p:nvPr>
         </p:nvSpPr>
         <p:spPr/>
@@ -2410,32 +2870,7 @@
           <a:bodyPr/>
           <a:lstStyle/>
           <a:p>
-            <a:endParaRPr lang="en-US"/>
-          </a:p>
-        </p:txBody>
-      </p:sp>
-      <p:sp>
-        <p:nvSpPr>
-          <p:cNvPr id="7" name="Slide Number Placeholder 6">
-            <a:extLst>
-              <a:ext uri="{FF2B5EF4-FFF2-40B4-BE49-F238E27FC236}">
-                <a16:creationId xmlns:a16="http://schemas.microsoft.com/office/drawing/2014/main" id="{7A2AD6EA-EFF4-4DC6-8F3F-974EF4684FD6}"/>
-              </a:ext>
-            </a:extLst>
-          </p:cNvPr>
-          <p:cNvSpPr>
-            <a:spLocks noGrp="1"/>
-          </p:cNvSpPr>
-          <p:nvPr>
-            <p:ph type="sldNum" sz="quarter" idx="12"/>
-          </p:nvPr>
-        </p:nvSpPr>
-        <p:spPr/>
-        <p:txBody>
-          <a:bodyPr/>
-          <a:lstStyle/>
-          <a:p>
-            <a:fld id="{AF771BD0-E7B5-466C-A84F-456BFECB9CDE}" type="slidenum">
+            <a:fld id="{B13333A4-2EF1-4B79-B68C-AB20E66B4822}" type="slidenum">
               <a:rPr lang="en-US" smtClean="0"/>
               <a:t>‹#›</a:t>
             </a:fld>
@@ -2446,13 +2881,25 @@
     </p:spTree>
     <p:extLst>
       <p:ext uri="{BB962C8B-B14F-4D97-AF65-F5344CB8AC3E}">
-        <p14:creationId xmlns:p14="http://schemas.microsoft.com/office/powerpoint/2010/main" val="2885668414"/>
+        <p14:creationId xmlns:p14="http://schemas.microsoft.com/office/powerpoint/2010/main" val="978961171"/>
       </p:ext>
     </p:extLst>
   </p:cSld>
   <p:clrMapOvr>
     <a:masterClrMapping/>
   </p:clrMapOvr>
+  <mc:AlternateContent xmlns:mc="http://schemas.openxmlformats.org/markup-compatibility/2006" xmlns:p14="http://schemas.microsoft.com/office/powerpoint/2010/main">
+    <mc:Choice Requires="p14">
+      <p:transition spd="med" p14:dur="700">
+        <p:fade/>
+      </p:transition>
+    </mc:Choice>
+    <mc:Fallback xmlns="">
+      <p:transition spd="med">
+        <p:fade/>
+      </p:transition>
+    </mc:Fallback>
+  </mc:AlternateContent>
 </p:sldLayout>
 </file>
 
@@ -2475,13 +2922,7 @@
       </p:grpSpPr>
       <p:sp>
         <p:nvSpPr>
-          <p:cNvPr id="2" name="Title 1">
-            <a:extLst>
-              <a:ext uri="{FF2B5EF4-FFF2-40B4-BE49-F238E27FC236}">
-                <a16:creationId xmlns:a16="http://schemas.microsoft.com/office/drawing/2014/main" id="{856956F0-211C-4D93-832B-D61919B62712}"/>
-              </a:ext>
-            </a:extLst>
-          </p:cNvPr>
+          <p:cNvPr id="2" name="Title 1"/>
           <p:cNvSpPr>
             <a:spLocks noGrp="1"/>
           </p:cNvSpPr>
@@ -2491,118 +2932,115 @@
         </p:nvSpPr>
         <p:spPr>
           <a:xfrm>
-            <a:off x="839788" y="457200"/>
-            <a:ext cx="3932237" cy="1600200"/>
+            <a:off x="7924800" y="1527048"/>
+            <a:ext cx="3429000" cy="1901952"/>
           </a:xfrm>
         </p:spPr>
         <p:txBody>
-          <a:bodyPr anchor="b"/>
+          <a:bodyPr anchor="b">
+            <a:normAutofit/>
+          </a:bodyPr>
           <a:lstStyle>
             <a:lvl1pPr>
+              <a:defRPr sz="3400"/>
+            </a:lvl1pPr>
+          </a:lstStyle>
+          <a:p>
+            <a:r>
+              <a:rPr lang="en-US"/>
+              <a:t>Click to edit Master title style</a:t>
+            </a:r>
+            <a:endParaRPr lang="en-US" dirty="0"/>
+          </a:p>
+        </p:txBody>
+      </p:sp>
+      <p:sp>
+        <p:nvSpPr>
+          <p:cNvPr id="3" name="Picture Placeholder 2" descr="An empty placeholder to add an image. Click on the placeholder and select the image that you wish to add"/>
+          <p:cNvSpPr>
+            <a:spLocks noGrp="1"/>
+          </p:cNvSpPr>
+          <p:nvPr>
+            <p:ph type="pic" idx="1"/>
+          </p:nvPr>
+        </p:nvSpPr>
+        <p:spPr>
+          <a:xfrm>
+            <a:off x="838198" y="685800"/>
+            <a:ext cx="6400800" cy="5257800"/>
+          </a:xfrm>
+        </p:spPr>
+        <p:txBody>
+          <a:bodyPr/>
+          <a:lstStyle>
+            <a:lvl1pPr marL="0" indent="0" algn="ctr">
+              <a:buNone/>
               <a:defRPr sz="3200"/>
             </a:lvl1pPr>
+            <a:lvl2pPr marL="457200" indent="0">
+              <a:buNone/>
+              <a:defRPr sz="2800"/>
+            </a:lvl2pPr>
+            <a:lvl3pPr marL="914400" indent="0">
+              <a:buNone/>
+              <a:defRPr sz="2400"/>
+            </a:lvl3pPr>
+            <a:lvl4pPr marL="1371600" indent="0">
+              <a:buNone/>
+              <a:defRPr sz="2000"/>
+            </a:lvl4pPr>
+            <a:lvl5pPr marL="1828800" indent="0">
+              <a:buNone/>
+              <a:defRPr sz="2000"/>
+            </a:lvl5pPr>
+            <a:lvl6pPr marL="2286000" indent="0">
+              <a:buNone/>
+              <a:defRPr sz="2000"/>
+            </a:lvl6pPr>
+            <a:lvl7pPr marL="2743200" indent="0">
+              <a:buNone/>
+              <a:defRPr sz="2000"/>
+            </a:lvl7pPr>
+            <a:lvl8pPr marL="3200400" indent="0">
+              <a:buNone/>
+              <a:defRPr sz="2000"/>
+            </a:lvl8pPr>
+            <a:lvl9pPr marL="3657600" indent="0">
+              <a:buNone/>
+              <a:defRPr sz="2000"/>
+            </a:lvl9pPr>
           </a:lstStyle>
           <a:p>
             <a:r>
               <a:rPr lang="en-US"/>
-              <a:t>Click to edit Master title style</a:t>
-            </a:r>
-          </a:p>
-        </p:txBody>
-      </p:sp>
-      <p:sp>
-        <p:nvSpPr>
-          <p:cNvPr id="3" name="Picture Placeholder 2">
-            <a:extLst>
-              <a:ext uri="{FF2B5EF4-FFF2-40B4-BE49-F238E27FC236}">
-                <a16:creationId xmlns:a16="http://schemas.microsoft.com/office/drawing/2014/main" id="{8667045B-949F-41B9-8FD1-A9D598915DC3}"/>
-              </a:ext>
-            </a:extLst>
-          </p:cNvPr>
-          <p:cNvSpPr>
-            <a:spLocks noGrp="1"/>
-          </p:cNvSpPr>
-          <p:nvPr>
-            <p:ph type="pic" idx="1"/>
+              <a:t>Click icon to add picture</a:t>
+            </a:r>
+          </a:p>
+        </p:txBody>
+      </p:sp>
+      <p:sp>
+        <p:nvSpPr>
+          <p:cNvPr id="4" name="Text Placeholder 3"/>
+          <p:cNvSpPr>
+            <a:spLocks noGrp="1"/>
+          </p:cNvSpPr>
+          <p:nvPr>
+            <p:ph type="body" sz="half" idx="2"/>
           </p:nvPr>
         </p:nvSpPr>
         <p:spPr>
           <a:xfrm>
-            <a:off x="5183188" y="987425"/>
-            <a:ext cx="6172200" cy="4873625"/>
+            <a:off x="7924800" y="3581400"/>
+            <a:ext cx="3428999" cy="1828800"/>
           </a:xfrm>
         </p:spPr>
         <p:txBody>
           <a:bodyPr/>
           <a:lstStyle>
             <a:lvl1pPr marL="0" indent="0">
-              <a:buNone/>
-              <a:defRPr sz="3200"/>
-            </a:lvl1pPr>
-            <a:lvl2pPr marL="457200" indent="0">
-              <a:buNone/>
-              <a:defRPr sz="2800"/>
-            </a:lvl2pPr>
-            <a:lvl3pPr marL="914400" indent="0">
-              <a:buNone/>
-              <a:defRPr sz="2400"/>
-            </a:lvl3pPr>
-            <a:lvl4pPr marL="1371600" indent="0">
-              <a:buNone/>
-              <a:defRPr sz="2000"/>
-            </a:lvl4pPr>
-            <a:lvl5pPr marL="1828800" indent="0">
-              <a:buNone/>
-              <a:defRPr sz="2000"/>
-            </a:lvl5pPr>
-            <a:lvl6pPr marL="2286000" indent="0">
-              <a:buNone/>
-              <a:defRPr sz="2000"/>
-            </a:lvl6pPr>
-            <a:lvl7pPr marL="2743200" indent="0">
-              <a:buNone/>
-              <a:defRPr sz="2000"/>
-            </a:lvl7pPr>
-            <a:lvl8pPr marL="3200400" indent="0">
-              <a:buNone/>
-              <a:defRPr sz="2000"/>
-            </a:lvl8pPr>
-            <a:lvl9pPr marL="3657600" indent="0">
-              <a:buNone/>
-              <a:defRPr sz="2000"/>
-            </a:lvl9pPr>
-          </a:lstStyle>
-          <a:p>
-            <a:endParaRPr lang="en-US"/>
-          </a:p>
-        </p:txBody>
-      </p:sp>
-      <p:sp>
-        <p:nvSpPr>
-          <p:cNvPr id="4" name="Text Placeholder 3">
-            <a:extLst>
-              <a:ext uri="{FF2B5EF4-FFF2-40B4-BE49-F238E27FC236}">
-                <a16:creationId xmlns:a16="http://schemas.microsoft.com/office/drawing/2014/main" id="{D433547A-F42F-4548-B920-BE446BB19F69}"/>
-              </a:ext>
-            </a:extLst>
-          </p:cNvPr>
-          <p:cNvSpPr>
-            <a:spLocks noGrp="1"/>
-          </p:cNvSpPr>
-          <p:nvPr>
-            <p:ph type="body" sz="half" idx="2"/>
-          </p:nvPr>
-        </p:nvSpPr>
-        <p:spPr>
-          <a:xfrm>
-            <a:off x="839788" y="2057400"/>
-            <a:ext cx="3932237" cy="3811588"/>
-          </a:xfrm>
-        </p:spPr>
-        <p:txBody>
-          <a:bodyPr/>
-          <a:lstStyle>
-            <a:lvl1pPr marL="0" indent="0">
+              <a:spcBef>
+                <a:spcPts val="1000"/>
+              </a:spcBef>
               <a:buNone/>
               <a:defRPr sz="1600"/>
             </a:lvl1pPr>
@@ -2650,13 +3088,26 @@
       </p:sp>
       <p:sp>
         <p:nvSpPr>
-          <p:cNvPr id="5" name="Date Placeholder 4">
-            <a:extLst>
-              <a:ext uri="{FF2B5EF4-FFF2-40B4-BE49-F238E27FC236}">
-                <a16:creationId xmlns:a16="http://schemas.microsoft.com/office/drawing/2014/main" id="{8E844188-D28C-477F-9CB4-E99C63629A57}"/>
-              </a:ext>
-            </a:extLst>
-          </p:cNvPr>
+          <p:cNvPr id="6" name="Footer Placeholder 4"/>
+          <p:cNvSpPr>
+            <a:spLocks noGrp="1"/>
+          </p:cNvSpPr>
+          <p:nvPr>
+            <p:ph type="ftr" sz="quarter" idx="11"/>
+          </p:nvPr>
+        </p:nvSpPr>
+        <p:spPr/>
+        <p:txBody>
+          <a:bodyPr/>
+          <a:lstStyle/>
+          <a:p>
+            <a:endParaRPr lang="en-US"/>
+          </a:p>
+        </p:txBody>
+      </p:sp>
+      <p:sp>
+        <p:nvSpPr>
+          <p:cNvPr id="5" name="Date Placeholder 5"/>
           <p:cNvSpPr>
             <a:spLocks noGrp="1"/>
           </p:cNvSpPr>
@@ -2669,7 +3120,7 @@
           <a:bodyPr/>
           <a:lstStyle/>
           <a:p>
-            <a:fld id="{1FED6004-F7BE-43C7-985E-0A487F9339B8}" type="datetimeFigureOut">
+            <a:fld id="{B0FE2824-C2A0-4931-BB32-60B24BDBB3CC}" type="datetimeFigureOut">
               <a:rPr lang="en-US" smtClean="0"/>
               <a:t>3/6/2019</a:t>
             </a:fld>
@@ -2679,18 +3130,12 @@
       </p:sp>
       <p:sp>
         <p:nvSpPr>
-          <p:cNvPr id="6" name="Footer Placeholder 5">
-            <a:extLst>
-              <a:ext uri="{FF2B5EF4-FFF2-40B4-BE49-F238E27FC236}">
-                <a16:creationId xmlns:a16="http://schemas.microsoft.com/office/drawing/2014/main" id="{290300A4-231A-4BB9-96F7-07C610448C6E}"/>
-              </a:ext>
-            </a:extLst>
-          </p:cNvPr>
-          <p:cNvSpPr>
-            <a:spLocks noGrp="1"/>
-          </p:cNvSpPr>
-          <p:nvPr>
-            <p:ph type="ftr" sz="quarter" idx="11"/>
+          <p:cNvPr id="7" name="Slide Number Placeholder 6"/>
+          <p:cNvSpPr>
+            <a:spLocks noGrp="1"/>
+          </p:cNvSpPr>
+          <p:nvPr>
+            <p:ph type="sldNum" sz="quarter" idx="12"/>
           </p:nvPr>
         </p:nvSpPr>
         <p:spPr/>
@@ -2698,32 +3143,7 @@
           <a:bodyPr/>
           <a:lstStyle/>
           <a:p>
-            <a:endParaRPr lang="en-US"/>
-          </a:p>
-        </p:txBody>
-      </p:sp>
-      <p:sp>
-        <p:nvSpPr>
-          <p:cNvPr id="7" name="Slide Number Placeholder 6">
-            <a:extLst>
-              <a:ext uri="{FF2B5EF4-FFF2-40B4-BE49-F238E27FC236}">
-                <a16:creationId xmlns:a16="http://schemas.microsoft.com/office/drawing/2014/main" id="{569B100C-8269-47B2-9C95-26438BB0275A}"/>
-              </a:ext>
-            </a:extLst>
-          </p:cNvPr>
-          <p:cNvSpPr>
-            <a:spLocks noGrp="1"/>
-          </p:cNvSpPr>
-          <p:nvPr>
-            <p:ph type="sldNum" sz="quarter" idx="12"/>
-          </p:nvPr>
-        </p:nvSpPr>
-        <p:spPr/>
-        <p:txBody>
-          <a:bodyPr/>
-          <a:lstStyle/>
-          <a:p>
-            <a:fld id="{AF771BD0-E7B5-466C-A84F-456BFECB9CDE}" type="slidenum">
+            <a:fld id="{B13333A4-2EF1-4B79-B68C-AB20E66B4822}" type="slidenum">
               <a:rPr lang="en-US" smtClean="0"/>
               <a:t>‹#›</a:t>
             </a:fld>
@@ -2734,13 +3154,25 @@
     </p:spTree>
     <p:extLst>
       <p:ext uri="{BB962C8B-B14F-4D97-AF65-F5344CB8AC3E}">
-        <p14:creationId xmlns:p14="http://schemas.microsoft.com/office/powerpoint/2010/main" val="1959430816"/>
+        <p14:creationId xmlns:p14="http://schemas.microsoft.com/office/powerpoint/2010/main" val="3225279163"/>
       </p:ext>
     </p:extLst>
   </p:cSld>
   <p:clrMapOvr>
     <a:masterClrMapping/>
   </p:clrMapOvr>
+  <mc:AlternateContent xmlns:mc="http://schemas.openxmlformats.org/markup-compatibility/2006" xmlns:p14="http://schemas.microsoft.com/office/powerpoint/2010/main">
+    <mc:Choice Requires="p14">
+      <p:transition spd="med" p14:dur="700">
+        <p:fade/>
+      </p:transition>
+    </mc:Choice>
+    <mc:Fallback xmlns="">
+      <p:transition spd="med">
+        <p:fade/>
+      </p:transition>
+    </mc:Fallback>
+  </mc:AlternateContent>
 </p:sldLayout>
 </file>
 
@@ -2768,13 +3200,55 @@
       </p:grpSpPr>
       <p:sp>
         <p:nvSpPr>
-          <p:cNvPr id="2" name="Title Placeholder 1">
-            <a:extLst>
-              <a:ext uri="{FF2B5EF4-FFF2-40B4-BE49-F238E27FC236}">
-                <a16:creationId xmlns:a16="http://schemas.microsoft.com/office/drawing/2014/main" id="{7E4F9AF5-379A-4307-8824-6A32A7365E43}"/>
-              </a:ext>
-            </a:extLst>
-          </p:cNvPr>
+          <p:cNvPr id="7" name="Rectangle 6"/>
+          <p:cNvSpPr/>
+          <p:nvPr userDrawn="1"/>
+        </p:nvSpPr>
+        <p:spPr bwMode="invGray">
+          <a:xfrm>
+            <a:off x="0" y="6492239"/>
+            <a:ext cx="12188825" cy="365760"/>
+          </a:xfrm>
+          <a:prstGeom prst="rect">
+            <a:avLst/>
+          </a:prstGeom>
+          <a:solidFill>
+            <a:schemeClr val="bg1">
+              <a:lumMod val="75000"/>
+            </a:schemeClr>
+          </a:solidFill>
+          <a:ln>
+            <a:noFill/>
+          </a:ln>
+        </p:spPr>
+        <p:style>
+          <a:lnRef idx="2">
+            <a:schemeClr val="accent1">
+              <a:shade val="50000"/>
+            </a:schemeClr>
+          </a:lnRef>
+          <a:fillRef idx="1">
+            <a:schemeClr val="accent1"/>
+          </a:fillRef>
+          <a:effectRef idx="0">
+            <a:schemeClr val="accent1"/>
+          </a:effectRef>
+          <a:fontRef idx="minor">
+            <a:schemeClr val="lt1"/>
+          </a:fontRef>
+        </p:style>
+        <p:txBody>
+          <a:bodyPr rtlCol="0" anchor="ctr"/>
+          <a:lstStyle/>
+          <a:p>
+            <a:pPr algn="ctr"/>
+            <a:endParaRPr lang="en-US"/>
+          </a:p>
+        </p:txBody>
+      </p:sp>
+      <p:sp>
+        <p:nvSpPr>
+          <p:cNvPr id="2" name="Title Placeholder 1"/>
           <p:cNvSpPr>
             <a:spLocks noGrp="1"/>
           </p:cNvSpPr>
@@ -2784,15 +3258,15 @@
         </p:nvSpPr>
         <p:spPr>
           <a:xfrm>
-            <a:off x="838200" y="365125"/>
-            <a:ext cx="10515600" cy="1325563"/>
+            <a:off x="838200" y="365126"/>
+            <a:ext cx="10515600" cy="1145224"/>
           </a:xfrm>
           <a:prstGeom prst="rect">
             <a:avLst/>
           </a:prstGeom>
         </p:spPr>
         <p:txBody>
-          <a:bodyPr vert="horz" lIns="91440" tIns="45720" rIns="91440" bIns="45720" rtlCol="0" anchor="ctr">
+          <a:bodyPr vert="horz" lIns="91440" tIns="45720" rIns="91440" bIns="45720" rtlCol="0" anchor="b">
             <a:normAutofit/>
           </a:bodyPr>
           <a:lstStyle/>
@@ -2801,18 +3275,13 @@
               <a:rPr lang="en-US"/>
               <a:t>Click to edit Master title style</a:t>
             </a:r>
-          </a:p>
-        </p:txBody>
-      </p:sp>
-      <p:sp>
-        <p:nvSpPr>
-          <p:cNvPr id="3" name="Text Placeholder 2">
-            <a:extLst>
-              <a:ext uri="{FF2B5EF4-FFF2-40B4-BE49-F238E27FC236}">
-                <a16:creationId xmlns:a16="http://schemas.microsoft.com/office/drawing/2014/main" id="{3714C3AE-94CE-45AB-80DE-B476DE26C7B4}"/>
-              </a:ext>
-            </a:extLst>
-          </p:cNvPr>
+            <a:endParaRPr lang="en-US" dirty="0"/>
+          </a:p>
+        </p:txBody>
+      </p:sp>
+      <p:sp>
+        <p:nvSpPr>
+          <p:cNvPr id="3" name="Text Placeholder 2"/>
           <p:cNvSpPr>
             <a:spLocks noGrp="1"/>
           </p:cNvSpPr>
@@ -2868,29 +3337,24 @@
               <a:rPr lang="en-US"/>
               <a:t>Fifth level</a:t>
             </a:r>
-          </a:p>
-        </p:txBody>
-      </p:sp>
-      <p:sp>
-        <p:nvSpPr>
-          <p:cNvPr id="4" name="Date Placeholder 3">
-            <a:extLst>
-              <a:ext uri="{FF2B5EF4-FFF2-40B4-BE49-F238E27FC236}">
-                <a16:creationId xmlns:a16="http://schemas.microsoft.com/office/drawing/2014/main" id="{5D6C5338-4AAF-412C-A3C5-F94FA28E6987}"/>
-              </a:ext>
-            </a:extLst>
-          </p:cNvPr>
-          <p:cNvSpPr>
-            <a:spLocks noGrp="1"/>
-          </p:cNvSpPr>
-          <p:nvPr>
-            <p:ph type="dt" sz="half" idx="2"/>
+            <a:endParaRPr lang="en-US" dirty="0"/>
+          </a:p>
+        </p:txBody>
+      </p:sp>
+      <p:sp>
+        <p:nvSpPr>
+          <p:cNvPr id="5" name="Footer Placeholder 3"/>
+          <p:cNvSpPr>
+            <a:spLocks noGrp="1"/>
+          </p:cNvSpPr>
+          <p:nvPr>
+            <p:ph type="ftr" sz="quarter" idx="3"/>
           </p:nvPr>
         </p:nvSpPr>
         <p:spPr>
           <a:xfrm>
-            <a:off x="838200" y="6356350"/>
-            <a:ext cx="2743200" cy="365125"/>
+            <a:off x="381000" y="6549715"/>
+            <a:ext cx="8442158" cy="229237"/>
           </a:xfrm>
           <a:prstGeom prst="rect">
             <a:avLst/>
@@ -2900,44 +3364,35 @@
           <a:bodyPr vert="horz" lIns="91440" tIns="45720" rIns="91440" bIns="45720" rtlCol="0" anchor="ctr"/>
           <a:lstStyle>
             <a:lvl1pPr algn="l">
-              <a:defRPr sz="1200">
+              <a:defRPr sz="1100">
                 <a:solidFill>
-                  <a:schemeClr val="tx1">
-                    <a:tint val="75000"/>
+                  <a:schemeClr val="bg1">
+                    <a:lumMod val="40000"/>
+                    <a:lumOff val="60000"/>
                   </a:schemeClr>
                 </a:solidFill>
               </a:defRPr>
             </a:lvl1pPr>
           </a:lstStyle>
           <a:p>
-            <a:fld id="{1FED6004-F7BE-43C7-985E-0A487F9339B8}" type="datetimeFigureOut">
-              <a:rPr lang="en-US" smtClean="0"/>
-              <a:t>3/6/2019</a:t>
-            </a:fld>
-            <a:endParaRPr lang="en-US"/>
-          </a:p>
-        </p:txBody>
-      </p:sp>
-      <p:sp>
-        <p:nvSpPr>
-          <p:cNvPr id="5" name="Footer Placeholder 4">
-            <a:extLst>
-              <a:ext uri="{FF2B5EF4-FFF2-40B4-BE49-F238E27FC236}">
-                <a16:creationId xmlns:a16="http://schemas.microsoft.com/office/drawing/2014/main" id="{5FD928F2-0CC8-42A2-886B-4F820BA7C142}"/>
-              </a:ext>
-            </a:extLst>
-          </p:cNvPr>
-          <p:cNvSpPr>
-            <a:spLocks noGrp="1"/>
-          </p:cNvSpPr>
-          <p:nvPr>
-            <p:ph type="ftr" sz="quarter" idx="3"/>
+            <a:endParaRPr lang="en-US" dirty="0"/>
+          </a:p>
+        </p:txBody>
+      </p:sp>
+      <p:sp>
+        <p:nvSpPr>
+          <p:cNvPr id="4" name="Date Placeholder 4"/>
+          <p:cNvSpPr>
+            <a:spLocks noGrp="1"/>
+          </p:cNvSpPr>
+          <p:nvPr>
+            <p:ph type="dt" sz="half" idx="2"/>
           </p:nvPr>
         </p:nvSpPr>
         <p:spPr>
           <a:xfrm>
-            <a:off x="4038600" y="6356350"/>
-            <a:ext cx="4114800" cy="365125"/>
+            <a:off x="9685939" y="6549715"/>
+            <a:ext cx="1667860" cy="229237"/>
           </a:xfrm>
           <a:prstGeom prst="rect">
             <a:avLst/>
@@ -2946,30 +3401,30 @@
         <p:txBody>
           <a:bodyPr vert="horz" lIns="91440" tIns="45720" rIns="91440" bIns="45720" rtlCol="0" anchor="ctr"/>
           <a:lstStyle>
-            <a:lvl1pPr algn="ctr">
-              <a:defRPr sz="1200">
+            <a:lvl1pPr algn="r">
+              <a:defRPr sz="1100">
                 <a:solidFill>
-                  <a:schemeClr val="tx1">
-                    <a:tint val="75000"/>
+                  <a:schemeClr val="bg1">
+                    <a:lumMod val="40000"/>
+                    <a:lumOff val="60000"/>
                   </a:schemeClr>
                 </a:solidFill>
               </a:defRPr>
             </a:lvl1pPr>
           </a:lstStyle>
           <a:p>
+            <a:fld id="{B0FE2824-C2A0-4931-BB32-60B24BDBB3CC}" type="datetimeFigureOut">
+              <a:rPr lang="en-US" smtClean="0"/>
+              <a:pPr/>
+              <a:t>3/6/2019</a:t>
+            </a:fld>
             <a:endParaRPr lang="en-US"/>
           </a:p>
         </p:txBody>
       </p:sp>
       <p:sp>
         <p:nvSpPr>
-          <p:cNvPr id="6" name="Slide Number Placeholder 5">
-            <a:extLst>
-              <a:ext uri="{FF2B5EF4-FFF2-40B4-BE49-F238E27FC236}">
-                <a16:creationId xmlns:a16="http://schemas.microsoft.com/office/drawing/2014/main" id="{0377EF38-52ED-4A28-B23C-A11D4A8F9C9C}"/>
-              </a:ext>
-            </a:extLst>
-          </p:cNvPr>
+          <p:cNvPr id="6" name="Slide Number Placeholder 5"/>
           <p:cNvSpPr>
             <a:spLocks noGrp="1"/>
           </p:cNvSpPr>
@@ -2979,8 +3434,8 @@
         </p:nvSpPr>
         <p:spPr>
           <a:xfrm>
-            <a:off x="8610600" y="6356350"/>
-            <a:ext cx="2743200" cy="365125"/>
+            <a:off x="11353799" y="6549715"/>
+            <a:ext cx="446361" cy="229237"/>
           </a:xfrm>
           <a:prstGeom prst="rect">
             <a:avLst/>
@@ -2990,18 +3445,20 @@
           <a:bodyPr vert="horz" lIns="91440" tIns="45720" rIns="91440" bIns="45720" rtlCol="0" anchor="ctr"/>
           <a:lstStyle>
             <a:lvl1pPr algn="r">
-              <a:defRPr sz="1200">
+              <a:defRPr sz="1100">
                 <a:solidFill>
-                  <a:schemeClr val="tx1">
-                    <a:tint val="75000"/>
+                  <a:schemeClr val="bg1">
+                    <a:lumMod val="40000"/>
+                    <a:lumOff val="60000"/>
                   </a:schemeClr>
                 </a:solidFill>
               </a:defRPr>
             </a:lvl1pPr>
           </a:lstStyle>
           <a:p>
-            <a:fld id="{AF771BD0-E7B5-466C-A84F-456BFECB9CDE}" type="slidenum">
+            <a:fld id="{B13333A4-2EF1-4B79-B68C-AB20E66B4822}" type="slidenum">
               <a:rPr lang="en-US" smtClean="0"/>
+              <a:pPr/>
               <a:t>‹#›</a:t>
             </a:fld>
             <a:endParaRPr lang="en-US"/>
@@ -3011,11 +3468,11 @@
     </p:spTree>
     <p:extLst>
       <p:ext uri="{BB962C8B-B14F-4D97-AF65-F5344CB8AC3E}">
-        <p14:creationId xmlns:p14="http://schemas.microsoft.com/office/powerpoint/2010/main" val="3627825932"/>
+        <p14:creationId xmlns:p14="http://schemas.microsoft.com/office/powerpoint/2010/main" val="1155871656"/>
       </p:ext>
     </p:extLst>
   </p:cSld>
-  <p:clrMap bg1="lt1" tx1="dk1" bg2="lt2" tx2="dk2" accent1="accent1" accent2="accent2" accent3="accent3" accent4="accent4" accent5="accent5" accent6="accent6" hlink="hlink" folHlink="folHlink"/>
+  <p:clrMap bg1="dk1" tx1="lt1" bg2="dk2" tx2="lt2" accent1="accent1" accent2="accent2" accent3="accent3" accent4="accent4" accent5="accent5" accent6="accent6" hlink="hlink" folHlink="folHlink"/>
   <p:sldLayoutIdLst>
     <p:sldLayoutId id="2147483649" r:id="rId1"/>
     <p:sldLayoutId id="2147483650" r:id="rId2"/>
@@ -3029,6 +3486,18 @@
     <p:sldLayoutId id="2147483658" r:id="rId10"/>
     <p:sldLayoutId id="2147483659" r:id="rId11"/>
   </p:sldLayoutIdLst>
+  <mc:AlternateContent xmlns:mc="http://schemas.openxmlformats.org/markup-compatibility/2006" xmlns:p14="http://schemas.microsoft.com/office/powerpoint/2010/main">
+    <mc:Choice Requires="p14">
+      <p:transition spd="med" p14:dur="700">
+        <p:fade/>
+      </p:transition>
+    </mc:Choice>
+    <mc:Fallback xmlns="">
+      <p:transition spd="med">
+        <p:fade/>
+      </p:transition>
+    </mc:Fallback>
+  </mc:AlternateContent>
   <p:txStyles>
     <p:titleStyle>
       <a:lvl1pPr algn="l" defTabSz="914400" rtl="0" eaLnBrk="1" latinLnBrk="0" hangingPunct="1">
@@ -3039,9 +3508,9 @@
           <a:spcPct val="0"/>
         </a:spcBef>
         <a:buNone/>
-        <a:defRPr sz="4400" kern="1200">
+        <a:defRPr sz="3400" kern="1200">
           <a:solidFill>
-            <a:schemeClr val="tx1"/>
+            <a:schemeClr val="accent1"/>
           </a:solidFill>
           <a:latin typeface="+mj-lt"/>
           <a:ea typeface="+mj-ea"/>
@@ -3055,44 +3524,11 @@
           <a:spcPct val="90000"/>
         </a:lnSpc>
         <a:spcBef>
-          <a:spcPts val="1000"/>
+          <a:spcPts val="1800"/>
         </a:spcBef>
-        <a:buFont typeface="Arial" panose="020B0604020202020204" pitchFamily="34" charset="0"/>
-        <a:buChar char="•"/>
-        <a:defRPr sz="2800" kern="1200">
-          <a:solidFill>
-            <a:schemeClr val="tx1"/>
-          </a:solidFill>
-          <a:latin typeface="+mn-lt"/>
-          <a:ea typeface="+mn-ea"/>
-          <a:cs typeface="+mn-cs"/>
-        </a:defRPr>
-      </a:lvl1pPr>
-      <a:lvl2pPr marL="685800" indent="-228600" algn="l" defTabSz="914400" rtl="0" eaLnBrk="1" latinLnBrk="0" hangingPunct="1">
-        <a:lnSpc>
-          <a:spcPct val="90000"/>
-        </a:lnSpc>
-        <a:spcBef>
-          <a:spcPts val="500"/>
-        </a:spcBef>
-        <a:buFont typeface="Arial" panose="020B0604020202020204" pitchFamily="34" charset="0"/>
-        <a:buChar char="•"/>
-        <a:defRPr sz="2400" kern="1200">
-          <a:solidFill>
-            <a:schemeClr val="tx1"/>
-          </a:solidFill>
-          <a:latin typeface="+mn-lt"/>
-          <a:ea typeface="+mn-ea"/>
-          <a:cs typeface="+mn-cs"/>
-        </a:defRPr>
-      </a:lvl2pPr>
-      <a:lvl3pPr marL="1143000" indent="-228600" algn="l" defTabSz="914400" rtl="0" eaLnBrk="1" latinLnBrk="0" hangingPunct="1">
-        <a:lnSpc>
-          <a:spcPct val="90000"/>
-        </a:lnSpc>
-        <a:spcBef>
-          <a:spcPts val="500"/>
-        </a:spcBef>
+        <a:buClr>
+          <a:schemeClr val="accent1"/>
+        </a:buClr>
         <a:buFont typeface="Arial" panose="020B0604020202020204" pitchFamily="34" charset="0"/>
         <a:buChar char="•"/>
         <a:defRPr sz="2000" kern="1200">
@@ -3103,14 +3539,17 @@
           <a:ea typeface="+mn-ea"/>
           <a:cs typeface="+mn-cs"/>
         </a:defRPr>
-      </a:lvl3pPr>
-      <a:lvl4pPr marL="1600200" indent="-228600" algn="l" defTabSz="914400" rtl="0" eaLnBrk="1" latinLnBrk="0" hangingPunct="1">
+      </a:lvl1pPr>
+      <a:lvl2pPr marL="457200" indent="-228600" algn="l" defTabSz="914400" rtl="0" eaLnBrk="1" latinLnBrk="0" hangingPunct="1">
         <a:lnSpc>
           <a:spcPct val="90000"/>
         </a:lnSpc>
         <a:spcBef>
-          <a:spcPts val="500"/>
+          <a:spcPts val="1000"/>
         </a:spcBef>
+        <a:buClr>
+          <a:schemeClr val="accent1"/>
+        </a:buClr>
         <a:buFont typeface="Arial" panose="020B0604020202020204" pitchFamily="34" charset="0"/>
         <a:buChar char="•"/>
         <a:defRPr sz="1800" kern="1200">
@@ -3121,17 +3560,62 @@
           <a:ea typeface="+mn-ea"/>
           <a:cs typeface="+mn-cs"/>
         </a:defRPr>
-      </a:lvl4pPr>
-      <a:lvl5pPr marL="2057400" indent="-228600" algn="l" defTabSz="914400" rtl="0" eaLnBrk="1" latinLnBrk="0" hangingPunct="1">
+      </a:lvl2pPr>
+      <a:lvl3pPr marL="685800" indent="-182880" algn="l" defTabSz="914400" rtl="0" eaLnBrk="1" latinLnBrk="0" hangingPunct="1">
         <a:lnSpc>
           <a:spcPct val="90000"/>
         </a:lnSpc>
         <a:spcBef>
-          <a:spcPts val="500"/>
+          <a:spcPts val="800"/>
         </a:spcBef>
+        <a:buClr>
+          <a:schemeClr val="accent1"/>
+        </a:buClr>
         <a:buFont typeface="Arial" panose="020B0604020202020204" pitchFamily="34" charset="0"/>
         <a:buChar char="•"/>
-        <a:defRPr sz="1800" kern="1200">
+        <a:defRPr sz="1600" kern="1200">
+          <a:solidFill>
+            <a:schemeClr val="tx1"/>
+          </a:solidFill>
+          <a:latin typeface="+mn-lt"/>
+          <a:ea typeface="+mn-ea"/>
+          <a:cs typeface="+mn-cs"/>
+        </a:defRPr>
+      </a:lvl3pPr>
+      <a:lvl4pPr marL="914400" indent="-182880" algn="l" defTabSz="914400" rtl="0" eaLnBrk="1" latinLnBrk="0" hangingPunct="1">
+        <a:lnSpc>
+          <a:spcPct val="90000"/>
+        </a:lnSpc>
+        <a:spcBef>
+          <a:spcPts val="800"/>
+        </a:spcBef>
+        <a:buClr>
+          <a:schemeClr val="accent1"/>
+        </a:buClr>
+        <a:buFont typeface="Arial" panose="020B0604020202020204" pitchFamily="34" charset="0"/>
+        <a:buChar char="•"/>
+        <a:defRPr sz="1400" kern="1200">
+          <a:solidFill>
+            <a:schemeClr val="tx1"/>
+          </a:solidFill>
+          <a:latin typeface="+mn-lt"/>
+          <a:ea typeface="+mn-ea"/>
+          <a:cs typeface="+mn-cs"/>
+        </a:defRPr>
+      </a:lvl4pPr>
+      <a:lvl5pPr marL="1143000" indent="-182880" algn="l" defTabSz="914400" rtl="0" eaLnBrk="1" latinLnBrk="0" hangingPunct="1">
+        <a:lnSpc>
+          <a:spcPct val="90000"/>
+        </a:lnSpc>
+        <a:spcBef>
+          <a:spcPts val="800"/>
+        </a:spcBef>
+        <a:buClr>
+          <a:schemeClr val="accent1"/>
+        </a:buClr>
+        <a:buFont typeface="Arial" panose="020B0604020202020204" pitchFamily="34" charset="0"/>
+        <a:buChar char="•"/>
+        <a:defRPr sz="1400" kern="1200">
           <a:solidFill>
             <a:schemeClr val="tx1"/>
           </a:solidFill>
@@ -3140,16 +3624,19 @@
           <a:cs typeface="+mn-cs"/>
         </a:defRPr>
       </a:lvl5pPr>
-      <a:lvl6pPr marL="2514600" indent="-228600" algn="l" defTabSz="914400" rtl="0" eaLnBrk="1" latinLnBrk="0" hangingPunct="1">
+      <a:lvl6pPr marL="1371600" indent="-182880" algn="l" defTabSz="914400" rtl="0" eaLnBrk="1" latinLnBrk="0" hangingPunct="1">
         <a:lnSpc>
           <a:spcPct val="90000"/>
         </a:lnSpc>
         <a:spcBef>
-          <a:spcPts val="500"/>
+          <a:spcPts val="800"/>
         </a:spcBef>
+        <a:buClr>
+          <a:schemeClr val="accent1"/>
+        </a:buClr>
         <a:buFont typeface="Arial" panose="020B0604020202020204" pitchFamily="34" charset="0"/>
         <a:buChar char="•"/>
-        <a:defRPr sz="1800" kern="1200">
+        <a:defRPr sz="1400" kern="1200">
           <a:solidFill>
             <a:schemeClr val="tx1"/>
           </a:solidFill>
@@ -3158,16 +3645,19 @@
           <a:cs typeface="+mn-cs"/>
         </a:defRPr>
       </a:lvl6pPr>
-      <a:lvl7pPr marL="2971800" indent="-228600" algn="l" defTabSz="914400" rtl="0" eaLnBrk="1" latinLnBrk="0" hangingPunct="1">
+      <a:lvl7pPr marL="1600200" indent="-182880" algn="l" defTabSz="914400" rtl="0" eaLnBrk="1" latinLnBrk="0" hangingPunct="1">
         <a:lnSpc>
           <a:spcPct val="90000"/>
         </a:lnSpc>
         <a:spcBef>
-          <a:spcPts val="500"/>
+          <a:spcPts val="800"/>
         </a:spcBef>
+        <a:buClr>
+          <a:schemeClr val="accent1"/>
+        </a:buClr>
         <a:buFont typeface="Arial" panose="020B0604020202020204" pitchFamily="34" charset="0"/>
         <a:buChar char="•"/>
-        <a:defRPr sz="1800" kern="1200">
+        <a:defRPr sz="1400" kern="1200">
           <a:solidFill>
             <a:schemeClr val="tx1"/>
           </a:solidFill>
@@ -3176,16 +3666,19 @@
           <a:cs typeface="+mn-cs"/>
         </a:defRPr>
       </a:lvl7pPr>
-      <a:lvl8pPr marL="3429000" indent="-228600" algn="l" defTabSz="914400" rtl="0" eaLnBrk="1" latinLnBrk="0" hangingPunct="1">
+      <a:lvl8pPr marL="1828800" indent="-182880" algn="l" defTabSz="914400" rtl="0" eaLnBrk="1" latinLnBrk="0" hangingPunct="1">
         <a:lnSpc>
           <a:spcPct val="90000"/>
         </a:lnSpc>
         <a:spcBef>
-          <a:spcPts val="500"/>
+          <a:spcPts val="800"/>
         </a:spcBef>
+        <a:buClr>
+          <a:schemeClr val="accent1"/>
+        </a:buClr>
         <a:buFont typeface="Arial" panose="020B0604020202020204" pitchFamily="34" charset="0"/>
         <a:buChar char="•"/>
-        <a:defRPr sz="1800" kern="1200">
+        <a:defRPr sz="1400" kern="1200">
           <a:solidFill>
             <a:schemeClr val="tx1"/>
           </a:solidFill>
@@ -3194,16 +3687,19 @@
           <a:cs typeface="+mn-cs"/>
         </a:defRPr>
       </a:lvl8pPr>
-      <a:lvl9pPr marL="3886200" indent="-228600" algn="l" defTabSz="914400" rtl="0" eaLnBrk="1" latinLnBrk="0" hangingPunct="1">
+      <a:lvl9pPr marL="2057400" indent="-182880" algn="l" defTabSz="914400" rtl="0" eaLnBrk="1" latinLnBrk="0" hangingPunct="1">
         <a:lnSpc>
           <a:spcPct val="90000"/>
         </a:lnSpc>
         <a:spcBef>
-          <a:spcPts val="500"/>
+          <a:spcPts val="800"/>
         </a:spcBef>
+        <a:buClr>
+          <a:schemeClr val="accent1"/>
+        </a:buClr>
         <a:buFont typeface="Arial" panose="020B0604020202020204" pitchFamily="34" charset="0"/>
         <a:buChar char="•"/>
-        <a:defRPr sz="1800" kern="1200">
+        <a:defRPr sz="1400" kern="1200">
           <a:solidFill>
             <a:schemeClr val="tx1"/>
           </a:solidFill>
@@ -3309,6 +3805,22 @@
       </a:lvl9pPr>
     </p:otherStyle>
   </p:txStyles>
+  <p:extLst mod="1">
+    <p:ext uri="{27BBF7A9-308A-43DC-89C8-2F10F3537804}">
+      <p15:sldGuideLst xmlns:p15="http://schemas.microsoft.com/office/powerpoint/2012/main">
+        <p15:guide id="1" pos="3840" userDrawn="1">
+          <p15:clr>
+            <a:srgbClr val="F26B43"/>
+          </p15:clr>
+        </p15:guide>
+        <p15:guide id="2" orient="horz" pos="2160" userDrawn="1">
+          <p15:clr>
+            <a:srgbClr val="F26B43"/>
+          </p15:clr>
+        </p15:guide>
+      </p15:sldGuideLst>
+    </p:ext>
+  </p:extLst>
 </p:sldMaster>
 </file>
 
@@ -3375,10 +3887,15 @@
             <p:ph type="subTitle" idx="1"/>
           </p:nvPr>
         </p:nvSpPr>
-        <p:spPr/>
+        <p:spPr>
+          <a:xfrm>
+            <a:off x="2417780" y="3531205"/>
+            <a:ext cx="8637072" cy="479008"/>
+          </a:xfrm>
+        </p:spPr>
         <p:txBody>
           <a:bodyPr>
-            <a:normAutofit fontScale="92500" lnSpcReduction="10000"/>
+            <a:normAutofit fontScale="85000" lnSpcReduction="10000"/>
           </a:bodyPr>
           <a:lstStyle/>
           <a:p>
@@ -3390,40 +3907,272 @@
           <a:p>
             <a:endParaRPr lang="en-US" dirty="0"/>
           </a:p>
-          <a:p>
-            <a:r>
-              <a:rPr lang="en-US" dirty="0"/>
-              <a:t>Created by:</a:t>
-            </a:r>
-          </a:p>
-          <a:p>
-            <a:r>
-              <a:rPr lang="en-US" dirty="0"/>
-              <a:t>Cindy </a:t>
-            </a:r>
-            <a:r>
-              <a:rPr lang="en-US" dirty="0" err="1"/>
+        </p:txBody>
+      </p:sp>
+      <p:sp>
+        <p:nvSpPr>
+          <p:cNvPr id="4" name="Subtitle 2">
+            <a:extLst>
+              <a:ext uri="{FF2B5EF4-FFF2-40B4-BE49-F238E27FC236}">
+                <a16:creationId xmlns:a16="http://schemas.microsoft.com/office/drawing/2014/main" id="{04782962-8A49-44AE-9E7F-3137B936CB4D}"/>
+              </a:ext>
+            </a:extLst>
+          </p:cNvPr>
+          <p:cNvSpPr txBox="1">
+            <a:spLocks/>
+          </p:cNvSpPr>
+          <p:nvPr/>
+        </p:nvSpPr>
+        <p:spPr>
+          <a:xfrm>
+            <a:off x="2417779" y="4030242"/>
+            <a:ext cx="8637072" cy="479008"/>
+          </a:xfrm>
+          <a:prstGeom prst="rect">
+            <a:avLst/>
+          </a:prstGeom>
+        </p:spPr>
+        <p:txBody>
+          <a:bodyPr vert="horz" lIns="91440" tIns="91440" rIns="91440" bIns="91440" rtlCol="0">
+            <a:noAutofit/>
+          </a:bodyPr>
+          <a:lstStyle>
+            <a:lvl1pPr marL="0" indent="0" algn="l" defTabSz="914400" rtl="0" eaLnBrk="1" latinLnBrk="0" hangingPunct="1">
+              <a:lnSpc>
+                <a:spcPct val="120000"/>
+              </a:lnSpc>
+              <a:spcBef>
+                <a:spcPts val="1000"/>
+              </a:spcBef>
+              <a:buClr>
+                <a:schemeClr val="accent1"/>
+              </a:buClr>
+              <a:buSzPct val="100000"/>
+              <a:buFont typeface="Arial" panose="020B0604020202020204" pitchFamily="34" charset="0"/>
+              <a:buNone/>
+              <a:defRPr sz="1800" b="0" kern="1200" cap="all" baseline="0">
+                <a:solidFill>
+                  <a:schemeClr val="tx1"/>
+                </a:solidFill>
+                <a:effectLst/>
+                <a:latin typeface="+mn-lt"/>
+                <a:ea typeface="+mn-ea"/>
+                <a:cs typeface="+mn-cs"/>
+              </a:defRPr>
+            </a:lvl1pPr>
+            <a:lvl2pPr marL="457200" indent="0" algn="ctr" defTabSz="914400" rtl="0" eaLnBrk="1" latinLnBrk="0" hangingPunct="1">
+              <a:lnSpc>
+                <a:spcPct val="120000"/>
+              </a:lnSpc>
+              <a:spcBef>
+                <a:spcPts val="500"/>
+              </a:spcBef>
+              <a:buClr>
+                <a:schemeClr val="accent1"/>
+              </a:buClr>
+              <a:buSzPct val="100000"/>
+              <a:buFont typeface="Arial" panose="020B0604020202020204" pitchFamily="34" charset="0"/>
+              <a:buNone/>
+              <a:defRPr sz="1800" kern="1200" cap="none" baseline="0">
+                <a:solidFill>
+                  <a:schemeClr val="tx1"/>
+                </a:solidFill>
+                <a:effectLst/>
+                <a:latin typeface="+mn-lt"/>
+                <a:ea typeface="+mn-ea"/>
+                <a:cs typeface="+mn-cs"/>
+              </a:defRPr>
+            </a:lvl2pPr>
+            <a:lvl3pPr marL="914400" indent="0" algn="ctr" defTabSz="914400" rtl="0" eaLnBrk="1" latinLnBrk="0" hangingPunct="1">
+              <a:lnSpc>
+                <a:spcPct val="120000"/>
+              </a:lnSpc>
+              <a:spcBef>
+                <a:spcPts val="500"/>
+              </a:spcBef>
+              <a:buClr>
+                <a:schemeClr val="accent1"/>
+              </a:buClr>
+              <a:buSzPct val="100000"/>
+              <a:buFont typeface="Arial" panose="020B0604020202020204" pitchFamily="34" charset="0"/>
+              <a:buNone/>
+              <a:defRPr sz="1800" kern="1200">
+                <a:solidFill>
+                  <a:schemeClr val="tx1"/>
+                </a:solidFill>
+                <a:effectLst/>
+                <a:latin typeface="+mn-lt"/>
+                <a:ea typeface="+mn-ea"/>
+                <a:cs typeface="+mn-cs"/>
+              </a:defRPr>
+            </a:lvl3pPr>
+            <a:lvl4pPr marL="1371600" indent="0" algn="ctr" defTabSz="914400" rtl="0" eaLnBrk="1" latinLnBrk="0" hangingPunct="1">
+              <a:lnSpc>
+                <a:spcPct val="120000"/>
+              </a:lnSpc>
+              <a:spcBef>
+                <a:spcPts val="500"/>
+              </a:spcBef>
+              <a:buClr>
+                <a:schemeClr val="accent1"/>
+              </a:buClr>
+              <a:buSzPct val="100000"/>
+              <a:buFont typeface="Arial" panose="020B0604020202020204" pitchFamily="34" charset="0"/>
+              <a:buNone/>
+              <a:defRPr sz="1600" kern="1200" cap="none" baseline="0">
+                <a:solidFill>
+                  <a:schemeClr val="tx1"/>
+                </a:solidFill>
+                <a:effectLst/>
+                <a:latin typeface="+mn-lt"/>
+                <a:ea typeface="+mn-ea"/>
+                <a:cs typeface="+mn-cs"/>
+              </a:defRPr>
+            </a:lvl4pPr>
+            <a:lvl5pPr marL="1828800" indent="0" algn="ctr" defTabSz="914400" rtl="0" eaLnBrk="1" latinLnBrk="0" hangingPunct="1">
+              <a:lnSpc>
+                <a:spcPct val="120000"/>
+              </a:lnSpc>
+              <a:spcBef>
+                <a:spcPts val="500"/>
+              </a:spcBef>
+              <a:buClr>
+                <a:schemeClr val="accent1"/>
+              </a:buClr>
+              <a:buSzPct val="100000"/>
+              <a:buFont typeface="Arial" panose="020B0604020202020204" pitchFamily="34" charset="0"/>
+              <a:buNone/>
+              <a:defRPr sz="1600" kern="1200">
+                <a:solidFill>
+                  <a:schemeClr val="tx1"/>
+                </a:solidFill>
+                <a:effectLst/>
+                <a:latin typeface="+mn-lt"/>
+                <a:ea typeface="+mn-ea"/>
+                <a:cs typeface="+mn-cs"/>
+              </a:defRPr>
+            </a:lvl5pPr>
+            <a:lvl6pPr marL="2286000" indent="0" algn="ctr" defTabSz="914400" rtl="0" eaLnBrk="1" latinLnBrk="0" hangingPunct="1">
+              <a:lnSpc>
+                <a:spcPct val="120000"/>
+              </a:lnSpc>
+              <a:spcBef>
+                <a:spcPts val="500"/>
+              </a:spcBef>
+              <a:buClr>
+                <a:schemeClr val="accent1"/>
+              </a:buClr>
+              <a:buSzPct val="100000"/>
+              <a:buFont typeface="Arial" panose="020B0604020202020204" pitchFamily="34" charset="0"/>
+              <a:buNone/>
+              <a:defRPr sz="1600" kern="1200">
+                <a:solidFill>
+                  <a:schemeClr val="tx1"/>
+                </a:solidFill>
+                <a:effectLst/>
+                <a:latin typeface="+mn-lt"/>
+                <a:ea typeface="+mn-ea"/>
+                <a:cs typeface="+mn-cs"/>
+              </a:defRPr>
+            </a:lvl6pPr>
+            <a:lvl7pPr marL="2743200" indent="0" algn="ctr" defTabSz="914400" rtl="0" eaLnBrk="1" latinLnBrk="0" hangingPunct="1">
+              <a:lnSpc>
+                <a:spcPct val="120000"/>
+              </a:lnSpc>
+              <a:spcBef>
+                <a:spcPts val="500"/>
+              </a:spcBef>
+              <a:buClr>
+                <a:schemeClr val="accent1"/>
+              </a:buClr>
+              <a:buSzPct val="100000"/>
+              <a:buFont typeface="Arial" panose="020B0604020202020204" pitchFamily="34" charset="0"/>
+              <a:buNone/>
+              <a:defRPr sz="1600" kern="1200">
+                <a:solidFill>
+                  <a:schemeClr val="tx1"/>
+                </a:solidFill>
+                <a:effectLst/>
+                <a:latin typeface="+mn-lt"/>
+                <a:ea typeface="+mn-ea"/>
+                <a:cs typeface="+mn-cs"/>
+              </a:defRPr>
+            </a:lvl7pPr>
+            <a:lvl8pPr marL="3200400" indent="0" algn="ctr" defTabSz="914400" rtl="0" eaLnBrk="1" latinLnBrk="0" hangingPunct="1">
+              <a:lnSpc>
+                <a:spcPct val="120000"/>
+              </a:lnSpc>
+              <a:spcBef>
+                <a:spcPts val="500"/>
+              </a:spcBef>
+              <a:buClr>
+                <a:schemeClr val="accent1"/>
+              </a:buClr>
+              <a:buSzPct val="100000"/>
+              <a:buFont typeface="Arial" panose="020B0604020202020204" pitchFamily="34" charset="0"/>
+              <a:buNone/>
+              <a:defRPr sz="1600" kern="1200" baseline="0">
+                <a:solidFill>
+                  <a:schemeClr val="tx1"/>
+                </a:solidFill>
+                <a:effectLst/>
+                <a:latin typeface="+mn-lt"/>
+                <a:ea typeface="+mn-ea"/>
+                <a:cs typeface="+mn-cs"/>
+              </a:defRPr>
+            </a:lvl8pPr>
+            <a:lvl9pPr marL="3657600" indent="0" algn="ctr" defTabSz="914400" rtl="0" eaLnBrk="1" latinLnBrk="0" hangingPunct="1">
+              <a:lnSpc>
+                <a:spcPct val="120000"/>
+              </a:lnSpc>
+              <a:spcBef>
+                <a:spcPts val="500"/>
+              </a:spcBef>
+              <a:buClr>
+                <a:schemeClr val="accent1"/>
+              </a:buClr>
+              <a:buSzPct val="100000"/>
+              <a:buFont typeface="Arial" panose="020B0604020202020204" pitchFamily="34" charset="0"/>
+              <a:buNone/>
+              <a:defRPr sz="1600" kern="1200" baseline="0">
+                <a:solidFill>
+                  <a:schemeClr val="tx1"/>
+                </a:solidFill>
+                <a:effectLst/>
+                <a:latin typeface="+mn-lt"/>
+                <a:ea typeface="+mn-ea"/>
+                <a:cs typeface="+mn-cs"/>
+              </a:defRPr>
+            </a:lvl9pPr>
+          </a:lstStyle>
+          <a:p>
+            <a:r>
+              <a:rPr lang="en-US" sz="1600" cap="none" dirty="0"/>
+              <a:t>Created by: Cindy </a:t>
+            </a:r>
+            <a:r>
+              <a:rPr lang="en-US" sz="1600" cap="none" dirty="0" err="1"/>
               <a:t>Gorbas</a:t>
             </a:r>
             <a:r>
-              <a:rPr lang="en-US" dirty="0"/>
+              <a:rPr lang="en-US" sz="1600" cap="none" dirty="0"/>
               <a:t>, Elizabeth Jaye, </a:t>
             </a:r>
             <a:r>
-              <a:rPr lang="en-US" dirty="0" err="1"/>
+              <a:rPr lang="en-US" sz="1600" cap="none" dirty="0" err="1"/>
               <a:t>Dinielle</a:t>
             </a:r>
             <a:r>
-              <a:rPr lang="en-US" dirty="0"/>
+              <a:rPr lang="en-US" sz="1600" cap="none" dirty="0"/>
               <a:t> Nelson, Robert </a:t>
             </a:r>
             <a:r>
-              <a:rPr lang="en-US" dirty="0" err="1"/>
+              <a:rPr lang="en-US" sz="1600" cap="none" dirty="0" err="1"/>
               <a:t>Perron</a:t>
             </a:r>
             <a:r>
-              <a:rPr lang="en-US" dirty="0"/>
-              <a:t>, and Dolly Vickers</a:t>
+              <a:rPr lang="en-US" sz="1600" cap="none" dirty="0"/>
+              <a:t>, And Dolly Vickers</a:t>
             </a:r>
           </a:p>
         </p:txBody>
@@ -3438,6 +4187,18 @@
   <p:clrMapOvr>
     <a:masterClrMapping/>
   </p:clrMapOvr>
+  <mc:AlternateContent xmlns:mc="http://schemas.openxmlformats.org/markup-compatibility/2006" xmlns:p14="http://schemas.microsoft.com/office/powerpoint/2010/main">
+    <mc:Choice Requires="p14">
+      <p:transition spd="med" p14:dur="700">
+        <p:fade/>
+      </p:transition>
+    </mc:Choice>
+    <mc:Fallback xmlns="">
+      <p:transition spd="med">
+        <p:fade/>
+      </p:transition>
+    </mc:Fallback>
+  </mc:AlternateContent>
 </p:sld>
 </file>
 
@@ -3521,6 +4282,18 @@
   <p:clrMapOvr>
     <a:masterClrMapping/>
   </p:clrMapOvr>
+  <mc:AlternateContent xmlns:mc="http://schemas.openxmlformats.org/markup-compatibility/2006" xmlns:p14="http://schemas.microsoft.com/office/powerpoint/2010/main">
+    <mc:Choice Requires="p14">
+      <p:transition spd="med" p14:dur="700">
+        <p:fade/>
+      </p:transition>
+    </mc:Choice>
+    <mc:Fallback xmlns="">
+      <p:transition spd="med">
+        <p:fade/>
+      </p:transition>
+    </mc:Fallback>
+  </mc:AlternateContent>
 </p:sld>
 </file>
 
@@ -3629,6 +4402,18 @@
   <p:clrMapOvr>
     <a:masterClrMapping/>
   </p:clrMapOvr>
+  <mc:AlternateContent xmlns:mc="http://schemas.openxmlformats.org/markup-compatibility/2006" xmlns:p14="http://schemas.microsoft.com/office/powerpoint/2010/main">
+    <mc:Choice Requires="p14">
+      <p:transition spd="med" p14:dur="700">
+        <p:fade/>
+      </p:transition>
+    </mc:Choice>
+    <mc:Fallback xmlns="">
+      <p:transition spd="med">
+        <p:fade/>
+      </p:transition>
+    </mc:Fallback>
+  </mc:AlternateContent>
 </p:sld>
 </file>
 
@@ -3737,6 +4522,18 @@
   <p:clrMapOvr>
     <a:masterClrMapping/>
   </p:clrMapOvr>
+  <mc:AlternateContent xmlns:mc="http://schemas.openxmlformats.org/markup-compatibility/2006" xmlns:p14="http://schemas.microsoft.com/office/powerpoint/2010/main">
+    <mc:Choice Requires="p14">
+      <p:transition spd="med" p14:dur="700">
+        <p:fade/>
+      </p:transition>
+    </mc:Choice>
+    <mc:Fallback xmlns="">
+      <p:transition spd="med">
+        <p:fade/>
+      </p:transition>
+    </mc:Fallback>
+  </mc:AlternateContent>
 </p:sld>
 </file>
 
@@ -3845,6 +4642,18 @@
   <p:clrMapOvr>
     <a:masterClrMapping/>
   </p:clrMapOvr>
+  <mc:AlternateContent xmlns:mc="http://schemas.openxmlformats.org/markup-compatibility/2006" xmlns:p14="http://schemas.microsoft.com/office/powerpoint/2010/main">
+    <mc:Choice Requires="p14">
+      <p:transition spd="med" p14:dur="700">
+        <p:fade/>
+      </p:transition>
+    </mc:Choice>
+    <mc:Fallback xmlns="">
+      <p:transition spd="med">
+        <p:fade/>
+      </p:transition>
+    </mc:Fallback>
+  </mc:AlternateContent>
 </p:sld>
 </file>
 
@@ -3943,6 +4752,18 @@
   <p:clrMapOvr>
     <a:masterClrMapping/>
   </p:clrMapOvr>
+  <mc:AlternateContent xmlns:mc="http://schemas.openxmlformats.org/markup-compatibility/2006" xmlns:p14="http://schemas.microsoft.com/office/powerpoint/2010/main">
+    <mc:Choice Requires="p14">
+      <p:transition spd="med" p14:dur="700">
+        <p:fade/>
+      </p:transition>
+    </mc:Choice>
+    <mc:Fallback xmlns="">
+      <p:transition spd="med">
+        <p:fade/>
+      </p:transition>
+    </mc:Fallback>
+  </mc:AlternateContent>
 </p:sld>
 </file>
 
@@ -4026,6 +4847,18 @@
   <p:clrMapOvr>
     <a:masterClrMapping/>
   </p:clrMapOvr>
+  <mc:AlternateContent xmlns:mc="http://schemas.openxmlformats.org/markup-compatibility/2006" xmlns:p14="http://schemas.microsoft.com/office/powerpoint/2010/main">
+    <mc:Choice Requires="p14">
+      <p:transition spd="med" p14:dur="700">
+        <p:fade/>
+      </p:transition>
+    </mc:Choice>
+    <mc:Fallback xmlns="">
+      <p:transition spd="med">
+        <p:fade/>
+      </p:transition>
+    </mc:Fallback>
+  </mc:AlternateContent>
 </p:sld>
 </file>
 
@@ -4124,6 +4957,18 @@
   <p:clrMapOvr>
     <a:masterClrMapping/>
   </p:clrMapOvr>
+  <mc:AlternateContent xmlns:mc="http://schemas.openxmlformats.org/markup-compatibility/2006" xmlns:p14="http://schemas.microsoft.com/office/powerpoint/2010/main">
+    <mc:Choice Requires="p14">
+      <p:transition spd="med" p14:dur="700">
+        <p:fade/>
+      </p:transition>
+    </mc:Choice>
+    <mc:Fallback xmlns="">
+      <p:transition spd="med">
+        <p:fade/>
+      </p:transition>
+    </mc:Fallback>
+  </mc:AlternateContent>
 </p:sld>
 </file>
 
@@ -4207,114 +5052,74 @@
   <p:clrMapOvr>
     <a:masterClrMapping/>
   </p:clrMapOvr>
+  <mc:AlternateContent xmlns:mc="http://schemas.openxmlformats.org/markup-compatibility/2006" xmlns:p14="http://schemas.microsoft.com/office/powerpoint/2010/main">
+    <mc:Choice Requires="p14">
+      <p:transition spd="med" p14:dur="700">
+        <p:fade/>
+      </p:transition>
+    </mc:Choice>
+    <mc:Fallback xmlns="">
+      <p:transition spd="med">
+        <p:fade/>
+      </p:transition>
+    </mc:Fallback>
+  </mc:AlternateContent>
 </p:sld>
 </file>
 
 <file path=ppt/theme/theme1.xml><?xml version="1.0" encoding="utf-8"?>
-<a:theme xmlns:a="http://schemas.openxmlformats.org/drawingml/2006/main" name="Office Theme">
+<a:theme xmlns:a="http://schemas.openxmlformats.org/drawingml/2006/main" name="CITY SKETCH 16X9">
   <a:themeElements>
-    <a:clrScheme name="Office">
+    <a:clrScheme name="CitySketch">
       <a:dk1>
-        <a:sysClr val="windowText" lastClr="000000"/>
+        <a:srgbClr val="3D372E"/>
       </a:dk1>
       <a:lt1>
         <a:sysClr val="window" lastClr="FFFFFF"/>
       </a:lt1>
       <a:dk2>
-        <a:srgbClr val="44546A"/>
+        <a:srgbClr val="000000"/>
       </a:dk2>
       <a:lt2>
-        <a:srgbClr val="E7E6E6"/>
+        <a:srgbClr val="E0ECE1"/>
       </a:lt2>
       <a:accent1>
-        <a:srgbClr val="4472C4"/>
+        <a:srgbClr val="B2D0B4"/>
       </a:accent1>
       <a:accent2>
-        <a:srgbClr val="ED7D31"/>
+        <a:srgbClr val="88A5BA"/>
       </a:accent2>
       <a:accent3>
-        <a:srgbClr val="A5A5A5"/>
+        <a:srgbClr val="909F5F"/>
       </a:accent3>
       <a:accent4>
-        <a:srgbClr val="FFC000"/>
+        <a:srgbClr val="C9A057"/>
       </a:accent4>
       <a:accent5>
-        <a:srgbClr val="5B9BD5"/>
+        <a:srgbClr val="DA7D60"/>
       </a:accent5>
       <a:accent6>
-        <a:srgbClr val="70AD47"/>
+        <a:srgbClr val="978975"/>
       </a:accent6>
       <a:hlink>
-        <a:srgbClr val="0563C1"/>
+        <a:srgbClr val="C9A057"/>
       </a:hlink>
       <a:folHlink>
-        <a:srgbClr val="954F72"/>
+        <a:srgbClr val="978975"/>
       </a:folHlink>
     </a:clrScheme>
-    <a:fontScheme name="Office">
+    <a:fontScheme name="Century Schoolbook">
       <a:majorFont>
-        <a:latin typeface="Calibri Light" panose="020F0302020204030204"/>
+        <a:latin typeface="Century Schoolbook" panose="02040604050505020304"/>
         <a:ea typeface=""/>
         <a:cs typeface=""/>
-        <a:font script="Jpan" typeface="游ゴシック Light"/>
+        <a:font script="Jpan" typeface="ＭＳ ゴシック"/>
         <a:font script="Hang" typeface="맑은 고딕"/>
-        <a:font script="Hans" typeface="等线 Light"/>
+        <a:font script="Hans" typeface="宋体"/>
         <a:font script="Hant" typeface="新細明體"/>
-        <a:font script="Arab" typeface="Times New Roman"/>
-        <a:font script="Hebr" typeface="Times New Roman"/>
-        <a:font script="Thai" typeface="Angsana New"/>
-        <a:font script="Ethi" typeface="Nyala"/>
-        <a:font script="Beng" typeface="Vrinda"/>
-        <a:font script="Gujr" typeface="Shruti"/>
-        <a:font script="Khmr" typeface="MoolBoran"/>
-        <a:font script="Knda" typeface="Tunga"/>
-        <a:font script="Guru" typeface="Raavi"/>
-        <a:font script="Cans" typeface="Euphemia"/>
-        <a:font script="Cher" typeface="Plantagenet Cherokee"/>
-        <a:font script="Yiii" typeface="Microsoft Yi Baiti"/>
-        <a:font script="Tibt" typeface="Microsoft Himalaya"/>
-        <a:font script="Thaa" typeface="MV Boli"/>
-        <a:font script="Deva" typeface="Mangal"/>
-        <a:font script="Telu" typeface="Gautami"/>
-        <a:font script="Taml" typeface="Latha"/>
-        <a:font script="Syrc" typeface="Estrangelo Edessa"/>
-        <a:font script="Orya" typeface="Kalinga"/>
-        <a:font script="Mlym" typeface="Kartika"/>
-        <a:font script="Laoo" typeface="DokChampa"/>
-        <a:font script="Sinh" typeface="Iskoola Pota"/>
-        <a:font script="Mong" typeface="Mongolian Baiti"/>
-        <a:font script="Viet" typeface="Times New Roman"/>
-        <a:font script="Uigh" typeface="Microsoft Uighur"/>
-        <a:font script="Geor" typeface="Sylfaen"/>
-        <a:font script="Armn" typeface="Arial"/>
-        <a:font script="Bugi" typeface="Leelawadee UI"/>
-        <a:font script="Bopo" typeface="Microsoft JhengHei"/>
-        <a:font script="Java" typeface="Javanese Text"/>
-        <a:font script="Lisu" typeface="Segoe UI"/>
-        <a:font script="Mymr" typeface="Myanmar Text"/>
-        <a:font script="Nkoo" typeface="Ebrima"/>
-        <a:font script="Olck" typeface="Nirmala UI"/>
-        <a:font script="Osma" typeface="Ebrima"/>
-        <a:font script="Phag" typeface="Phagspa"/>
-        <a:font script="Syrn" typeface="Estrangelo Edessa"/>
-        <a:font script="Syrj" typeface="Estrangelo Edessa"/>
-        <a:font script="Syre" typeface="Estrangelo Edessa"/>
-        <a:font script="Sora" typeface="Nirmala UI"/>
-        <a:font script="Tale" typeface="Microsoft Tai Le"/>
-        <a:font script="Talu" typeface="Microsoft New Tai Lue"/>
-        <a:font script="Tfng" typeface="Ebrima"/>
-      </a:majorFont>
-      <a:minorFont>
-        <a:latin typeface="Calibri" panose="020F0502020204030204"/>
-        <a:ea typeface=""/>
-        <a:cs typeface=""/>
-        <a:font script="Jpan" typeface="游ゴシック"/>
-        <a:font script="Hang" typeface="맑은 고딕"/>
-        <a:font script="Hans" typeface="等线"/>
-        <a:font script="Hant" typeface="新細明體"/>
-        <a:font script="Arab" typeface="Arial"/>
-        <a:font script="Hebr" typeface="Arial"/>
-        <a:font script="Thai" typeface="Cordia New"/>
+        <a:font script="Arab" typeface="Tahoma"/>
+        <a:font script="Hebr" typeface="Gisha"/>
+        <a:font script="Thai" typeface="DilleniaUPC"/>
         <a:font script="Ethi" typeface="Nyala"/>
         <a:font script="Beng" typeface="Vrinda"/>
         <a:font script="Gujr" typeface="Shruti"/>
@@ -4335,26 +5140,566 @@
         <a:font script="Laoo" typeface="DokChampa"/>
         <a:font script="Sinh" typeface="Iskoola Pota"/>
         <a:font script="Mong" typeface="Mongolian Baiti"/>
-        <a:font script="Viet" typeface="Arial"/>
+        <a:font script="Viet" typeface="Tahoma"/>
         <a:font script="Uigh" typeface="Microsoft Uighur"/>
         <a:font script="Geor" typeface="Sylfaen"/>
-        <a:font script="Armn" typeface="Arial"/>
-        <a:font script="Bugi" typeface="Leelawadee UI"/>
-        <a:font script="Bopo" typeface="Microsoft JhengHei"/>
-        <a:font script="Java" typeface="Javanese Text"/>
-        <a:font script="Lisu" typeface="Segoe UI"/>
-        <a:font script="Mymr" typeface="Myanmar Text"/>
-        <a:font script="Nkoo" typeface="Ebrima"/>
-        <a:font script="Olck" typeface="Nirmala UI"/>
-        <a:font script="Osma" typeface="Ebrima"/>
-        <a:font script="Phag" typeface="Phagspa"/>
-        <a:font script="Syrn" typeface="Estrangelo Edessa"/>
-        <a:font script="Syrj" typeface="Estrangelo Edessa"/>
-        <a:font script="Syre" typeface="Estrangelo Edessa"/>
-        <a:font script="Sora" typeface="Nirmala UI"/>
-        <a:font script="Tale" typeface="Microsoft Tai Le"/>
-        <a:font script="Talu" typeface="Microsoft New Tai Lue"/>
-        <a:font script="Tfng" typeface="Ebrima"/>
+      </a:majorFont>
+      <a:minorFont>
+        <a:latin typeface="Century Schoolbook" panose="02040604050505020304"/>
+        <a:ea typeface=""/>
+        <a:cs typeface=""/>
+        <a:font script="Jpan" typeface="ＭＳ ゴシック"/>
+        <a:font script="Hang" typeface="맑은 고딕"/>
+        <a:font script="Hans" typeface="宋体"/>
+        <a:font script="Hant" typeface="新細明體"/>
+        <a:font script="Arab" typeface="Tahoma"/>
+        <a:font script="Hebr" typeface="Gisha"/>
+        <a:font script="Thai" typeface="DilleniaUPC"/>
+        <a:font script="Ethi" typeface="Nyala"/>
+        <a:font script="Beng" typeface="Vrinda"/>
+        <a:font script="Gujr" typeface="Shruti"/>
+        <a:font script="Khmr" typeface="DaunPenh"/>
+        <a:font script="Knda" typeface="Tunga"/>
+        <a:font script="Guru" typeface="Raavi"/>
+        <a:font script="Cans" typeface="Euphemia"/>
+        <a:font script="Cher" typeface="Plantagenet Cherokee"/>
+        <a:font script="Yiii" typeface="Microsoft Yi Baiti"/>
+        <a:font script="Tibt" typeface="Microsoft Himalaya"/>
+        <a:font script="Thaa" typeface="MV Boli"/>
+        <a:font script="Deva" typeface="Mangal"/>
+        <a:font script="Telu" typeface="Gautami"/>
+        <a:font script="Taml" typeface="Latha"/>
+        <a:font script="Syrc" typeface="Estrangelo Edessa"/>
+        <a:font script="Orya" typeface="Kalinga"/>
+        <a:font script="Mlym" typeface="Kartika"/>
+        <a:font script="Laoo" typeface="DokChampa"/>
+        <a:font script="Sinh" typeface="Iskoola Pota"/>
+        <a:font script="Mong" typeface="Mongolian Baiti"/>
+        <a:font script="Viet" typeface="Verdana"/>
+        <a:font script="Uigh" typeface="Microsoft Uighur"/>
+        <a:font script="Geor" typeface="Sylfaen"/>
+      </a:minorFont>
+    </a:fontScheme>
+    <a:fmtScheme name="Office">
+      <a:fillStyleLst>
+        <a:solidFill>
+          <a:schemeClr val="phClr"/>
+        </a:solidFill>
+        <a:gradFill rotWithShape="1">
+          <a:gsLst>
+            <a:gs pos="0">
+              <a:schemeClr val="phClr">
+                <a:lumMod val="110000"/>
+                <a:satMod val="105000"/>
+                <a:tint val="67000"/>
+              </a:schemeClr>
+            </a:gs>
+            <a:gs pos="50000">
+              <a:schemeClr val="phClr">
+                <a:lumMod val="105000"/>
+                <a:satMod val="103000"/>
+                <a:tint val="73000"/>
+              </a:schemeClr>
+            </a:gs>
+            <a:gs pos="100000">
+              <a:schemeClr val="phClr">
+                <a:lumMod val="105000"/>
+                <a:satMod val="109000"/>
+                <a:tint val="81000"/>
+              </a:schemeClr>
+            </a:gs>
+          </a:gsLst>
+          <a:lin ang="5400000" scaled="0"/>
+        </a:gradFill>
+        <a:gradFill rotWithShape="1">
+          <a:gsLst>
+            <a:gs pos="0">
+              <a:schemeClr val="phClr">
+                <a:satMod val="103000"/>
+                <a:lumMod val="102000"/>
+                <a:tint val="94000"/>
+              </a:schemeClr>
+            </a:gs>
+            <a:gs pos="50000">
+              <a:schemeClr val="phClr">
+                <a:satMod val="110000"/>
+                <a:lumMod val="100000"/>
+                <a:shade val="100000"/>
+              </a:schemeClr>
+            </a:gs>
+            <a:gs pos="100000">
+              <a:schemeClr val="phClr">
+                <a:lumMod val="99000"/>
+                <a:satMod val="120000"/>
+                <a:shade val="78000"/>
+              </a:schemeClr>
+            </a:gs>
+          </a:gsLst>
+          <a:lin ang="5400000" scaled="0"/>
+        </a:gradFill>
+      </a:fillStyleLst>
+      <a:lnStyleLst>
+        <a:ln w="6350" cap="flat" cmpd="sng" algn="ctr">
+          <a:solidFill>
+            <a:schemeClr val="phClr"/>
+          </a:solidFill>
+          <a:prstDash val="solid"/>
+          <a:miter lim="800000"/>
+        </a:ln>
+        <a:ln w="12700" cap="flat" cmpd="sng" algn="ctr">
+          <a:solidFill>
+            <a:schemeClr val="phClr"/>
+          </a:solidFill>
+          <a:prstDash val="solid"/>
+          <a:miter lim="800000"/>
+        </a:ln>
+        <a:ln w="19050" cap="flat" cmpd="sng" algn="ctr">
+          <a:solidFill>
+            <a:schemeClr val="phClr"/>
+          </a:solidFill>
+          <a:prstDash val="solid"/>
+          <a:miter lim="800000"/>
+        </a:ln>
+      </a:lnStyleLst>
+      <a:effectStyleLst>
+        <a:effectStyle>
+          <a:effectLst/>
+        </a:effectStyle>
+        <a:effectStyle>
+          <a:effectLst/>
+        </a:effectStyle>
+        <a:effectStyle>
+          <a:effectLst>
+            <a:outerShdw blurRad="57150" dist="19050" dir="5400000" algn="ctr" rotWithShape="0">
+              <a:srgbClr val="000000">
+                <a:alpha val="63000"/>
+              </a:srgbClr>
+            </a:outerShdw>
+          </a:effectLst>
+        </a:effectStyle>
+      </a:effectStyleLst>
+      <a:bgFillStyleLst>
+        <a:solidFill>
+          <a:schemeClr val="phClr"/>
+        </a:solidFill>
+        <a:solidFill>
+          <a:schemeClr val="phClr">
+            <a:tint val="95000"/>
+            <a:satMod val="170000"/>
+          </a:schemeClr>
+        </a:solidFill>
+        <a:gradFill rotWithShape="1">
+          <a:gsLst>
+            <a:gs pos="0">
+              <a:schemeClr val="phClr">
+                <a:tint val="93000"/>
+                <a:satMod val="150000"/>
+                <a:shade val="98000"/>
+                <a:lumMod val="102000"/>
+              </a:schemeClr>
+            </a:gs>
+            <a:gs pos="50000">
+              <a:schemeClr val="phClr">
+                <a:tint val="98000"/>
+                <a:satMod val="130000"/>
+                <a:shade val="90000"/>
+                <a:lumMod val="103000"/>
+              </a:schemeClr>
+            </a:gs>
+            <a:gs pos="100000">
+              <a:schemeClr val="phClr">
+                <a:shade val="63000"/>
+                <a:satMod val="120000"/>
+              </a:schemeClr>
+            </a:gs>
+          </a:gsLst>
+          <a:lin ang="5400000" scaled="0"/>
+        </a:gradFill>
+      </a:bgFillStyleLst>
+    </a:fmtScheme>
+  </a:themeElements>
+  <a:objectDefaults/>
+  <a:extraClrSchemeLst/>
+  <a:extLst>
+    <a:ext uri="{05A4C25C-085E-4340-85A3-A5531E510DB2}">
+      <thm15:themeFamily xmlns:thm15="http://schemas.microsoft.com/office/thememl/2012/main" name="TF00001123.potx" id="{55B65C5C-2110-41C9-9432-67D739EC5CFC}" vid="{FDE12540-4521-4F30-863D-D54DD2EE1C3B}"/>
+    </a:ext>
+  </a:extLst>
+</a:theme>
+</file>
+
+<file path=ppt/theme/theme2.xml><?xml version="1.0" encoding="utf-8"?>
+<a:theme xmlns:a="http://schemas.openxmlformats.org/drawingml/2006/main" name="Office Theme">
+  <a:themeElements>
+    <a:clrScheme name="CitySketch">
+      <a:dk1>
+        <a:srgbClr val="3D372E"/>
+      </a:dk1>
+      <a:lt1>
+        <a:sysClr val="window" lastClr="FFFFFF"/>
+      </a:lt1>
+      <a:dk2>
+        <a:srgbClr val="000000"/>
+      </a:dk2>
+      <a:lt2>
+        <a:srgbClr val="E0ECE1"/>
+      </a:lt2>
+      <a:accent1>
+        <a:srgbClr val="B2D0B4"/>
+      </a:accent1>
+      <a:accent2>
+        <a:srgbClr val="88A5BA"/>
+      </a:accent2>
+      <a:accent3>
+        <a:srgbClr val="909F5F"/>
+      </a:accent3>
+      <a:accent4>
+        <a:srgbClr val="C9A057"/>
+      </a:accent4>
+      <a:accent5>
+        <a:srgbClr val="DA7D60"/>
+      </a:accent5>
+      <a:accent6>
+        <a:srgbClr val="978975"/>
+      </a:accent6>
+      <a:hlink>
+        <a:srgbClr val="C9A057"/>
+      </a:hlink>
+      <a:folHlink>
+        <a:srgbClr val="978975"/>
+      </a:folHlink>
+    </a:clrScheme>
+    <a:fontScheme name="Century Schoolbook">
+      <a:majorFont>
+        <a:latin typeface="Century Schoolbook" panose="02040604050505020304"/>
+        <a:ea typeface=""/>
+        <a:cs typeface=""/>
+        <a:font script="Jpan" typeface="ＭＳ ゴシック"/>
+        <a:font script="Hang" typeface="맑은 고딕"/>
+        <a:font script="Hans" typeface="宋体"/>
+        <a:font script="Hant" typeface="新細明體"/>
+        <a:font script="Arab" typeface="Tahoma"/>
+        <a:font script="Hebr" typeface="Gisha"/>
+        <a:font script="Thai" typeface="DilleniaUPC"/>
+        <a:font script="Ethi" typeface="Nyala"/>
+        <a:font script="Beng" typeface="Vrinda"/>
+        <a:font script="Gujr" typeface="Shruti"/>
+        <a:font script="Khmr" typeface="DaunPenh"/>
+        <a:font script="Knda" typeface="Tunga"/>
+        <a:font script="Guru" typeface="Raavi"/>
+        <a:font script="Cans" typeface="Euphemia"/>
+        <a:font script="Cher" typeface="Plantagenet Cherokee"/>
+        <a:font script="Yiii" typeface="Microsoft Yi Baiti"/>
+        <a:font script="Tibt" typeface="Microsoft Himalaya"/>
+        <a:font script="Thaa" typeface="MV Boli"/>
+        <a:font script="Deva" typeface="Mangal"/>
+        <a:font script="Telu" typeface="Gautami"/>
+        <a:font script="Taml" typeface="Latha"/>
+        <a:font script="Syrc" typeface="Estrangelo Edessa"/>
+        <a:font script="Orya" typeface="Kalinga"/>
+        <a:font script="Mlym" typeface="Kartika"/>
+        <a:font script="Laoo" typeface="DokChampa"/>
+        <a:font script="Sinh" typeface="Iskoola Pota"/>
+        <a:font script="Mong" typeface="Mongolian Baiti"/>
+        <a:font script="Viet" typeface="Tahoma"/>
+        <a:font script="Uigh" typeface="Microsoft Uighur"/>
+        <a:font script="Geor" typeface="Sylfaen"/>
+      </a:majorFont>
+      <a:minorFont>
+        <a:latin typeface="Century Schoolbook" panose="02040604050505020304"/>
+        <a:ea typeface=""/>
+        <a:cs typeface=""/>
+        <a:font script="Jpan" typeface="ＭＳ ゴシック"/>
+        <a:font script="Hang" typeface="맑은 고딕"/>
+        <a:font script="Hans" typeface="宋体"/>
+        <a:font script="Hant" typeface="新細明體"/>
+        <a:font script="Arab" typeface="Tahoma"/>
+        <a:font script="Hebr" typeface="Gisha"/>
+        <a:font script="Thai" typeface="DilleniaUPC"/>
+        <a:font script="Ethi" typeface="Nyala"/>
+        <a:font script="Beng" typeface="Vrinda"/>
+        <a:font script="Gujr" typeface="Shruti"/>
+        <a:font script="Khmr" typeface="DaunPenh"/>
+        <a:font script="Knda" typeface="Tunga"/>
+        <a:font script="Guru" typeface="Raavi"/>
+        <a:font script="Cans" typeface="Euphemia"/>
+        <a:font script="Cher" typeface="Plantagenet Cherokee"/>
+        <a:font script="Yiii" typeface="Microsoft Yi Baiti"/>
+        <a:font script="Tibt" typeface="Microsoft Himalaya"/>
+        <a:font script="Thaa" typeface="MV Boli"/>
+        <a:font script="Deva" typeface="Mangal"/>
+        <a:font script="Telu" typeface="Gautami"/>
+        <a:font script="Taml" typeface="Latha"/>
+        <a:font script="Syrc" typeface="Estrangelo Edessa"/>
+        <a:font script="Orya" typeface="Kalinga"/>
+        <a:font script="Mlym" typeface="Kartika"/>
+        <a:font script="Laoo" typeface="DokChampa"/>
+        <a:font script="Sinh" typeface="Iskoola Pota"/>
+        <a:font script="Mong" typeface="Mongolian Baiti"/>
+        <a:font script="Viet" typeface="Verdana"/>
+        <a:font script="Uigh" typeface="Microsoft Uighur"/>
+        <a:font script="Geor" typeface="Sylfaen"/>
+      </a:minorFont>
+    </a:fontScheme>
+    <a:fmtScheme name="Office">
+      <a:fillStyleLst>
+        <a:solidFill>
+          <a:schemeClr val="phClr"/>
+        </a:solidFill>
+        <a:gradFill rotWithShape="1">
+          <a:gsLst>
+            <a:gs pos="0">
+              <a:schemeClr val="phClr">
+                <a:lumMod val="110000"/>
+                <a:satMod val="105000"/>
+                <a:tint val="67000"/>
+              </a:schemeClr>
+            </a:gs>
+            <a:gs pos="50000">
+              <a:schemeClr val="phClr">
+                <a:lumMod val="105000"/>
+                <a:satMod val="103000"/>
+                <a:tint val="73000"/>
+              </a:schemeClr>
+            </a:gs>
+            <a:gs pos="100000">
+              <a:schemeClr val="phClr">
+                <a:lumMod val="105000"/>
+                <a:satMod val="109000"/>
+                <a:tint val="81000"/>
+              </a:schemeClr>
+            </a:gs>
+          </a:gsLst>
+          <a:lin ang="5400000" scaled="0"/>
+        </a:gradFill>
+        <a:gradFill rotWithShape="1">
+          <a:gsLst>
+            <a:gs pos="0">
+              <a:schemeClr val="phClr">
+                <a:satMod val="103000"/>
+                <a:lumMod val="102000"/>
+                <a:tint val="94000"/>
+              </a:schemeClr>
+            </a:gs>
+            <a:gs pos="50000">
+              <a:schemeClr val="phClr">
+                <a:satMod val="110000"/>
+                <a:lumMod val="100000"/>
+                <a:shade val="100000"/>
+              </a:schemeClr>
+            </a:gs>
+            <a:gs pos="100000">
+              <a:schemeClr val="phClr">
+                <a:lumMod val="99000"/>
+                <a:satMod val="120000"/>
+                <a:shade val="78000"/>
+              </a:schemeClr>
+            </a:gs>
+          </a:gsLst>
+          <a:lin ang="5400000" scaled="0"/>
+        </a:gradFill>
+      </a:fillStyleLst>
+      <a:lnStyleLst>
+        <a:ln w="6350" cap="flat" cmpd="sng" algn="ctr">
+          <a:solidFill>
+            <a:schemeClr val="phClr"/>
+          </a:solidFill>
+          <a:prstDash val="solid"/>
+          <a:miter lim="800000"/>
+        </a:ln>
+        <a:ln w="12700" cap="flat" cmpd="sng" algn="ctr">
+          <a:solidFill>
+            <a:schemeClr val="phClr"/>
+          </a:solidFill>
+          <a:prstDash val="solid"/>
+          <a:miter lim="800000"/>
+        </a:ln>
+        <a:ln w="19050" cap="flat" cmpd="sng" algn="ctr">
+          <a:solidFill>
+            <a:schemeClr val="phClr"/>
+          </a:solidFill>
+          <a:prstDash val="solid"/>
+          <a:miter lim="800000"/>
+        </a:ln>
+      </a:lnStyleLst>
+      <a:effectStyleLst>
+        <a:effectStyle>
+          <a:effectLst/>
+        </a:effectStyle>
+        <a:effectStyle>
+          <a:effectLst/>
+        </a:effectStyle>
+        <a:effectStyle>
+          <a:effectLst>
+            <a:outerShdw blurRad="57150" dist="19050" dir="5400000" algn="ctr" rotWithShape="0">
+              <a:srgbClr val="000000">
+                <a:alpha val="63000"/>
+              </a:srgbClr>
+            </a:outerShdw>
+          </a:effectLst>
+        </a:effectStyle>
+      </a:effectStyleLst>
+      <a:bgFillStyleLst>
+        <a:solidFill>
+          <a:schemeClr val="phClr"/>
+        </a:solidFill>
+        <a:solidFill>
+          <a:schemeClr val="phClr">
+            <a:tint val="95000"/>
+            <a:satMod val="170000"/>
+          </a:schemeClr>
+        </a:solidFill>
+        <a:gradFill rotWithShape="1">
+          <a:gsLst>
+            <a:gs pos="0">
+              <a:schemeClr val="phClr">
+                <a:tint val="93000"/>
+                <a:satMod val="150000"/>
+                <a:shade val="98000"/>
+                <a:lumMod val="102000"/>
+              </a:schemeClr>
+            </a:gs>
+            <a:gs pos="50000">
+              <a:schemeClr val="phClr">
+                <a:tint val="98000"/>
+                <a:satMod val="130000"/>
+                <a:shade val="90000"/>
+                <a:lumMod val="103000"/>
+              </a:schemeClr>
+            </a:gs>
+            <a:gs pos="100000">
+              <a:schemeClr val="phClr">
+                <a:shade val="63000"/>
+                <a:satMod val="120000"/>
+              </a:schemeClr>
+            </a:gs>
+          </a:gsLst>
+          <a:lin ang="5400000" scaled="0"/>
+        </a:gradFill>
+      </a:bgFillStyleLst>
+    </a:fmtScheme>
+  </a:themeElements>
+  <a:objectDefaults/>
+  <a:extraClrSchemeLst/>
+  <a:extLst>
+    <a:ext uri="{05A4C25C-085E-4340-85A3-A5531E510DB2}">
+      <thm15:themeFamily xmlns:thm15="http://schemas.microsoft.com/office/thememl/2012/main" name="Office Theme" id="{62F939B6-93AF-4DB8-9C6B-D6C7DFDC589F}" vid="{4A3C46E8-61CC-4603-A589-7422A47A8E4A}"/>
+    </a:ext>
+  </a:extLst>
+</a:theme>
+</file>
+
+<file path=ppt/theme/theme3.xml><?xml version="1.0" encoding="utf-8"?>
+<a:theme xmlns:a="http://schemas.openxmlformats.org/drawingml/2006/main" name="Office Theme">
+  <a:themeElements>
+    <a:clrScheme name="CitySketch">
+      <a:dk1>
+        <a:srgbClr val="3D372E"/>
+      </a:dk1>
+      <a:lt1>
+        <a:sysClr val="window" lastClr="FFFFFF"/>
+      </a:lt1>
+      <a:dk2>
+        <a:srgbClr val="000000"/>
+      </a:dk2>
+      <a:lt2>
+        <a:srgbClr val="E0ECE1"/>
+      </a:lt2>
+      <a:accent1>
+        <a:srgbClr val="B2D0B4"/>
+      </a:accent1>
+      <a:accent2>
+        <a:srgbClr val="88A5BA"/>
+      </a:accent2>
+      <a:accent3>
+        <a:srgbClr val="909F5F"/>
+      </a:accent3>
+      <a:accent4>
+        <a:srgbClr val="C9A057"/>
+      </a:accent4>
+      <a:accent5>
+        <a:srgbClr val="DA7D60"/>
+      </a:accent5>
+      <a:accent6>
+        <a:srgbClr val="978975"/>
+      </a:accent6>
+      <a:hlink>
+        <a:srgbClr val="C9A057"/>
+      </a:hlink>
+      <a:folHlink>
+        <a:srgbClr val="978975"/>
+      </a:folHlink>
+    </a:clrScheme>
+    <a:fontScheme name="Century Schoolbook">
+      <a:majorFont>
+        <a:latin typeface="Century Schoolbook" panose="02040604050505020304"/>
+        <a:ea typeface=""/>
+        <a:cs typeface=""/>
+        <a:font script="Jpan" typeface="ＭＳ ゴシック"/>
+        <a:font script="Hang" typeface="맑은 고딕"/>
+        <a:font script="Hans" typeface="宋体"/>
+        <a:font script="Hant" typeface="新細明體"/>
+        <a:font script="Arab" typeface="Tahoma"/>
+        <a:font script="Hebr" typeface="Gisha"/>
+        <a:font script="Thai" typeface="DilleniaUPC"/>
+        <a:font script="Ethi" typeface="Nyala"/>
+        <a:font script="Beng" typeface="Vrinda"/>
+        <a:font script="Gujr" typeface="Shruti"/>
+        <a:font script="Khmr" typeface="DaunPenh"/>
+        <a:font script="Knda" typeface="Tunga"/>
+        <a:font script="Guru" typeface="Raavi"/>
+        <a:font script="Cans" typeface="Euphemia"/>
+        <a:font script="Cher" typeface="Plantagenet Cherokee"/>
+        <a:font script="Yiii" typeface="Microsoft Yi Baiti"/>
+        <a:font script="Tibt" typeface="Microsoft Himalaya"/>
+        <a:font script="Thaa" typeface="MV Boli"/>
+        <a:font script="Deva" typeface="Mangal"/>
+        <a:font script="Telu" typeface="Gautami"/>
+        <a:font script="Taml" typeface="Latha"/>
+        <a:font script="Syrc" typeface="Estrangelo Edessa"/>
+        <a:font script="Orya" typeface="Kalinga"/>
+        <a:font script="Mlym" typeface="Kartika"/>
+        <a:font script="Laoo" typeface="DokChampa"/>
+        <a:font script="Sinh" typeface="Iskoola Pota"/>
+        <a:font script="Mong" typeface="Mongolian Baiti"/>
+        <a:font script="Viet" typeface="Tahoma"/>
+        <a:font script="Uigh" typeface="Microsoft Uighur"/>
+        <a:font script="Geor" typeface="Sylfaen"/>
+      </a:majorFont>
+      <a:minorFont>
+        <a:latin typeface="Century Schoolbook" panose="02040604050505020304"/>
+        <a:ea typeface=""/>
+        <a:cs typeface=""/>
+        <a:font script="Jpan" typeface="ＭＳ ゴシック"/>
+        <a:font script="Hang" typeface="맑은 고딕"/>
+        <a:font script="Hans" typeface="宋体"/>
+        <a:font script="Hant" typeface="新細明體"/>
+        <a:font script="Arab" typeface="Tahoma"/>
+        <a:font script="Hebr" typeface="Gisha"/>
+        <a:font script="Thai" typeface="DilleniaUPC"/>
+        <a:font script="Ethi" typeface="Nyala"/>
+        <a:font script="Beng" typeface="Vrinda"/>
+        <a:font script="Gujr" typeface="Shruti"/>
+        <a:font script="Khmr" typeface="DaunPenh"/>
+        <a:font script="Knda" typeface="Tunga"/>
+        <a:font script="Guru" typeface="Raavi"/>
+        <a:font script="Cans" typeface="Euphemia"/>
+        <a:font script="Cher" typeface="Plantagenet Cherokee"/>
+        <a:font script="Yiii" typeface="Microsoft Yi Baiti"/>
+        <a:font script="Tibt" typeface="Microsoft Himalaya"/>
+        <a:font script="Thaa" typeface="MV Boli"/>
+        <a:font script="Deva" typeface="Mangal"/>
+        <a:font script="Telu" typeface="Gautami"/>
+        <a:font script="Taml" typeface="Latha"/>
+        <a:font script="Syrc" typeface="Estrangelo Edessa"/>
+        <a:font script="Orya" typeface="Kalinga"/>
+        <a:font script="Mlym" typeface="Kartika"/>
+        <a:font script="Laoo" typeface="DokChampa"/>
+        <a:font script="Sinh" typeface="Iskoola Pota"/>
+        <a:font script="Mong" typeface="Mongolian Baiti"/>
+        <a:font script="Viet" typeface="Verdana"/>
+        <a:font script="Uigh" typeface="Microsoft Uighur"/>
+        <a:font script="Geor" typeface="Sylfaen"/>
       </a:minorFont>
     </a:fontScheme>
     <a:fmtScheme name="Office">

--- a/Housing in Orange County, FL.pptx
+++ b/Housing in Orange County, FL.pptx
@@ -5,10 +5,10 @@
     <p:sldMasterId id="2147483648" r:id="rId1"/>
   </p:sldMasterIdLst>
   <p:notesMasterIdLst>
-    <p:notesMasterId r:id="rId11"/>
+    <p:notesMasterId r:id="rId12"/>
   </p:notesMasterIdLst>
   <p:handoutMasterIdLst>
-    <p:handoutMasterId r:id="rId12"/>
+    <p:handoutMasterId r:id="rId13"/>
   </p:handoutMasterIdLst>
   <p:sldIdLst>
     <p:sldId id="256" r:id="rId2"/>
@@ -16,10 +16,11 @@
     <p:sldId id="258" r:id="rId4"/>
     <p:sldId id="259" r:id="rId5"/>
     <p:sldId id="260" r:id="rId6"/>
-    <p:sldId id="261" r:id="rId7"/>
-    <p:sldId id="262" r:id="rId8"/>
-    <p:sldId id="263" r:id="rId9"/>
-    <p:sldId id="264" r:id="rId10"/>
+    <p:sldId id="265" r:id="rId7"/>
+    <p:sldId id="266" r:id="rId8"/>
+    <p:sldId id="261" r:id="rId9"/>
+    <p:sldId id="263" r:id="rId10"/>
+    <p:sldId id="264" r:id="rId11"/>
   </p:sldIdLst>
   <p:sldSz cx="12192000" cy="6858000"/>
   <p:notesSz cx="6858000" cy="9144000"/>
@@ -3925,8 +3926,8 @@
         </p:nvSpPr>
         <p:spPr>
           <a:xfrm>
-            <a:off x="2417779" y="4030242"/>
-            <a:ext cx="8637072" cy="479008"/>
+            <a:off x="606674" y="5273246"/>
+            <a:ext cx="10064251" cy="479008"/>
           </a:xfrm>
           <a:prstGeom prst="rect">
             <a:avLst/>
@@ -4146,6 +4147,7 @@
             </a:lvl9pPr>
           </a:lstStyle>
           <a:p>
+            <a:pPr algn="ctr"/>
             <a:r>
               <a:rPr lang="en-US" sz="1600" cap="none" dirty="0"/>
               <a:t>Created by: Cindy </a:t>
@@ -4156,15 +4158,7 @@
             </a:r>
             <a:r>
               <a:rPr lang="en-US" sz="1600" cap="none" dirty="0"/>
-              <a:t>, Elizabeth Jaye, </a:t>
-            </a:r>
-            <a:r>
-              <a:rPr lang="en-US" sz="1600" cap="none" dirty="0" err="1"/>
-              <a:t>Dinielle</a:t>
-            </a:r>
-            <a:r>
-              <a:rPr lang="en-US" sz="1600" cap="none" dirty="0"/>
-              <a:t> Nelson, Robert </a:t>
+              <a:t>, Elizabeth Jaye, Dinielle Nelson, Robert </a:t>
             </a:r>
             <a:r>
               <a:rPr lang="en-US" sz="1600" cap="none" dirty="0" err="1"/>
@@ -4172,15 +4166,146 @@
             </a:r>
             <a:r>
               <a:rPr lang="en-US" sz="1600" cap="none" dirty="0"/>
-              <a:t>, And Dolly Vickers</a:t>
-            </a:r>
-          </a:p>
-        </p:txBody>
-      </p:sp>
+              <a:t>, and Dolly Vickers</a:t>
+            </a:r>
+          </a:p>
+        </p:txBody>
+      </p:sp>
+      <p:cxnSp>
+        <p:nvCxnSpPr>
+          <p:cNvPr id="6" name="Straight Connector 5">
+            <a:extLst>
+              <a:ext uri="{FF2B5EF4-FFF2-40B4-BE49-F238E27FC236}">
+                <a16:creationId xmlns:a16="http://schemas.microsoft.com/office/drawing/2014/main" id="{06705005-9860-49AA-95B0-6FE6DBC6D0C8}"/>
+              </a:ext>
+            </a:extLst>
+          </p:cNvPr>
+          <p:cNvCxnSpPr/>
+          <p:nvPr/>
+        </p:nvCxnSpPr>
+        <p:spPr>
+          <a:xfrm>
+            <a:off x="1371599" y="5273246"/>
+            <a:ext cx="8534400" cy="0"/>
+          </a:xfrm>
+          <a:prstGeom prst="line">
+            <a:avLst/>
+          </a:prstGeom>
+        </p:spPr>
+        <p:style>
+          <a:lnRef idx="1">
+            <a:schemeClr val="accent1"/>
+          </a:lnRef>
+          <a:fillRef idx="0">
+            <a:schemeClr val="accent1"/>
+          </a:fillRef>
+          <a:effectRef idx="0">
+            <a:schemeClr val="accent1"/>
+          </a:effectRef>
+          <a:fontRef idx="minor">
+            <a:schemeClr val="tx1"/>
+          </a:fontRef>
+        </p:style>
+      </p:cxnSp>
     </p:spTree>
     <p:extLst>
       <p:ext uri="{BB962C8B-B14F-4D97-AF65-F5344CB8AC3E}">
         <p14:creationId xmlns:p14="http://schemas.microsoft.com/office/powerpoint/2010/main" val="621183294"/>
+      </p:ext>
+    </p:extLst>
+  </p:cSld>
+  <p:clrMapOvr>
+    <a:masterClrMapping/>
+  </p:clrMapOvr>
+  <mc:AlternateContent xmlns:mc="http://schemas.openxmlformats.org/markup-compatibility/2006" xmlns:p14="http://schemas.microsoft.com/office/powerpoint/2010/main">
+    <mc:Choice Requires="p14">
+      <p:transition spd="med" p14:dur="700">
+        <p:fade/>
+      </p:transition>
+    </mc:Choice>
+    <mc:Fallback xmlns="">
+      <p:transition spd="med">
+        <p:fade/>
+      </p:transition>
+    </mc:Fallback>
+  </mc:AlternateContent>
+</p:sld>
+</file>
+
+<file path=ppt/slides/slide10.xml><?xml version="1.0" encoding="utf-8"?>
+<p:sld xmlns:a="http://schemas.openxmlformats.org/drawingml/2006/main" xmlns:r="http://schemas.openxmlformats.org/officeDocument/2006/relationships" xmlns:p="http://schemas.openxmlformats.org/presentationml/2006/main">
+  <p:cSld>
+    <p:spTree>
+      <p:nvGrpSpPr>
+        <p:cNvPr id="1" name=""/>
+        <p:cNvGrpSpPr/>
+        <p:nvPr/>
+      </p:nvGrpSpPr>
+      <p:grpSpPr>
+        <a:xfrm>
+          <a:off x="0" y="0"/>
+          <a:ext cx="0" cy="0"/>
+          <a:chOff x="0" y="0"/>
+          <a:chExt cx="0" cy="0"/>
+        </a:xfrm>
+      </p:grpSpPr>
+      <p:sp>
+        <p:nvSpPr>
+          <p:cNvPr id="2" name="Title 1">
+            <a:extLst>
+              <a:ext uri="{FF2B5EF4-FFF2-40B4-BE49-F238E27FC236}">
+                <a16:creationId xmlns:a16="http://schemas.microsoft.com/office/drawing/2014/main" id="{0CD2D5C9-5FA3-43AC-A9F0-864EB45FA257}"/>
+              </a:ext>
+            </a:extLst>
+          </p:cNvPr>
+          <p:cNvSpPr>
+            <a:spLocks noGrp="1"/>
+          </p:cNvSpPr>
+          <p:nvPr>
+            <p:ph type="ctrTitle"/>
+          </p:nvPr>
+        </p:nvSpPr>
+        <p:spPr/>
+        <p:txBody>
+          <a:bodyPr/>
+          <a:lstStyle/>
+          <a:p>
+            <a:r>
+              <a:rPr lang="en-US" dirty="0"/>
+              <a:t>Questions &amp; Answers</a:t>
+            </a:r>
+          </a:p>
+        </p:txBody>
+      </p:sp>
+      <p:sp>
+        <p:nvSpPr>
+          <p:cNvPr id="4" name="Subtitle 3">
+            <a:extLst>
+              <a:ext uri="{FF2B5EF4-FFF2-40B4-BE49-F238E27FC236}">
+                <a16:creationId xmlns:a16="http://schemas.microsoft.com/office/drawing/2014/main" id="{3AE379D4-A694-42E9-9153-9F2034381357}"/>
+              </a:ext>
+            </a:extLst>
+          </p:cNvPr>
+          <p:cNvSpPr>
+            <a:spLocks noGrp="1"/>
+          </p:cNvSpPr>
+          <p:nvPr>
+            <p:ph type="subTitle" idx="1"/>
+          </p:nvPr>
+        </p:nvSpPr>
+        <p:spPr/>
+        <p:txBody>
+          <a:bodyPr/>
+          <a:lstStyle/>
+          <a:p>
+            <a:endParaRPr lang="en-US"/>
+          </a:p>
+        </p:txBody>
+      </p:sp>
+    </p:spTree>
+    <p:extLst>
+      <p:ext uri="{BB962C8B-B14F-4D97-AF65-F5344CB8AC3E}">
+        <p14:creationId xmlns:p14="http://schemas.microsoft.com/office/powerpoint/2010/main" val="304274505"/>
       </p:ext>
     </p:extLst>
   </p:cSld>
@@ -4342,31 +4467,41 @@
           </a:p>
         </p:txBody>
       </p:sp>
-      <p:sp>
-        <p:nvSpPr>
-          <p:cNvPr id="4" name="Content Placeholder 3">
+      <p:pic>
+        <p:nvPicPr>
+          <p:cNvPr id="6" name="Content Placeholder 5">
             <a:extLst>
               <a:ext uri="{FF2B5EF4-FFF2-40B4-BE49-F238E27FC236}">
-                <a16:creationId xmlns:a16="http://schemas.microsoft.com/office/drawing/2014/main" id="{DB3A3843-011E-4120-ABC0-954BA262F2E1}"/>
+                <a16:creationId xmlns:a16="http://schemas.microsoft.com/office/drawing/2014/main" id="{19891CC7-EAF0-4DFC-8516-7CADD0FEA7B8}"/>
               </a:ext>
             </a:extLst>
           </p:cNvPr>
-          <p:cNvSpPr>
-            <a:spLocks noGrp="1"/>
-          </p:cNvSpPr>
+          <p:cNvPicPr>
+            <a:picLocks noGrp="1" noChangeAspect="1"/>
+          </p:cNvPicPr>
           <p:nvPr>
             <p:ph idx="1"/>
           </p:nvPr>
-        </p:nvSpPr>
-        <p:spPr/>
-        <p:txBody>
-          <a:bodyPr/>
-          <a:lstStyle/>
-          <a:p>
-            <a:endParaRPr lang="en-US"/>
-          </a:p>
-        </p:txBody>
-      </p:sp>
+        </p:nvPicPr>
+        <p:blipFill>
+          <a:blip r:embed="rId2">
+            <a:extLst>
+              <a:ext uri="{28A0092B-C50C-407E-A947-70E740481C1C}">
+                <a14:useLocalDpi xmlns:a14="http://schemas.microsoft.com/office/drawing/2010/main" val="0"/>
+              </a:ext>
+            </a:extLst>
+          </a:blip>
+          <a:stretch>
+            <a:fillRect/>
+          </a:stretch>
+        </p:blipFill>
+        <p:spPr>
+          <a:xfrm>
+            <a:off x="541020" y="1371600"/>
+            <a:ext cx="7269482" cy="4038600"/>
+          </a:xfrm>
+        </p:spPr>
+      </p:pic>
       <p:sp>
         <p:nvSpPr>
           <p:cNvPr id="5" name="Text Placeholder 4">
@@ -4388,7 +4523,7 @@
           <a:bodyPr/>
           <a:lstStyle/>
           <a:p>
-            <a:endParaRPr lang="en-US"/>
+            <a:endParaRPr lang="en-US" dirty="0"/>
           </a:p>
         </p:txBody>
       </p:sp>
@@ -4462,31 +4597,41 @@
           </a:p>
         </p:txBody>
       </p:sp>
-      <p:sp>
-        <p:nvSpPr>
-          <p:cNvPr id="3" name="Content Placeholder 2">
+      <p:pic>
+        <p:nvPicPr>
+          <p:cNvPr id="6" name="Content Placeholder 5">
             <a:extLst>
               <a:ext uri="{FF2B5EF4-FFF2-40B4-BE49-F238E27FC236}">
-                <a16:creationId xmlns:a16="http://schemas.microsoft.com/office/drawing/2014/main" id="{2FC94CD7-8BDC-441F-8C7B-7BE8554E7B2D}"/>
+                <a16:creationId xmlns:a16="http://schemas.microsoft.com/office/drawing/2014/main" id="{E71C3500-56FB-44EF-B37B-9752DC984E6E}"/>
               </a:ext>
             </a:extLst>
           </p:cNvPr>
-          <p:cNvSpPr>
-            <a:spLocks noGrp="1"/>
-          </p:cNvSpPr>
+          <p:cNvPicPr>
+            <a:picLocks noGrp="1" noChangeAspect="1"/>
+          </p:cNvPicPr>
           <p:nvPr>
             <p:ph idx="1"/>
           </p:nvPr>
-        </p:nvSpPr>
-        <p:spPr/>
-        <p:txBody>
-          <a:bodyPr/>
-          <a:lstStyle/>
-          <a:p>
-            <a:endParaRPr lang="en-US"/>
-          </a:p>
-        </p:txBody>
-      </p:sp>
+        </p:nvPicPr>
+        <p:blipFill>
+          <a:blip r:embed="rId2">
+            <a:extLst>
+              <a:ext uri="{28A0092B-C50C-407E-A947-70E740481C1C}">
+                <a14:useLocalDpi xmlns:a14="http://schemas.microsoft.com/office/drawing/2010/main" val="0"/>
+              </a:ext>
+            </a:extLst>
+          </a:blip>
+          <a:stretch>
+            <a:fillRect/>
+          </a:stretch>
+        </p:blipFill>
+        <p:spPr>
+          <a:xfrm>
+            <a:off x="609601" y="213338"/>
+            <a:ext cx="7298480" cy="3097675"/>
+          </a:xfrm>
+        </p:spPr>
+      </p:pic>
       <p:sp>
         <p:nvSpPr>
           <p:cNvPr id="4" name="Text Placeholder 3">
@@ -4512,6 +4657,42 @@
           </a:p>
         </p:txBody>
       </p:sp>
+      <p:pic>
+        <p:nvPicPr>
+          <p:cNvPr id="8" name="Picture 7">
+            <a:extLst>
+              <a:ext uri="{FF2B5EF4-FFF2-40B4-BE49-F238E27FC236}">
+                <a16:creationId xmlns:a16="http://schemas.microsoft.com/office/drawing/2014/main" id="{9F9BEF9A-E985-4494-A8AF-254AD0D9D4A4}"/>
+              </a:ext>
+            </a:extLst>
+          </p:cNvPr>
+          <p:cNvPicPr>
+            <a:picLocks noChangeAspect="1"/>
+          </p:cNvPicPr>
+          <p:nvPr/>
+        </p:nvPicPr>
+        <p:blipFill>
+          <a:blip r:embed="rId3">
+            <a:extLst>
+              <a:ext uri="{28A0092B-C50C-407E-A947-70E740481C1C}">
+                <a14:useLocalDpi xmlns:a14="http://schemas.microsoft.com/office/drawing/2010/main" val="0"/>
+              </a:ext>
+            </a:extLst>
+          </a:blip>
+          <a:stretch>
+            <a:fillRect/>
+          </a:stretch>
+        </p:blipFill>
+        <p:spPr>
+          <a:xfrm>
+            <a:off x="609601" y="3311013"/>
+            <a:ext cx="7315200" cy="3104773"/>
+          </a:xfrm>
+          <a:prstGeom prst="rect">
+            <a:avLst/>
+          </a:prstGeom>
+        </p:spPr>
+      </p:pic>
     </p:spTree>
     <p:extLst>
       <p:ext uri="{BB962C8B-B14F-4D97-AF65-F5344CB8AC3E}">
@@ -4582,31 +4763,41 @@
           </a:p>
         </p:txBody>
       </p:sp>
-      <p:sp>
-        <p:nvSpPr>
-          <p:cNvPr id="3" name="Content Placeholder 2">
+      <p:pic>
+        <p:nvPicPr>
+          <p:cNvPr id="8" name="Content Placeholder 7">
             <a:extLst>
               <a:ext uri="{FF2B5EF4-FFF2-40B4-BE49-F238E27FC236}">
-                <a16:creationId xmlns:a16="http://schemas.microsoft.com/office/drawing/2014/main" id="{AF16D378-7C4F-454A-9193-44682F87B1EB}"/>
+                <a16:creationId xmlns:a16="http://schemas.microsoft.com/office/drawing/2014/main" id="{E72AE726-D05F-45E3-9171-2F394C515789}"/>
               </a:ext>
             </a:extLst>
           </p:cNvPr>
-          <p:cNvSpPr>
-            <a:spLocks noGrp="1"/>
-          </p:cNvSpPr>
+          <p:cNvPicPr>
+            <a:picLocks noGrp="1" noChangeAspect="1"/>
+          </p:cNvPicPr>
           <p:nvPr>
             <p:ph idx="1"/>
           </p:nvPr>
-        </p:nvSpPr>
-        <p:spPr/>
-        <p:txBody>
-          <a:bodyPr/>
-          <a:lstStyle/>
-          <a:p>
-            <a:endParaRPr lang="en-US"/>
-          </a:p>
-        </p:txBody>
-      </p:sp>
+        </p:nvPicPr>
+        <p:blipFill>
+          <a:blip r:embed="rId2">
+            <a:extLst>
+              <a:ext uri="{28A0092B-C50C-407E-A947-70E740481C1C}">
+                <a14:useLocalDpi xmlns:a14="http://schemas.microsoft.com/office/drawing/2010/main" val="0"/>
+              </a:ext>
+            </a:extLst>
+          </a:blip>
+          <a:stretch>
+            <a:fillRect/>
+          </a:stretch>
+        </p:blipFill>
+        <p:spPr>
+          <a:xfrm>
+            <a:off x="179124" y="1295400"/>
+            <a:ext cx="7745676" cy="3570975"/>
+          </a:xfrm>
+        </p:spPr>
+      </p:pic>
       <p:sp>
         <p:nvSpPr>
           <p:cNvPr id="4" name="Text Placeholder 3">
@@ -4628,7 +4819,10 @@
           <a:bodyPr/>
           <a:lstStyle/>
           <a:p>
-            <a:endParaRPr lang="en-US"/>
+            <a:r>
+              <a:rPr lang="en-US" dirty="0"/>
+              <a:t>Education</a:t>
+            </a:r>
           </a:p>
         </p:txBody>
       </p:sp>
@@ -4676,10 +4870,10 @@
       </p:grpSpPr>
       <p:sp>
         <p:nvSpPr>
-          <p:cNvPr id="5" name="Title 4">
+          <p:cNvPr id="2" name="Title 1">
             <a:extLst>
               <a:ext uri="{FF2B5EF4-FFF2-40B4-BE49-F238E27FC236}">
-                <a16:creationId xmlns:a16="http://schemas.microsoft.com/office/drawing/2014/main" id="{60928B2D-6D8A-4A34-B883-8AF2366CA4ED}"/>
+                <a16:creationId xmlns:a16="http://schemas.microsoft.com/office/drawing/2014/main" id="{81DB3431-6291-4D88-96BE-B787DF56C10A}"/>
               </a:ext>
             </a:extLst>
           </p:cNvPr>
@@ -4697,25 +4891,60 @@
           <a:p>
             <a:r>
               <a:rPr lang="en-US" dirty="0"/>
-              <a:t>Data Cleanup &amp; Exploration</a:t>
-            </a:r>
-          </a:p>
-        </p:txBody>
-      </p:sp>
-      <p:sp>
-        <p:nvSpPr>
+              <a:t>Question 3: Demographic Changes</a:t>
+            </a:r>
+          </a:p>
+        </p:txBody>
+      </p:sp>
+      <p:pic>
+        <p:nvPicPr>
           <p:cNvPr id="6" name="Content Placeholder 5">
             <a:extLst>
               <a:ext uri="{FF2B5EF4-FFF2-40B4-BE49-F238E27FC236}">
-                <a16:creationId xmlns:a16="http://schemas.microsoft.com/office/drawing/2014/main" id="{AEAF33BA-40C5-4D07-85EA-272E84F4C590}"/>
+                <a16:creationId xmlns:a16="http://schemas.microsoft.com/office/drawing/2014/main" id="{9D1D8E82-670D-4AE0-A790-AF9D52FBA889}"/>
               </a:ext>
             </a:extLst>
           </p:cNvPr>
-          <p:cNvSpPr>
-            <a:spLocks noGrp="1"/>
-          </p:cNvSpPr>
+          <p:cNvPicPr>
+            <a:picLocks noGrp="1" noChangeAspect="1"/>
+          </p:cNvPicPr>
           <p:nvPr>
             <p:ph idx="1"/>
+          </p:nvPr>
+        </p:nvPicPr>
+        <p:blipFill>
+          <a:blip r:embed="rId2">
+            <a:extLst>
+              <a:ext uri="{28A0092B-C50C-407E-A947-70E740481C1C}">
+                <a14:useLocalDpi xmlns:a14="http://schemas.microsoft.com/office/drawing/2010/main" val="0"/>
+              </a:ext>
+            </a:extLst>
+          </a:blip>
+          <a:stretch>
+            <a:fillRect/>
+          </a:stretch>
+        </p:blipFill>
+        <p:spPr>
+          <a:xfrm>
+            <a:off x="257244" y="1219200"/>
+            <a:ext cx="7667556" cy="3465985"/>
+          </a:xfrm>
+        </p:spPr>
+      </p:pic>
+      <p:sp>
+        <p:nvSpPr>
+          <p:cNvPr id="4" name="Text Placeholder 3">
+            <a:extLst>
+              <a:ext uri="{FF2B5EF4-FFF2-40B4-BE49-F238E27FC236}">
+                <a16:creationId xmlns:a16="http://schemas.microsoft.com/office/drawing/2014/main" id="{DCC92131-E9C0-4708-9063-2F8C8F124067}"/>
+              </a:ext>
+            </a:extLst>
+          </p:cNvPr>
+          <p:cNvSpPr>
+            <a:spLocks noGrp="1"/>
+          </p:cNvSpPr>
+          <p:nvPr>
+            <p:ph type="body" sz="half" idx="2"/>
           </p:nvPr>
         </p:nvSpPr>
         <p:spPr/>
@@ -4725,19 +4954,7 @@
           <a:p>
             <a:r>
               <a:rPr lang="en-US" dirty="0"/>
-              <a:t>Methods of getting the data</a:t>
-            </a:r>
-          </a:p>
-          <a:p>
-            <a:r>
-              <a:rPr lang="en-US" dirty="0"/>
-              <a:t>Exploring, limiting in range etc.</a:t>
-            </a:r>
-          </a:p>
-          <a:p>
-            <a:r>
-              <a:rPr lang="en-US" dirty="0"/>
-              <a:t>Any interesting findings?</a:t>
+              <a:t>Race</a:t>
             </a:r>
           </a:p>
         </p:txBody>
@@ -4745,7 +4962,7 @@
     </p:spTree>
     <p:extLst>
       <p:ext uri="{BB962C8B-B14F-4D97-AF65-F5344CB8AC3E}">
-        <p14:creationId xmlns:p14="http://schemas.microsoft.com/office/powerpoint/2010/main" val="3589475554"/>
+        <p14:creationId xmlns:p14="http://schemas.microsoft.com/office/powerpoint/2010/main" val="707463969"/>
       </p:ext>
     </p:extLst>
   </p:cSld>
@@ -4789,7 +5006,7 @@
           <p:cNvPr id="2" name="Title 1">
             <a:extLst>
               <a:ext uri="{FF2B5EF4-FFF2-40B4-BE49-F238E27FC236}">
-                <a16:creationId xmlns:a16="http://schemas.microsoft.com/office/drawing/2014/main" id="{0487450A-6263-4AF1-AB5A-BC5B71106A69}"/>
+                <a16:creationId xmlns:a16="http://schemas.microsoft.com/office/drawing/2014/main" id="{81DB3431-6291-4D88-96BE-B787DF56C10A}"/>
               </a:ext>
             </a:extLst>
           </p:cNvPr>
@@ -4807,25 +5024,60 @@
           <a:p>
             <a:r>
               <a:rPr lang="en-US" dirty="0"/>
-              <a:t>General Discussion</a:t>
-            </a:r>
-          </a:p>
-        </p:txBody>
-      </p:sp>
-      <p:sp>
-        <p:nvSpPr>
-          <p:cNvPr id="3" name="Content Placeholder 2">
+              <a:t>Question 3: Demographic Changes</a:t>
+            </a:r>
+          </a:p>
+        </p:txBody>
+      </p:sp>
+      <p:pic>
+        <p:nvPicPr>
+          <p:cNvPr id="6" name="Content Placeholder 5">
             <a:extLst>
               <a:ext uri="{FF2B5EF4-FFF2-40B4-BE49-F238E27FC236}">
-                <a16:creationId xmlns:a16="http://schemas.microsoft.com/office/drawing/2014/main" id="{ED1DD521-BB87-4F9A-BC76-6224F6FA9E1D}"/>
+                <a16:creationId xmlns:a16="http://schemas.microsoft.com/office/drawing/2014/main" id="{E20BB6C7-54AE-4F0B-B0DD-9BB776946DBF}"/>
               </a:ext>
             </a:extLst>
           </p:cNvPr>
-          <p:cNvSpPr>
-            <a:spLocks noGrp="1"/>
-          </p:cNvSpPr>
+          <p:cNvPicPr>
+            <a:picLocks noGrp="1" noChangeAspect="1"/>
+          </p:cNvPicPr>
           <p:nvPr>
             <p:ph idx="1"/>
+          </p:nvPr>
+        </p:nvPicPr>
+        <p:blipFill>
+          <a:blip r:embed="rId2">
+            <a:extLst>
+              <a:ext uri="{28A0092B-C50C-407E-A947-70E740481C1C}">
+                <a14:useLocalDpi xmlns:a14="http://schemas.microsoft.com/office/drawing/2010/main" val="0"/>
+              </a:ext>
+            </a:extLst>
+          </a:blip>
+          <a:stretch>
+            <a:fillRect/>
+          </a:stretch>
+        </p:blipFill>
+        <p:spPr>
+          <a:xfrm>
+            <a:off x="304800" y="1219200"/>
+            <a:ext cx="7555892" cy="3635265"/>
+          </a:xfrm>
+        </p:spPr>
+      </p:pic>
+      <p:sp>
+        <p:nvSpPr>
+          <p:cNvPr id="4" name="Text Placeholder 3">
+            <a:extLst>
+              <a:ext uri="{FF2B5EF4-FFF2-40B4-BE49-F238E27FC236}">
+                <a16:creationId xmlns:a16="http://schemas.microsoft.com/office/drawing/2014/main" id="{DCC92131-E9C0-4708-9063-2F8C8F124067}"/>
+              </a:ext>
+            </a:extLst>
+          </p:cNvPr>
+          <p:cNvSpPr>
+            <a:spLocks noGrp="1"/>
+          </p:cNvSpPr>
+          <p:nvPr>
+            <p:ph type="body" sz="half" idx="2"/>
           </p:nvPr>
         </p:nvSpPr>
         <p:spPr/>
@@ -4833,14 +5085,17 @@
           <a:bodyPr/>
           <a:lstStyle/>
           <a:p>
-            <a:endParaRPr lang="en-US"/>
+            <a:r>
+              <a:rPr lang="en-US" dirty="0"/>
+              <a:t>Age Range</a:t>
+            </a:r>
           </a:p>
         </p:txBody>
       </p:sp>
     </p:spTree>
     <p:extLst>
       <p:ext uri="{BB962C8B-B14F-4D97-AF65-F5344CB8AC3E}">
-        <p14:creationId xmlns:p14="http://schemas.microsoft.com/office/powerpoint/2010/main" val="2018918246"/>
+        <p14:creationId xmlns:p14="http://schemas.microsoft.com/office/powerpoint/2010/main" val="1181949973"/>
       </p:ext>
     </p:extLst>
   </p:cSld>
@@ -4881,10 +5136,10 @@
       </p:grpSpPr>
       <p:sp>
         <p:nvSpPr>
-          <p:cNvPr id="2" name="Title 1">
+          <p:cNvPr id="5" name="Title 4">
             <a:extLst>
               <a:ext uri="{FF2B5EF4-FFF2-40B4-BE49-F238E27FC236}">
-                <a16:creationId xmlns:a16="http://schemas.microsoft.com/office/drawing/2014/main" id="{4A976F62-38FC-4B90-8209-4C25001787FC}"/>
+                <a16:creationId xmlns:a16="http://schemas.microsoft.com/office/drawing/2014/main" id="{60928B2D-6D8A-4A34-B883-8AF2366CA4ED}"/>
               </a:ext>
             </a:extLst>
           </p:cNvPr>
@@ -4902,17 +5157,17 @@
           <a:p>
             <a:r>
               <a:rPr lang="en-US" dirty="0"/>
-              <a:t>Post Mortem</a:t>
-            </a:r>
-          </a:p>
-        </p:txBody>
-      </p:sp>
-      <p:sp>
-        <p:nvSpPr>
-          <p:cNvPr id="3" name="Content Placeholder 2">
+              <a:t>Data Cleanup &amp; Exploration</a:t>
+            </a:r>
+          </a:p>
+        </p:txBody>
+      </p:sp>
+      <p:sp>
+        <p:nvSpPr>
+          <p:cNvPr id="6" name="Content Placeholder 5">
             <a:extLst>
               <a:ext uri="{FF2B5EF4-FFF2-40B4-BE49-F238E27FC236}">
-                <a16:creationId xmlns:a16="http://schemas.microsoft.com/office/drawing/2014/main" id="{2730CC84-5563-4FF8-9ABA-99712EB5C434}"/>
+                <a16:creationId xmlns:a16="http://schemas.microsoft.com/office/drawing/2014/main" id="{AEAF33BA-40C5-4D07-85EA-272E84F4C590}"/>
               </a:ext>
             </a:extLst>
           </p:cNvPr>
@@ -4930,19 +5185,19 @@
           <a:p>
             <a:r>
               <a:rPr lang="en-US" dirty="0"/>
-              <a:t>Discuss any difficulties that arose, and how you dealt with them</a:t>
+              <a:t>Methods of getting the data</a:t>
             </a:r>
           </a:p>
           <a:p>
             <a:r>
               <a:rPr lang="en-US" dirty="0"/>
-              <a:t>Discuss any additional questions that came up, but which you didn't have time to answer: What would you research next, if you had two more weeks?</a:t>
+              <a:t>Exploring, limiting in range etc.</a:t>
             </a:r>
           </a:p>
           <a:p>
             <a:r>
               <a:rPr lang="en-US" dirty="0"/>
-              <a:t>Basically acknowledge limitations</a:t>
+              <a:t>Any interesting findings?</a:t>
             </a:r>
           </a:p>
         </p:txBody>
@@ -4950,7 +5205,7 @@
     </p:spTree>
     <p:extLst>
       <p:ext uri="{BB962C8B-B14F-4D97-AF65-F5344CB8AC3E}">
-        <p14:creationId xmlns:p14="http://schemas.microsoft.com/office/powerpoint/2010/main" val="1690957519"/>
+        <p14:creationId xmlns:p14="http://schemas.microsoft.com/office/powerpoint/2010/main" val="3589475554"/>
       </p:ext>
     </p:extLst>
   </p:cSld>
@@ -4994,7 +5249,7 @@
           <p:cNvPr id="2" name="Title 1">
             <a:extLst>
               <a:ext uri="{FF2B5EF4-FFF2-40B4-BE49-F238E27FC236}">
-                <a16:creationId xmlns:a16="http://schemas.microsoft.com/office/drawing/2014/main" id="{0CD2D5C9-5FA3-43AC-A9F0-864EB45FA257}"/>
+                <a16:creationId xmlns:a16="http://schemas.microsoft.com/office/drawing/2014/main" id="{4A976F62-38FC-4B90-8209-4C25001787FC}"/>
               </a:ext>
             </a:extLst>
           </p:cNvPr>
@@ -5002,7 +5257,7 @@
             <a:spLocks noGrp="1"/>
           </p:cNvSpPr>
           <p:nvPr>
-            <p:ph type="ctrTitle"/>
+            <p:ph type="title"/>
           </p:nvPr>
         </p:nvSpPr>
         <p:spPr/>
@@ -5012,17 +5267,17 @@
           <a:p>
             <a:r>
               <a:rPr lang="en-US" dirty="0"/>
-              <a:t>Questions &amp; Answers</a:t>
-            </a:r>
-          </a:p>
-        </p:txBody>
-      </p:sp>
-      <p:sp>
-        <p:nvSpPr>
-          <p:cNvPr id="4" name="Subtitle 3">
+              <a:t>Post Mortem</a:t>
+            </a:r>
+          </a:p>
+        </p:txBody>
+      </p:sp>
+      <p:sp>
+        <p:nvSpPr>
+          <p:cNvPr id="3" name="Content Placeholder 2">
             <a:extLst>
               <a:ext uri="{FF2B5EF4-FFF2-40B4-BE49-F238E27FC236}">
-                <a16:creationId xmlns:a16="http://schemas.microsoft.com/office/drawing/2014/main" id="{3AE379D4-A694-42E9-9153-9F2034381357}"/>
+                <a16:creationId xmlns:a16="http://schemas.microsoft.com/office/drawing/2014/main" id="{2730CC84-5563-4FF8-9ABA-99712EB5C434}"/>
               </a:ext>
             </a:extLst>
           </p:cNvPr>
@@ -5030,7 +5285,7 @@
             <a:spLocks noGrp="1"/>
           </p:cNvSpPr>
           <p:nvPr>
-            <p:ph type="subTitle" idx="1"/>
+            <p:ph idx="1"/>
           </p:nvPr>
         </p:nvSpPr>
         <p:spPr/>
@@ -5038,14 +5293,29 @@
           <a:bodyPr/>
           <a:lstStyle/>
           <a:p>
-            <a:endParaRPr lang="en-US"/>
+            <a:r>
+              <a:rPr lang="en-US" dirty="0"/>
+              <a:t>Discuss any difficulties that arose, and how you dealt with them</a:t>
+            </a:r>
+          </a:p>
+          <a:p>
+            <a:r>
+              <a:rPr lang="en-US" dirty="0"/>
+              <a:t>Discuss any additional questions that came up, but which you didn't have time to answer: What would you research next, if you had two more weeks?</a:t>
+            </a:r>
+          </a:p>
+          <a:p>
+            <a:r>
+              <a:rPr lang="en-US" dirty="0"/>
+              <a:t>Basically acknowledge limitations</a:t>
+            </a:r>
           </a:p>
         </p:txBody>
       </p:sp>
     </p:spTree>
     <p:extLst>
       <p:ext uri="{BB962C8B-B14F-4D97-AF65-F5344CB8AC3E}">
-        <p14:creationId xmlns:p14="http://schemas.microsoft.com/office/powerpoint/2010/main" val="304274505"/>
+        <p14:creationId xmlns:p14="http://schemas.microsoft.com/office/powerpoint/2010/main" val="1690957519"/>
       </p:ext>
     </p:extLst>
   </p:cSld>

--- a/Housing in Orange County, FL.pptx
+++ b/Housing in Orange County, FL.pptx
@@ -130,6 +130,35 @@
 </p:presentation>
 </file>
 
+<file path=ppt/changesInfos/changesInfo1.xml><?xml version="1.0" encoding="utf-8"?>
+<pc:chgInfo xmlns:a="http://schemas.openxmlformats.org/drawingml/2006/main" xmlns:r="http://schemas.openxmlformats.org/officeDocument/2006/relationships" xmlns:ac="http://schemas.microsoft.com/office/drawing/2013/main/command" xmlns:pc="http://schemas.microsoft.com/office/powerpoint/2013/main/command">
+  <pc:docChgLst>
+    <pc:chgData name="Elizabeth Jaye" userId="de304061a751da9d" providerId="LiveId" clId="{88168AFA-D758-4CD3-8BA7-9930004ABCBD}"/>
+    <pc:docChg chg="custSel modSld">
+      <pc:chgData name="Elizabeth Jaye" userId="de304061a751da9d" providerId="LiveId" clId="{88168AFA-D758-4CD3-8BA7-9930004ABCBD}" dt="2019-03-08T01:48:58.291" v="713" actId="5793"/>
+      <pc:docMkLst>
+        <pc:docMk/>
+      </pc:docMkLst>
+      <pc:sldChg chg="modSp">
+        <pc:chgData name="Elizabeth Jaye" userId="de304061a751da9d" providerId="LiveId" clId="{88168AFA-D758-4CD3-8BA7-9930004ABCBD}" dt="2019-03-08T01:48:58.291" v="713" actId="5793"/>
+        <pc:sldMkLst>
+          <pc:docMk/>
+          <pc:sldMk cId="3589475554" sldId="261"/>
+        </pc:sldMkLst>
+        <pc:spChg chg="mod">
+          <ac:chgData name="Elizabeth Jaye" userId="de304061a751da9d" providerId="LiveId" clId="{88168AFA-D758-4CD3-8BA7-9930004ABCBD}" dt="2019-03-08T01:48:58.291" v="713" actId="5793"/>
+          <ac:spMkLst>
+            <pc:docMk/>
+            <pc:sldMk cId="3589475554" sldId="261"/>
+            <ac:spMk id="6" creationId="{AEAF33BA-40C5-4D07-85EA-272E84F4C590}"/>
+          </ac:spMkLst>
+        </pc:spChg>
+      </pc:sldChg>
+    </pc:docChg>
+  </pc:docChgLst>
+</pc:chgInfo>
+</file>
+
 <file path=ppt/handoutMasters/handoutMaster1.xml><?xml version="1.0" encoding="utf-8"?>
 <p:handoutMaster xmlns:a="http://schemas.openxmlformats.org/drawingml/2006/main" xmlns:r="http://schemas.openxmlformats.org/officeDocument/2006/relationships" xmlns:p="http://schemas.openxmlformats.org/presentationml/2006/main">
   <p:cSld>
@@ -212,7 +241,7 @@
           <a:p>
             <a:fld id="{061C5132-FFA3-4B02-9F09-22FCF40EFA74}" type="datetimeFigureOut">
               <a:rPr lang="en-US" smtClean="0"/>
-              <a:t>3/6/2019</a:t>
+              <a:t>3/7/2019</a:t>
             </a:fld>
             <a:endParaRPr lang="en-US"/>
           </a:p>
@@ -377,7 +406,7 @@
           <a:p>
             <a:fld id="{0B6E42C9-243F-4DC5-AFF6-9D56B5FA9D63}" type="datetimeFigureOut">
               <a:rPr lang="en-US" smtClean="0"/>
-              <a:t>3/6/2019</a:t>
+              <a:t>3/7/2019</a:t>
             </a:fld>
             <a:endParaRPr lang="en-US"/>
           </a:p>
@@ -981,7 +1010,7 @@
           <a:p>
             <a:fld id="{B0FE2824-C2A0-4931-BB32-60B24BDBB3CC}" type="datetimeFigureOut">
               <a:rPr lang="en-US" smtClean="0"/>
-              <a:t>3/6/2019</a:t>
+              <a:t>3/7/2019</a:t>
             </a:fld>
             <a:endParaRPr lang="en-US"/>
           </a:p>
@@ -1176,7 +1205,7 @@
           <a:p>
             <a:fld id="{B0FE2824-C2A0-4931-BB32-60B24BDBB3CC}" type="datetimeFigureOut">
               <a:rPr lang="en-US" smtClean="0"/>
-              <a:t>3/6/2019</a:t>
+              <a:t>3/7/2019</a:t>
             </a:fld>
             <a:endParaRPr lang="en-US"/>
           </a:p>
@@ -1356,7 +1385,7 @@
           <a:p>
             <a:fld id="{B0FE2824-C2A0-4931-BB32-60B24BDBB3CC}" type="datetimeFigureOut">
               <a:rPr lang="en-US" smtClean="0"/>
-              <a:t>3/6/2019</a:t>
+              <a:t>3/7/2019</a:t>
             </a:fld>
             <a:endParaRPr lang="en-US"/>
           </a:p>
@@ -1876,7 +1905,7 @@
           <a:p>
             <a:fld id="{B0FE2824-C2A0-4931-BB32-60B24BDBB3CC}" type="datetimeFigureOut">
               <a:rPr lang="en-US" smtClean="0"/>
-              <a:t>3/6/2019</a:t>
+              <a:t>3/7/2019</a:t>
             </a:fld>
             <a:endParaRPr lang="en-US"/>
           </a:p>
@@ -2318,7 +2347,7 @@
           <a:p>
             <a:fld id="{B0FE2824-C2A0-4931-BB32-60B24BDBB3CC}" type="datetimeFigureOut">
               <a:rPr lang="en-US" smtClean="0"/>
-              <a:t>3/6/2019</a:t>
+              <a:t>3/7/2019</a:t>
             </a:fld>
             <a:endParaRPr lang="en-US"/>
           </a:p>
@@ -2447,7 +2476,7 @@
           <a:p>
             <a:fld id="{B0FE2824-C2A0-4931-BB32-60B24BDBB3CC}" type="datetimeFigureOut">
               <a:rPr lang="en-US" smtClean="0"/>
-              <a:t>3/6/2019</a:t>
+              <a:t>3/7/2019</a:t>
             </a:fld>
             <a:endParaRPr lang="en-US"/>
           </a:p>
@@ -2554,7 +2583,7 @@
           <a:p>
             <a:fld id="{B0FE2824-C2A0-4931-BB32-60B24BDBB3CC}" type="datetimeFigureOut">
               <a:rPr lang="en-US" smtClean="0"/>
-              <a:t>3/6/2019</a:t>
+              <a:t>3/7/2019</a:t>
             </a:fld>
             <a:endParaRPr lang="en-US"/>
           </a:p>
@@ -2850,7 +2879,7 @@
           <a:p>
             <a:fld id="{B0FE2824-C2A0-4931-BB32-60B24BDBB3CC}" type="datetimeFigureOut">
               <a:rPr lang="en-US" smtClean="0"/>
-              <a:t>3/6/2019</a:t>
+              <a:t>3/7/2019</a:t>
             </a:fld>
             <a:endParaRPr lang="en-US"/>
           </a:p>
@@ -3123,7 +3152,7 @@
           <a:p>
             <a:fld id="{B0FE2824-C2A0-4931-BB32-60B24BDBB3CC}" type="datetimeFigureOut">
               <a:rPr lang="en-US" smtClean="0"/>
-              <a:t>3/6/2019</a:t>
+              <a:t>3/7/2019</a:t>
             </a:fld>
             <a:endParaRPr lang="en-US"/>
           </a:p>
@@ -3417,7 +3446,7 @@
             <a:fld id="{B0FE2824-C2A0-4931-BB32-60B24BDBB3CC}" type="datetimeFigureOut">
               <a:rPr lang="en-US" smtClean="0"/>
               <a:pPr/>
-              <a:t>3/6/2019</a:t>
+              <a:t>3/7/2019</a:t>
             </a:fld>
             <a:endParaRPr lang="en-US"/>
           </a:p>
@@ -5185,19 +5214,31 @@
           <a:p>
             <a:r>
               <a:rPr lang="en-US" dirty="0"/>
-              <a:t>Methods of getting the data</a:t>
-            </a:r>
+              <a:t>Methods of data collection including .csv pulls from the Multiple Listing Service (MLS) database and API pulls from the US government’s American Community Survey census.</a:t>
+            </a:r>
+          </a:p>
+          <a:p>
+            <a:pPr marL="0" indent="0">
+              <a:buNone/>
+            </a:pPr>
+            <a:endParaRPr lang="en-US" dirty="0"/>
           </a:p>
           <a:p>
             <a:r>
               <a:rPr lang="en-US" dirty="0"/>
-              <a:t>Exploring, limiting in range etc.</a:t>
-            </a:r>
+              <a:t>Data clean up involved limiting year ranges based on overlap between two datasets, as well as targeting what was relevant and targeted in mass of data.</a:t>
+            </a:r>
+          </a:p>
+          <a:p>
+            <a:pPr marL="0" indent="0">
+              <a:buNone/>
+            </a:pPr>
+            <a:endParaRPr lang="en-US" dirty="0"/>
           </a:p>
           <a:p>
             <a:r>
               <a:rPr lang="en-US" dirty="0"/>
-              <a:t>Any interesting findings?</a:t>
+              <a:t>Surprising elements were the consistencies in demographics over time (though admittedly our year range is limited) and the discrepancy between family and non-family incomes.</a:t>
             </a:r>
           </a:p>
         </p:txBody>

--- a/Housing in Orange County, FL.pptx
+++ b/Housing in Orange County, FL.pptx
@@ -5,22 +5,24 @@
     <p:sldMasterId id="2147483648" r:id="rId1"/>
   </p:sldMasterIdLst>
   <p:notesMasterIdLst>
-    <p:notesMasterId r:id="rId12"/>
+    <p:notesMasterId r:id="rId14"/>
   </p:notesMasterIdLst>
   <p:handoutMasterIdLst>
-    <p:handoutMasterId r:id="rId13"/>
+    <p:handoutMasterId r:id="rId15"/>
   </p:handoutMasterIdLst>
   <p:sldIdLst>
     <p:sldId id="256" r:id="rId2"/>
     <p:sldId id="257" r:id="rId3"/>
-    <p:sldId id="258" r:id="rId4"/>
-    <p:sldId id="259" r:id="rId5"/>
-    <p:sldId id="260" r:id="rId6"/>
-    <p:sldId id="265" r:id="rId7"/>
-    <p:sldId id="266" r:id="rId8"/>
-    <p:sldId id="261" r:id="rId9"/>
-    <p:sldId id="263" r:id="rId10"/>
-    <p:sldId id="264" r:id="rId11"/>
+    <p:sldId id="268" r:id="rId4"/>
+    <p:sldId id="258" r:id="rId5"/>
+    <p:sldId id="259" r:id="rId6"/>
+    <p:sldId id="260" r:id="rId7"/>
+    <p:sldId id="265" r:id="rId8"/>
+    <p:sldId id="266" r:id="rId9"/>
+    <p:sldId id="261" r:id="rId10"/>
+    <p:sldId id="263" r:id="rId11"/>
+    <p:sldId id="267" r:id="rId12"/>
+    <p:sldId id="264" r:id="rId13"/>
   </p:sldIdLst>
   <p:sldSz cx="12192000" cy="6858000"/>
   <p:notesSz cx="6858000" cy="9144000"/>
@@ -241,7 +243,7 @@
           <a:p>
             <a:fld id="{061C5132-FFA3-4B02-9F09-22FCF40EFA74}" type="datetimeFigureOut">
               <a:rPr lang="en-US" smtClean="0"/>
-              <a:t>3/7/2019</a:t>
+              <a:t>3/8/2019</a:t>
             </a:fld>
             <a:endParaRPr lang="en-US"/>
           </a:p>
@@ -406,7 +408,7 @@
           <a:p>
             <a:fld id="{0B6E42C9-243F-4DC5-AFF6-9D56B5FA9D63}" type="datetimeFigureOut">
               <a:rPr lang="en-US" smtClean="0"/>
-              <a:t>3/7/2019</a:t>
+              <a:t>3/8/2019</a:t>
             </a:fld>
             <a:endParaRPr lang="en-US"/>
           </a:p>
@@ -1010,7 +1012,7 @@
           <a:p>
             <a:fld id="{B0FE2824-C2A0-4931-BB32-60B24BDBB3CC}" type="datetimeFigureOut">
               <a:rPr lang="en-US" smtClean="0"/>
-              <a:t>3/7/2019</a:t>
+              <a:t>3/8/2019</a:t>
             </a:fld>
             <a:endParaRPr lang="en-US"/>
           </a:p>
@@ -1205,7 +1207,7 @@
           <a:p>
             <a:fld id="{B0FE2824-C2A0-4931-BB32-60B24BDBB3CC}" type="datetimeFigureOut">
               <a:rPr lang="en-US" smtClean="0"/>
-              <a:t>3/7/2019</a:t>
+              <a:t>3/8/2019</a:t>
             </a:fld>
             <a:endParaRPr lang="en-US"/>
           </a:p>
@@ -1385,7 +1387,7 @@
           <a:p>
             <a:fld id="{B0FE2824-C2A0-4931-BB32-60B24BDBB3CC}" type="datetimeFigureOut">
               <a:rPr lang="en-US" smtClean="0"/>
-              <a:t>3/7/2019</a:t>
+              <a:t>3/8/2019</a:t>
             </a:fld>
             <a:endParaRPr lang="en-US"/>
           </a:p>
@@ -1905,7 +1907,7 @@
           <a:p>
             <a:fld id="{B0FE2824-C2A0-4931-BB32-60B24BDBB3CC}" type="datetimeFigureOut">
               <a:rPr lang="en-US" smtClean="0"/>
-              <a:t>3/7/2019</a:t>
+              <a:t>3/8/2019</a:t>
             </a:fld>
             <a:endParaRPr lang="en-US"/>
           </a:p>
@@ -2347,7 +2349,7 @@
           <a:p>
             <a:fld id="{B0FE2824-C2A0-4931-BB32-60B24BDBB3CC}" type="datetimeFigureOut">
               <a:rPr lang="en-US" smtClean="0"/>
-              <a:t>3/7/2019</a:t>
+              <a:t>3/8/2019</a:t>
             </a:fld>
             <a:endParaRPr lang="en-US"/>
           </a:p>
@@ -2476,7 +2478,7 @@
           <a:p>
             <a:fld id="{B0FE2824-C2A0-4931-BB32-60B24BDBB3CC}" type="datetimeFigureOut">
               <a:rPr lang="en-US" smtClean="0"/>
-              <a:t>3/7/2019</a:t>
+              <a:t>3/8/2019</a:t>
             </a:fld>
             <a:endParaRPr lang="en-US"/>
           </a:p>
@@ -2583,7 +2585,7 @@
           <a:p>
             <a:fld id="{B0FE2824-C2A0-4931-BB32-60B24BDBB3CC}" type="datetimeFigureOut">
               <a:rPr lang="en-US" smtClean="0"/>
-              <a:t>3/7/2019</a:t>
+              <a:t>3/8/2019</a:t>
             </a:fld>
             <a:endParaRPr lang="en-US"/>
           </a:p>
@@ -2879,7 +2881,7 @@
           <a:p>
             <a:fld id="{B0FE2824-C2A0-4931-BB32-60B24BDBB3CC}" type="datetimeFigureOut">
               <a:rPr lang="en-US" smtClean="0"/>
-              <a:t>3/7/2019</a:t>
+              <a:t>3/8/2019</a:t>
             </a:fld>
             <a:endParaRPr lang="en-US"/>
           </a:p>
@@ -3152,7 +3154,7 @@
           <a:p>
             <a:fld id="{B0FE2824-C2A0-4931-BB32-60B24BDBB3CC}" type="datetimeFigureOut">
               <a:rPr lang="en-US" smtClean="0"/>
-              <a:t>3/7/2019</a:t>
+              <a:t>3/8/2019</a:t>
             </a:fld>
             <a:endParaRPr lang="en-US"/>
           </a:p>
@@ -3446,7 +3448,7 @@
             <a:fld id="{B0FE2824-C2A0-4931-BB32-60B24BDBB3CC}" type="datetimeFigureOut">
               <a:rPr lang="en-US" smtClean="0"/>
               <a:pPr/>
-              <a:t>3/7/2019</a:t>
+              <a:t>3/8/2019</a:t>
             </a:fld>
             <a:endParaRPr lang="en-US"/>
           </a:p>
@@ -4283,6 +4285,917 @@
           <p:cNvPr id="2" name="Title 1">
             <a:extLst>
               <a:ext uri="{FF2B5EF4-FFF2-40B4-BE49-F238E27FC236}">
+                <a16:creationId xmlns:a16="http://schemas.microsoft.com/office/drawing/2014/main" id="{4A976F62-38FC-4B90-8209-4C25001787FC}"/>
+              </a:ext>
+            </a:extLst>
+          </p:cNvPr>
+          <p:cNvSpPr>
+            <a:spLocks noGrp="1"/>
+          </p:cNvSpPr>
+          <p:nvPr>
+            <p:ph type="title"/>
+          </p:nvPr>
+        </p:nvSpPr>
+        <p:spPr/>
+        <p:txBody>
+          <a:bodyPr/>
+          <a:lstStyle/>
+          <a:p>
+            <a:r>
+              <a:rPr lang="en-US" dirty="0"/>
+              <a:t>Limitations and Follow up questions</a:t>
+            </a:r>
+          </a:p>
+        </p:txBody>
+      </p:sp>
+      <p:sp>
+        <p:nvSpPr>
+          <p:cNvPr id="3" name="Content Placeholder 2">
+            <a:extLst>
+              <a:ext uri="{FF2B5EF4-FFF2-40B4-BE49-F238E27FC236}">
+                <a16:creationId xmlns:a16="http://schemas.microsoft.com/office/drawing/2014/main" id="{2730CC84-5563-4FF8-9ABA-99712EB5C434}"/>
+              </a:ext>
+            </a:extLst>
+          </p:cNvPr>
+          <p:cNvSpPr>
+            <a:spLocks noGrp="1"/>
+          </p:cNvSpPr>
+          <p:nvPr>
+            <p:ph idx="1"/>
+          </p:nvPr>
+        </p:nvSpPr>
+        <p:spPr>
+          <a:xfrm>
+            <a:off x="838200" y="1825625"/>
+            <a:ext cx="10515600" cy="2985450"/>
+          </a:xfrm>
+        </p:spPr>
+        <p:txBody>
+          <a:bodyPr>
+            <a:normAutofit/>
+          </a:bodyPr>
+          <a:lstStyle/>
+          <a:p>
+            <a:r>
+              <a:rPr lang="en-US" dirty="0"/>
+              <a:t>Choosing a single US Census API, understanding documentation, and how it worked</a:t>
+            </a:r>
+          </a:p>
+          <a:p>
+            <a:r>
+              <a:rPr lang="en-US" dirty="0"/>
+              <a:t>The lack of overlapping years between the MLS and US Census</a:t>
+            </a:r>
+          </a:p>
+          <a:p>
+            <a:r>
+              <a:rPr lang="en-US" dirty="0"/>
+              <a:t>Meshing different types of data: Private vs Rental, Family vs Non-Family</a:t>
+            </a:r>
+          </a:p>
+          <a:p>
+            <a:r>
+              <a:rPr lang="en-US" dirty="0"/>
+              <a:t>Accessing data sets that were summaries vs individual data points</a:t>
+            </a:r>
+          </a:p>
+          <a:p>
+            <a:r>
+              <a:rPr lang="en-US" dirty="0"/>
+              <a:t>Questions of interest but out of scope: </a:t>
+            </a:r>
+          </a:p>
+          <a:p>
+            <a:endParaRPr lang="en-US" dirty="0"/>
+          </a:p>
+        </p:txBody>
+      </p:sp>
+      <p:sp>
+        <p:nvSpPr>
+          <p:cNvPr id="4" name="Content Placeholder 2">
+            <a:extLst>
+              <a:ext uri="{FF2B5EF4-FFF2-40B4-BE49-F238E27FC236}">
+                <a16:creationId xmlns:a16="http://schemas.microsoft.com/office/drawing/2014/main" id="{624236E4-8C72-4544-B7BD-CBECADC27D2E}"/>
+              </a:ext>
+            </a:extLst>
+          </p:cNvPr>
+          <p:cNvSpPr txBox="1">
+            <a:spLocks/>
+          </p:cNvSpPr>
+          <p:nvPr/>
+        </p:nvSpPr>
+        <p:spPr>
+          <a:xfrm>
+            <a:off x="990600" y="4407687"/>
+            <a:ext cx="10832592" cy="1437326"/>
+          </a:xfrm>
+          <a:prstGeom prst="rect">
+            <a:avLst/>
+          </a:prstGeom>
+        </p:spPr>
+        <p:txBody>
+          <a:bodyPr vert="horz" lIns="91440" tIns="45720" rIns="91440" bIns="45720" numCol="2" rtlCol="0">
+            <a:normAutofit/>
+          </a:bodyPr>
+          <a:lstStyle>
+            <a:lvl1pPr marL="228600" indent="-228600" algn="l" defTabSz="914400" rtl="0" eaLnBrk="1" latinLnBrk="0" hangingPunct="1">
+              <a:lnSpc>
+                <a:spcPct val="90000"/>
+              </a:lnSpc>
+              <a:spcBef>
+                <a:spcPts val="1800"/>
+              </a:spcBef>
+              <a:buClr>
+                <a:schemeClr val="accent1"/>
+              </a:buClr>
+              <a:buFont typeface="Arial" panose="020B0604020202020204" pitchFamily="34" charset="0"/>
+              <a:buChar char="•"/>
+              <a:defRPr sz="2000" kern="1200">
+                <a:solidFill>
+                  <a:schemeClr val="tx1"/>
+                </a:solidFill>
+                <a:latin typeface="+mn-lt"/>
+                <a:ea typeface="+mn-ea"/>
+                <a:cs typeface="+mn-cs"/>
+              </a:defRPr>
+            </a:lvl1pPr>
+            <a:lvl2pPr marL="457200" indent="-228600" algn="l" defTabSz="914400" rtl="0" eaLnBrk="1" latinLnBrk="0" hangingPunct="1">
+              <a:lnSpc>
+                <a:spcPct val="90000"/>
+              </a:lnSpc>
+              <a:spcBef>
+                <a:spcPts val="1000"/>
+              </a:spcBef>
+              <a:buClr>
+                <a:schemeClr val="accent1"/>
+              </a:buClr>
+              <a:buFont typeface="Arial" panose="020B0604020202020204" pitchFamily="34" charset="0"/>
+              <a:buChar char="•"/>
+              <a:defRPr sz="1800" kern="1200">
+                <a:solidFill>
+                  <a:schemeClr val="tx1"/>
+                </a:solidFill>
+                <a:latin typeface="+mn-lt"/>
+                <a:ea typeface="+mn-ea"/>
+                <a:cs typeface="+mn-cs"/>
+              </a:defRPr>
+            </a:lvl2pPr>
+            <a:lvl3pPr marL="685800" indent="-182880" algn="l" defTabSz="914400" rtl="0" eaLnBrk="1" latinLnBrk="0" hangingPunct="1">
+              <a:lnSpc>
+                <a:spcPct val="90000"/>
+              </a:lnSpc>
+              <a:spcBef>
+                <a:spcPts val="800"/>
+              </a:spcBef>
+              <a:buClr>
+                <a:schemeClr val="accent1"/>
+              </a:buClr>
+              <a:buFont typeface="Arial" panose="020B0604020202020204" pitchFamily="34" charset="0"/>
+              <a:buChar char="•"/>
+              <a:defRPr sz="1600" kern="1200">
+                <a:solidFill>
+                  <a:schemeClr val="tx1"/>
+                </a:solidFill>
+                <a:latin typeface="+mn-lt"/>
+                <a:ea typeface="+mn-ea"/>
+                <a:cs typeface="+mn-cs"/>
+              </a:defRPr>
+            </a:lvl3pPr>
+            <a:lvl4pPr marL="914400" indent="-182880" algn="l" defTabSz="914400" rtl="0" eaLnBrk="1" latinLnBrk="0" hangingPunct="1">
+              <a:lnSpc>
+                <a:spcPct val="90000"/>
+              </a:lnSpc>
+              <a:spcBef>
+                <a:spcPts val="800"/>
+              </a:spcBef>
+              <a:buClr>
+                <a:schemeClr val="accent1"/>
+              </a:buClr>
+              <a:buFont typeface="Arial" panose="020B0604020202020204" pitchFamily="34" charset="0"/>
+              <a:buChar char="•"/>
+              <a:defRPr sz="1400" kern="1200">
+                <a:solidFill>
+                  <a:schemeClr val="tx1"/>
+                </a:solidFill>
+                <a:latin typeface="+mn-lt"/>
+                <a:ea typeface="+mn-ea"/>
+                <a:cs typeface="+mn-cs"/>
+              </a:defRPr>
+            </a:lvl4pPr>
+            <a:lvl5pPr marL="1143000" indent="-182880" algn="l" defTabSz="914400" rtl="0" eaLnBrk="1" latinLnBrk="0" hangingPunct="1">
+              <a:lnSpc>
+                <a:spcPct val="90000"/>
+              </a:lnSpc>
+              <a:spcBef>
+                <a:spcPts val="800"/>
+              </a:spcBef>
+              <a:buClr>
+                <a:schemeClr val="accent1"/>
+              </a:buClr>
+              <a:buFont typeface="Arial" panose="020B0604020202020204" pitchFamily="34" charset="0"/>
+              <a:buChar char="•"/>
+              <a:defRPr sz="1400" kern="1200">
+                <a:solidFill>
+                  <a:schemeClr val="tx1"/>
+                </a:solidFill>
+                <a:latin typeface="+mn-lt"/>
+                <a:ea typeface="+mn-ea"/>
+                <a:cs typeface="+mn-cs"/>
+              </a:defRPr>
+            </a:lvl5pPr>
+            <a:lvl6pPr marL="1371600" indent="-182880" algn="l" defTabSz="914400" rtl="0" eaLnBrk="1" latinLnBrk="0" hangingPunct="1">
+              <a:lnSpc>
+                <a:spcPct val="90000"/>
+              </a:lnSpc>
+              <a:spcBef>
+                <a:spcPts val="800"/>
+              </a:spcBef>
+              <a:buClr>
+                <a:schemeClr val="accent1"/>
+              </a:buClr>
+              <a:buFont typeface="Arial" panose="020B0604020202020204" pitchFamily="34" charset="0"/>
+              <a:buChar char="•"/>
+              <a:defRPr sz="1400" kern="1200">
+                <a:solidFill>
+                  <a:schemeClr val="tx1"/>
+                </a:solidFill>
+                <a:latin typeface="+mn-lt"/>
+                <a:ea typeface="+mn-ea"/>
+                <a:cs typeface="+mn-cs"/>
+              </a:defRPr>
+            </a:lvl6pPr>
+            <a:lvl7pPr marL="1600200" indent="-182880" algn="l" defTabSz="914400" rtl="0" eaLnBrk="1" latinLnBrk="0" hangingPunct="1">
+              <a:lnSpc>
+                <a:spcPct val="90000"/>
+              </a:lnSpc>
+              <a:spcBef>
+                <a:spcPts val="800"/>
+              </a:spcBef>
+              <a:buClr>
+                <a:schemeClr val="accent1"/>
+              </a:buClr>
+              <a:buFont typeface="Arial" panose="020B0604020202020204" pitchFamily="34" charset="0"/>
+              <a:buChar char="•"/>
+              <a:defRPr sz="1400" kern="1200">
+                <a:solidFill>
+                  <a:schemeClr val="tx1"/>
+                </a:solidFill>
+                <a:latin typeface="+mn-lt"/>
+                <a:ea typeface="+mn-ea"/>
+                <a:cs typeface="+mn-cs"/>
+              </a:defRPr>
+            </a:lvl7pPr>
+            <a:lvl8pPr marL="1828800" indent="-182880" algn="l" defTabSz="914400" rtl="0" eaLnBrk="1" latinLnBrk="0" hangingPunct="1">
+              <a:lnSpc>
+                <a:spcPct val="90000"/>
+              </a:lnSpc>
+              <a:spcBef>
+                <a:spcPts val="800"/>
+              </a:spcBef>
+              <a:buClr>
+                <a:schemeClr val="accent1"/>
+              </a:buClr>
+              <a:buFont typeface="Arial" panose="020B0604020202020204" pitchFamily="34" charset="0"/>
+              <a:buChar char="•"/>
+              <a:defRPr sz="1400" kern="1200">
+                <a:solidFill>
+                  <a:schemeClr val="tx1"/>
+                </a:solidFill>
+                <a:latin typeface="+mn-lt"/>
+                <a:ea typeface="+mn-ea"/>
+                <a:cs typeface="+mn-cs"/>
+              </a:defRPr>
+            </a:lvl8pPr>
+            <a:lvl9pPr marL="2057400" indent="-182880" algn="l" defTabSz="914400" rtl="0" eaLnBrk="1" latinLnBrk="0" hangingPunct="1">
+              <a:lnSpc>
+                <a:spcPct val="90000"/>
+              </a:lnSpc>
+              <a:spcBef>
+                <a:spcPts val="800"/>
+              </a:spcBef>
+              <a:buClr>
+                <a:schemeClr val="accent1"/>
+              </a:buClr>
+              <a:buFont typeface="Arial" panose="020B0604020202020204" pitchFamily="34" charset="0"/>
+              <a:buChar char="•"/>
+              <a:defRPr sz="1400" kern="1200">
+                <a:solidFill>
+                  <a:schemeClr val="tx1"/>
+                </a:solidFill>
+                <a:latin typeface="+mn-lt"/>
+                <a:ea typeface="+mn-ea"/>
+                <a:cs typeface="+mn-cs"/>
+              </a:defRPr>
+            </a:lvl9pPr>
+          </a:lstStyle>
+          <a:p>
+            <a:pPr lvl="1"/>
+            <a:r>
+              <a:rPr lang="en-US" dirty="0"/>
+              <a:t>Specific zip codes			</a:t>
+            </a:r>
+          </a:p>
+          <a:p>
+            <a:pPr lvl="1"/>
+            <a:r>
+              <a:rPr lang="en-US" dirty="0"/>
+              <a:t>Political events affecting the markets	</a:t>
+            </a:r>
+          </a:p>
+          <a:p>
+            <a:pPr lvl="1"/>
+            <a:r>
+              <a:rPr lang="en-US" dirty="0"/>
+              <a:t>New industries growing in the area</a:t>
+            </a:r>
+          </a:p>
+          <a:p>
+            <a:pPr lvl="1"/>
+            <a:r>
+              <a:rPr lang="en-US" dirty="0"/>
+              <a:t>More complex demographic profiles </a:t>
+            </a:r>
+          </a:p>
+          <a:p>
+            <a:pPr lvl="1"/>
+            <a:r>
+              <a:rPr lang="en-US" dirty="0"/>
+              <a:t>Effect of returning adult children to the home</a:t>
+            </a:r>
+          </a:p>
+          <a:p>
+            <a:pPr lvl="1"/>
+            <a:r>
+              <a:rPr lang="en-US" dirty="0"/>
+              <a:t>Development patterns	</a:t>
+            </a:r>
+          </a:p>
+        </p:txBody>
+      </p:sp>
+    </p:spTree>
+    <p:extLst>
+      <p:ext uri="{BB962C8B-B14F-4D97-AF65-F5344CB8AC3E}">
+        <p14:creationId xmlns:p14="http://schemas.microsoft.com/office/powerpoint/2010/main" val="1690957519"/>
+      </p:ext>
+    </p:extLst>
+  </p:cSld>
+  <p:clrMapOvr>
+    <a:masterClrMapping/>
+  </p:clrMapOvr>
+  <mc:AlternateContent xmlns:mc="http://schemas.openxmlformats.org/markup-compatibility/2006" xmlns:p14="http://schemas.microsoft.com/office/powerpoint/2010/main">
+    <mc:Choice Requires="p14">
+      <p:transition spd="med" p14:dur="700">
+        <p:fade/>
+      </p:transition>
+    </mc:Choice>
+    <mc:Fallback xmlns="">
+      <p:transition spd="med">
+        <p:fade/>
+      </p:transition>
+    </mc:Fallback>
+  </mc:AlternateContent>
+</p:sld>
+</file>
+
+<file path=ppt/slides/slide11.xml><?xml version="1.0" encoding="utf-8"?>
+<p:sld xmlns:a="http://schemas.openxmlformats.org/drawingml/2006/main" xmlns:r="http://schemas.openxmlformats.org/officeDocument/2006/relationships" xmlns:p="http://schemas.openxmlformats.org/presentationml/2006/main">
+  <p:cSld>
+    <p:spTree>
+      <p:nvGrpSpPr>
+        <p:cNvPr id="1" name=""/>
+        <p:cNvGrpSpPr/>
+        <p:nvPr/>
+      </p:nvGrpSpPr>
+      <p:grpSpPr>
+        <a:xfrm>
+          <a:off x="0" y="0"/>
+          <a:ext cx="0" cy="0"/>
+          <a:chOff x="0" y="0"/>
+          <a:chExt cx="0" cy="0"/>
+        </a:xfrm>
+      </p:grpSpPr>
+      <p:sp>
+        <p:nvSpPr>
+          <p:cNvPr id="2" name="Title 1">
+            <a:extLst>
+              <a:ext uri="{FF2B5EF4-FFF2-40B4-BE49-F238E27FC236}">
+                <a16:creationId xmlns:a16="http://schemas.microsoft.com/office/drawing/2014/main" id="{4A976F62-38FC-4B90-8209-4C25001787FC}"/>
+              </a:ext>
+            </a:extLst>
+          </p:cNvPr>
+          <p:cNvSpPr>
+            <a:spLocks noGrp="1"/>
+          </p:cNvSpPr>
+          <p:nvPr>
+            <p:ph type="title"/>
+          </p:nvPr>
+        </p:nvSpPr>
+        <p:spPr/>
+        <p:txBody>
+          <a:bodyPr/>
+          <a:lstStyle/>
+          <a:p>
+            <a:r>
+              <a:rPr lang="en-US" dirty="0"/>
+              <a:t>Challenges</a:t>
+            </a:r>
+          </a:p>
+        </p:txBody>
+      </p:sp>
+      <p:sp>
+        <p:nvSpPr>
+          <p:cNvPr id="6" name="TextBox 5">
+            <a:extLst>
+              <a:ext uri="{FF2B5EF4-FFF2-40B4-BE49-F238E27FC236}">
+                <a16:creationId xmlns:a16="http://schemas.microsoft.com/office/drawing/2014/main" id="{05F32FF7-4173-4D99-B357-394D1C0E2E14}"/>
+              </a:ext>
+            </a:extLst>
+          </p:cNvPr>
+          <p:cNvSpPr txBox="1"/>
+          <p:nvPr/>
+        </p:nvSpPr>
+        <p:spPr>
+          <a:xfrm>
+            <a:off x="4297682" y="1576864"/>
+            <a:ext cx="6903719" cy="923330"/>
+          </a:xfrm>
+          <a:prstGeom prst="rect">
+            <a:avLst/>
+          </a:prstGeom>
+          <a:noFill/>
+        </p:spPr>
+        <p:txBody>
+          <a:bodyPr wrap="square" rtlCol="0">
+            <a:spAutoFit/>
+          </a:bodyPr>
+          <a:lstStyle/>
+          <a:p>
+            <a:r>
+              <a:rPr lang="en-US" dirty="0"/>
+              <a:t>"Definitely being a novice to APIs and feeling limited in the range of information available.” </a:t>
+            </a:r>
+          </a:p>
+          <a:p>
+            <a:r>
+              <a:rPr lang="en-US" dirty="0"/>
+              <a:t>						- Elizabeth</a:t>
+            </a:r>
+          </a:p>
+        </p:txBody>
+      </p:sp>
+      <p:sp>
+        <p:nvSpPr>
+          <p:cNvPr id="7" name="TextBox 6">
+            <a:extLst>
+              <a:ext uri="{FF2B5EF4-FFF2-40B4-BE49-F238E27FC236}">
+                <a16:creationId xmlns:a16="http://schemas.microsoft.com/office/drawing/2014/main" id="{C1FD966B-F946-4F45-B153-F152E3BC6F43}"/>
+              </a:ext>
+            </a:extLst>
+          </p:cNvPr>
+          <p:cNvSpPr txBox="1"/>
+          <p:nvPr/>
+        </p:nvSpPr>
+        <p:spPr>
+          <a:xfrm>
+            <a:off x="417576" y="3050232"/>
+            <a:ext cx="10972800" cy="1200329"/>
+          </a:xfrm>
+          <a:prstGeom prst="rect">
+            <a:avLst/>
+          </a:prstGeom>
+          <a:noFill/>
+        </p:spPr>
+        <p:txBody>
+          <a:bodyPr wrap="square" rtlCol="0">
+            <a:spAutoFit/>
+          </a:bodyPr>
+          <a:lstStyle/>
+          <a:p>
+            <a:r>
+              <a:rPr lang="en-US" dirty="0"/>
+              <a:t>“…working with multiple people using the </a:t>
+            </a:r>
+            <a:r>
+              <a:rPr lang="en-US" dirty="0" err="1"/>
+              <a:t>Github</a:t>
+            </a:r>
+            <a:r>
+              <a:rPr lang="en-US" dirty="0"/>
+              <a:t> interface… my personal biggest issue on the entire project was figuring out how to keep my branch up to date with the correct version of the master... I struggled with uploading to </a:t>
+            </a:r>
+            <a:r>
+              <a:rPr lang="en-US" dirty="0" err="1"/>
+              <a:t>Github</a:t>
+            </a:r>
+            <a:r>
+              <a:rPr lang="en-US" dirty="0"/>
+              <a:t> more than I did in actually manipulating the data itself.” </a:t>
+            </a:r>
+          </a:p>
+          <a:p>
+            <a:r>
+              <a:rPr lang="en-US" dirty="0"/>
+              <a:t>										- Robert</a:t>
+            </a:r>
+          </a:p>
+        </p:txBody>
+      </p:sp>
+      <p:sp>
+        <p:nvSpPr>
+          <p:cNvPr id="8" name="TextBox 7">
+            <a:extLst>
+              <a:ext uri="{FF2B5EF4-FFF2-40B4-BE49-F238E27FC236}">
+                <a16:creationId xmlns:a16="http://schemas.microsoft.com/office/drawing/2014/main" id="{34334291-89BD-45D3-98F4-A6245570BA70}"/>
+              </a:ext>
+            </a:extLst>
+          </p:cNvPr>
+          <p:cNvSpPr txBox="1"/>
+          <p:nvPr/>
+        </p:nvSpPr>
+        <p:spPr>
+          <a:xfrm>
+            <a:off x="1676400" y="4818886"/>
+            <a:ext cx="7452681" cy="646331"/>
+          </a:xfrm>
+          <a:prstGeom prst="rect">
+            <a:avLst/>
+          </a:prstGeom>
+          <a:noFill/>
+        </p:spPr>
+        <p:txBody>
+          <a:bodyPr wrap="none" rtlCol="0">
+            <a:spAutoFit/>
+          </a:bodyPr>
+          <a:lstStyle/>
+          <a:p>
+            <a:r>
+              <a:rPr lang="en-US" dirty="0"/>
+              <a:t>“Project management and how to approach the delegation of tasks.” </a:t>
+            </a:r>
+          </a:p>
+          <a:p>
+            <a:r>
+              <a:rPr lang="en-US" dirty="0"/>
+              <a:t>						- Dinielle</a:t>
+            </a:r>
+          </a:p>
+        </p:txBody>
+      </p:sp>
+    </p:spTree>
+    <p:extLst>
+      <p:ext uri="{BB962C8B-B14F-4D97-AF65-F5344CB8AC3E}">
+        <p14:creationId xmlns:p14="http://schemas.microsoft.com/office/powerpoint/2010/main" val="3069973228"/>
+      </p:ext>
+    </p:extLst>
+  </p:cSld>
+  <p:clrMapOvr>
+    <a:masterClrMapping/>
+  </p:clrMapOvr>
+  <mc:AlternateContent xmlns:mc="http://schemas.openxmlformats.org/markup-compatibility/2006" xmlns:p14="http://schemas.microsoft.com/office/powerpoint/2010/main">
+    <mc:Choice Requires="p14">
+      <p:transition spd="med" p14:dur="700">
+        <p:fade/>
+      </p:transition>
+    </mc:Choice>
+    <mc:Fallback xmlns="">
+      <p:transition spd="med">
+        <p:fade/>
+      </p:transition>
+    </mc:Fallback>
+  </mc:AlternateContent>
+  <p:timing>
+    <p:tnLst>
+      <p:par>
+        <p:cTn id="1" dur="indefinite" restart="never" nodeType="tmRoot">
+          <p:childTnLst>
+            <p:seq concurrent="1" nextAc="seek">
+              <p:cTn id="2" dur="indefinite" nodeType="mainSeq">
+                <p:childTnLst>
+                  <p:par>
+                    <p:cTn id="3" fill="hold">
+                      <p:stCondLst>
+                        <p:cond delay="indefinite"/>
+                      </p:stCondLst>
+                      <p:childTnLst>
+                        <p:par>
+                          <p:cTn id="4" fill="hold">
+                            <p:stCondLst>
+                              <p:cond delay="0"/>
+                            </p:stCondLst>
+                            <p:childTnLst>
+                              <p:par>
+                                <p:cTn id="5" presetID="2" presetClass="entr" presetSubtype="8" fill="hold" grpId="0" nodeType="clickEffect">
+                                  <p:stCondLst>
+                                    <p:cond delay="0"/>
+                                  </p:stCondLst>
+                                  <p:childTnLst>
+                                    <p:set>
+                                      <p:cBhvr>
+                                        <p:cTn id="6" dur="1" fill="hold">
+                                          <p:stCondLst>
+                                            <p:cond delay="0"/>
+                                          </p:stCondLst>
+                                        </p:cTn>
+                                        <p:tgtEl>
+                                          <p:spTgt spid="6"/>
+                                        </p:tgtEl>
+                                        <p:attrNameLst>
+                                          <p:attrName>style.visibility</p:attrName>
+                                        </p:attrNameLst>
+                                      </p:cBhvr>
+                                      <p:to>
+                                        <p:strVal val="visible"/>
+                                      </p:to>
+                                    </p:set>
+                                    <p:anim calcmode="lin" valueType="num">
+                                      <p:cBhvr additive="base">
+                                        <p:cTn id="7" dur="500" fill="hold"/>
+                                        <p:tgtEl>
+                                          <p:spTgt spid="6"/>
+                                        </p:tgtEl>
+                                        <p:attrNameLst>
+                                          <p:attrName>ppt_x</p:attrName>
+                                        </p:attrNameLst>
+                                      </p:cBhvr>
+                                      <p:tavLst>
+                                        <p:tav tm="0">
+                                          <p:val>
+                                            <p:strVal val="0-#ppt_w/2"/>
+                                          </p:val>
+                                        </p:tav>
+                                        <p:tav tm="100000">
+                                          <p:val>
+                                            <p:strVal val="#ppt_x"/>
+                                          </p:val>
+                                        </p:tav>
+                                      </p:tavLst>
+                                    </p:anim>
+                                    <p:anim calcmode="lin" valueType="num">
+                                      <p:cBhvr additive="base">
+                                        <p:cTn id="8" dur="500" fill="hold"/>
+                                        <p:tgtEl>
+                                          <p:spTgt spid="6"/>
+                                        </p:tgtEl>
+                                        <p:attrNameLst>
+                                          <p:attrName>ppt_y</p:attrName>
+                                        </p:attrNameLst>
+                                      </p:cBhvr>
+                                      <p:tavLst>
+                                        <p:tav tm="0">
+                                          <p:val>
+                                            <p:strVal val="#ppt_y"/>
+                                          </p:val>
+                                        </p:tav>
+                                        <p:tav tm="100000">
+                                          <p:val>
+                                            <p:strVal val="#ppt_y"/>
+                                          </p:val>
+                                        </p:tav>
+                                      </p:tavLst>
+                                    </p:anim>
+                                  </p:childTnLst>
+                                </p:cTn>
+                              </p:par>
+                            </p:childTnLst>
+                          </p:cTn>
+                        </p:par>
+                      </p:childTnLst>
+                    </p:cTn>
+                  </p:par>
+                  <p:par>
+                    <p:cTn id="9" fill="hold">
+                      <p:stCondLst>
+                        <p:cond delay="indefinite"/>
+                      </p:stCondLst>
+                      <p:childTnLst>
+                        <p:par>
+                          <p:cTn id="10" fill="hold">
+                            <p:stCondLst>
+                              <p:cond delay="0"/>
+                            </p:stCondLst>
+                            <p:childTnLst>
+                              <p:par>
+                                <p:cTn id="11" presetID="2" presetClass="entr" presetSubtype="4" fill="hold" grpId="0" nodeType="clickEffect">
+                                  <p:stCondLst>
+                                    <p:cond delay="0"/>
+                                  </p:stCondLst>
+                                  <p:childTnLst>
+                                    <p:set>
+                                      <p:cBhvr>
+                                        <p:cTn id="12" dur="1" fill="hold">
+                                          <p:stCondLst>
+                                            <p:cond delay="0"/>
+                                          </p:stCondLst>
+                                        </p:cTn>
+                                        <p:tgtEl>
+                                          <p:spTgt spid="7"/>
+                                        </p:tgtEl>
+                                        <p:attrNameLst>
+                                          <p:attrName>style.visibility</p:attrName>
+                                        </p:attrNameLst>
+                                      </p:cBhvr>
+                                      <p:to>
+                                        <p:strVal val="visible"/>
+                                      </p:to>
+                                    </p:set>
+                                    <p:anim calcmode="lin" valueType="num">
+                                      <p:cBhvr additive="base">
+                                        <p:cTn id="13" dur="500" fill="hold"/>
+                                        <p:tgtEl>
+                                          <p:spTgt spid="7"/>
+                                        </p:tgtEl>
+                                        <p:attrNameLst>
+                                          <p:attrName>ppt_x</p:attrName>
+                                        </p:attrNameLst>
+                                      </p:cBhvr>
+                                      <p:tavLst>
+                                        <p:tav tm="0">
+                                          <p:val>
+                                            <p:strVal val="#ppt_x"/>
+                                          </p:val>
+                                        </p:tav>
+                                        <p:tav tm="100000">
+                                          <p:val>
+                                            <p:strVal val="#ppt_x"/>
+                                          </p:val>
+                                        </p:tav>
+                                      </p:tavLst>
+                                    </p:anim>
+                                    <p:anim calcmode="lin" valueType="num">
+                                      <p:cBhvr additive="base">
+                                        <p:cTn id="14" dur="500" fill="hold"/>
+                                        <p:tgtEl>
+                                          <p:spTgt spid="7"/>
+                                        </p:tgtEl>
+                                        <p:attrNameLst>
+                                          <p:attrName>ppt_y</p:attrName>
+                                        </p:attrNameLst>
+                                      </p:cBhvr>
+                                      <p:tavLst>
+                                        <p:tav tm="0">
+                                          <p:val>
+                                            <p:strVal val="1+#ppt_h/2"/>
+                                          </p:val>
+                                        </p:tav>
+                                        <p:tav tm="100000">
+                                          <p:val>
+                                            <p:strVal val="#ppt_y"/>
+                                          </p:val>
+                                        </p:tav>
+                                      </p:tavLst>
+                                    </p:anim>
+                                  </p:childTnLst>
+                                </p:cTn>
+                              </p:par>
+                            </p:childTnLst>
+                          </p:cTn>
+                        </p:par>
+                      </p:childTnLst>
+                    </p:cTn>
+                  </p:par>
+                  <p:par>
+                    <p:cTn id="15" fill="hold">
+                      <p:stCondLst>
+                        <p:cond delay="indefinite"/>
+                      </p:stCondLst>
+                      <p:childTnLst>
+                        <p:par>
+                          <p:cTn id="16" fill="hold">
+                            <p:stCondLst>
+                              <p:cond delay="0"/>
+                            </p:stCondLst>
+                            <p:childTnLst>
+                              <p:par>
+                                <p:cTn id="17" presetID="2" presetClass="entr" presetSubtype="2" fill="hold" grpId="0" nodeType="clickEffect">
+                                  <p:stCondLst>
+                                    <p:cond delay="0"/>
+                                  </p:stCondLst>
+                                  <p:childTnLst>
+                                    <p:set>
+                                      <p:cBhvr>
+                                        <p:cTn id="18" dur="1" fill="hold">
+                                          <p:stCondLst>
+                                            <p:cond delay="0"/>
+                                          </p:stCondLst>
+                                        </p:cTn>
+                                        <p:tgtEl>
+                                          <p:spTgt spid="8"/>
+                                        </p:tgtEl>
+                                        <p:attrNameLst>
+                                          <p:attrName>style.visibility</p:attrName>
+                                        </p:attrNameLst>
+                                      </p:cBhvr>
+                                      <p:to>
+                                        <p:strVal val="visible"/>
+                                      </p:to>
+                                    </p:set>
+                                    <p:anim calcmode="lin" valueType="num">
+                                      <p:cBhvr additive="base">
+                                        <p:cTn id="19" dur="500" fill="hold"/>
+                                        <p:tgtEl>
+                                          <p:spTgt spid="8"/>
+                                        </p:tgtEl>
+                                        <p:attrNameLst>
+                                          <p:attrName>ppt_x</p:attrName>
+                                        </p:attrNameLst>
+                                      </p:cBhvr>
+                                      <p:tavLst>
+                                        <p:tav tm="0">
+                                          <p:val>
+                                            <p:strVal val="1+#ppt_w/2"/>
+                                          </p:val>
+                                        </p:tav>
+                                        <p:tav tm="100000">
+                                          <p:val>
+                                            <p:strVal val="#ppt_x"/>
+                                          </p:val>
+                                        </p:tav>
+                                      </p:tavLst>
+                                    </p:anim>
+                                    <p:anim calcmode="lin" valueType="num">
+                                      <p:cBhvr additive="base">
+                                        <p:cTn id="20" dur="500" fill="hold"/>
+                                        <p:tgtEl>
+                                          <p:spTgt spid="8"/>
+                                        </p:tgtEl>
+                                        <p:attrNameLst>
+                                          <p:attrName>ppt_y</p:attrName>
+                                        </p:attrNameLst>
+                                      </p:cBhvr>
+                                      <p:tavLst>
+                                        <p:tav tm="0">
+                                          <p:val>
+                                            <p:strVal val="#ppt_y"/>
+                                          </p:val>
+                                        </p:tav>
+                                        <p:tav tm="100000">
+                                          <p:val>
+                                            <p:strVal val="#ppt_y"/>
+                                          </p:val>
+                                        </p:tav>
+                                      </p:tavLst>
+                                    </p:anim>
+                                  </p:childTnLst>
+                                </p:cTn>
+                              </p:par>
+                            </p:childTnLst>
+                          </p:cTn>
+                        </p:par>
+                      </p:childTnLst>
+                    </p:cTn>
+                  </p:par>
+                </p:childTnLst>
+              </p:cTn>
+              <p:prevCondLst>
+                <p:cond evt="onPrev" delay="0">
+                  <p:tgtEl>
+                    <p:sldTgt/>
+                  </p:tgtEl>
+                </p:cond>
+              </p:prevCondLst>
+              <p:nextCondLst>
+                <p:cond evt="onNext" delay="0">
+                  <p:tgtEl>
+                    <p:sldTgt/>
+                  </p:tgtEl>
+                </p:cond>
+              </p:nextCondLst>
+            </p:seq>
+          </p:childTnLst>
+        </p:cTn>
+      </p:par>
+    </p:tnLst>
+    <p:bldLst>
+      <p:bldP spid="6" grpId="0"/>
+      <p:bldP spid="7" grpId="0"/>
+      <p:bldP spid="8" grpId="0"/>
+    </p:bldLst>
+  </p:timing>
+</p:sld>
+</file>
+
+<file path=ppt/slides/slide12.xml><?xml version="1.0" encoding="utf-8"?>
+<p:sld xmlns:a="http://schemas.openxmlformats.org/drawingml/2006/main" xmlns:r="http://schemas.openxmlformats.org/officeDocument/2006/relationships" xmlns:p="http://schemas.openxmlformats.org/presentationml/2006/main">
+  <p:cSld>
+    <p:spTree>
+      <p:nvGrpSpPr>
+        <p:cNvPr id="1" name=""/>
+        <p:cNvGrpSpPr/>
+        <p:nvPr/>
+      </p:nvGrpSpPr>
+      <p:grpSpPr>
+        <a:xfrm>
+          <a:off x="0" y="0"/>
+          <a:ext cx="0" cy="0"/>
+          <a:chOff x="0" y="0"/>
+          <a:chExt cx="0" cy="0"/>
+        </a:xfrm>
+      </p:grpSpPr>
+      <p:sp>
+        <p:nvSpPr>
+          <p:cNvPr id="2" name="Title 1">
+            <a:extLst>
+              <a:ext uri="{FF2B5EF4-FFF2-40B4-BE49-F238E27FC236}">
                 <a16:creationId xmlns:a16="http://schemas.microsoft.com/office/drawing/2014/main" id="{0CD2D5C9-5FA3-43AC-A9F0-864EB45FA257}"/>
               </a:ext>
             </a:extLst>
@@ -4417,12 +5330,154 @@
             <p:ph idx="1"/>
           </p:nvPr>
         </p:nvSpPr>
-        <p:spPr/>
+        <p:spPr>
+          <a:xfrm>
+            <a:off x="838200" y="1825625"/>
+            <a:ext cx="10515600" cy="2898775"/>
+          </a:xfrm>
+        </p:spPr>
         <p:txBody>
           <a:bodyPr/>
           <a:lstStyle/>
           <a:p>
-            <a:endParaRPr lang="en-US"/>
+            <a:r>
+              <a:rPr lang="en-US" sz="2400" dirty="0"/>
+              <a:t>Team member, Cindy </a:t>
+            </a:r>
+            <a:r>
+              <a:rPr lang="en-US" sz="2400" dirty="0" err="1"/>
+              <a:t>Gorbas</a:t>
+            </a:r>
+            <a:r>
+              <a:rPr lang="en-US" sz="2400" dirty="0"/>
+              <a:t>, observed local real estate changes, particularly in East Orange County where she lives</a:t>
+            </a:r>
+          </a:p>
+          <a:p>
+            <a:r>
+              <a:rPr lang="en-US" sz="2400" dirty="0"/>
+              <a:t>Housing touches everyone and reflects economic and social changes in communities</a:t>
+            </a:r>
+          </a:p>
+          <a:p>
+            <a:r>
+              <a:rPr lang="en-US" sz="2400" dirty="0"/>
+              <a:t>We narrowed this focus to three factors of :</a:t>
+            </a:r>
+          </a:p>
+          <a:p>
+            <a:pPr marL="0" indent="0">
+              <a:buNone/>
+            </a:pPr>
+            <a:endParaRPr lang="en-US" dirty="0"/>
+          </a:p>
+          <a:p>
+            <a:endParaRPr lang="en-US" dirty="0"/>
+          </a:p>
+        </p:txBody>
+      </p:sp>
+      <p:sp>
+        <p:nvSpPr>
+          <p:cNvPr id="4" name="TextBox 3">
+            <a:extLst>
+              <a:ext uri="{FF2B5EF4-FFF2-40B4-BE49-F238E27FC236}">
+                <a16:creationId xmlns:a16="http://schemas.microsoft.com/office/drawing/2014/main" id="{51618444-5548-41BF-9DB5-1E2647110C93}"/>
+              </a:ext>
+            </a:extLst>
+          </p:cNvPr>
+          <p:cNvSpPr txBox="1"/>
+          <p:nvPr/>
+        </p:nvSpPr>
+        <p:spPr>
+          <a:xfrm>
+            <a:off x="1591597" y="4672614"/>
+            <a:ext cx="2138727" cy="523220"/>
+          </a:xfrm>
+          <a:prstGeom prst="rect">
+            <a:avLst/>
+          </a:prstGeom>
+          <a:noFill/>
+        </p:spPr>
+        <p:txBody>
+          <a:bodyPr wrap="none" rtlCol="0">
+            <a:spAutoFit/>
+          </a:bodyPr>
+          <a:lstStyle/>
+          <a:p>
+            <a:r>
+              <a:rPr lang="en-US" sz="2800" dirty="0"/>
+              <a:t>Availability</a:t>
+            </a:r>
+          </a:p>
+        </p:txBody>
+      </p:sp>
+      <p:sp>
+        <p:nvSpPr>
+          <p:cNvPr id="5" name="TextBox 4">
+            <a:extLst>
+              <a:ext uri="{FF2B5EF4-FFF2-40B4-BE49-F238E27FC236}">
+                <a16:creationId xmlns:a16="http://schemas.microsoft.com/office/drawing/2014/main" id="{6289F3AE-A3F4-4A3B-B7B6-8206D7A57873}"/>
+              </a:ext>
+            </a:extLst>
+          </p:cNvPr>
+          <p:cNvSpPr txBox="1"/>
+          <p:nvPr/>
+        </p:nvSpPr>
+        <p:spPr>
+          <a:xfrm>
+            <a:off x="4944082" y="4672614"/>
+            <a:ext cx="2303836" cy="523220"/>
+          </a:xfrm>
+          <a:prstGeom prst="rect">
+            <a:avLst/>
+          </a:prstGeom>
+          <a:noFill/>
+        </p:spPr>
+        <p:txBody>
+          <a:bodyPr wrap="none" rtlCol="0">
+            <a:spAutoFit/>
+          </a:bodyPr>
+          <a:lstStyle/>
+          <a:p>
+            <a:r>
+              <a:rPr lang="en-US" sz="2800" dirty="0"/>
+              <a:t>Affordability</a:t>
+            </a:r>
+          </a:p>
+        </p:txBody>
+      </p:sp>
+      <p:sp>
+        <p:nvSpPr>
+          <p:cNvPr id="6" name="TextBox 5">
+            <a:extLst>
+              <a:ext uri="{FF2B5EF4-FFF2-40B4-BE49-F238E27FC236}">
+                <a16:creationId xmlns:a16="http://schemas.microsoft.com/office/drawing/2014/main" id="{1C08E613-D313-48C9-8B68-6CE98B6D997A}"/>
+              </a:ext>
+            </a:extLst>
+          </p:cNvPr>
+          <p:cNvSpPr txBox="1"/>
+          <p:nvPr/>
+        </p:nvSpPr>
+        <p:spPr>
+          <a:xfrm>
+            <a:off x="8077200" y="4672614"/>
+            <a:ext cx="2558714" cy="523220"/>
+          </a:xfrm>
+          <a:prstGeom prst="rect">
+            <a:avLst/>
+          </a:prstGeom>
+          <a:noFill/>
+        </p:spPr>
+        <p:txBody>
+          <a:bodyPr wrap="none" rtlCol="0">
+            <a:spAutoFit/>
+          </a:bodyPr>
+          <a:lstStyle/>
+          <a:p>
+            <a:r>
+              <a:rPr lang="en-US" sz="2800" dirty="0"/>
+              <a:t>Demographics</a:t>
+            </a:r>
           </a:p>
         </p:txBody>
       </p:sp>
@@ -4448,6 +5503,176 @@
       </p:transition>
     </mc:Fallback>
   </mc:AlternateContent>
+  <p:timing>
+    <p:tnLst>
+      <p:par>
+        <p:cTn id="1" dur="indefinite" restart="never" nodeType="tmRoot">
+          <p:childTnLst>
+            <p:seq concurrent="1" nextAc="seek">
+              <p:cTn id="2" dur="indefinite" nodeType="mainSeq">
+                <p:childTnLst>
+                  <p:par>
+                    <p:cTn id="3" fill="hold">
+                      <p:stCondLst>
+                        <p:cond delay="indefinite"/>
+                      </p:stCondLst>
+                      <p:childTnLst>
+                        <p:par>
+                          <p:cTn id="4" fill="hold">
+                            <p:stCondLst>
+                              <p:cond delay="0"/>
+                            </p:stCondLst>
+                            <p:childTnLst>
+                              <p:par>
+                                <p:cTn id="5" presetID="1" presetClass="entr" presetSubtype="0" fill="hold" grpId="0" nodeType="clickEffect">
+                                  <p:stCondLst>
+                                    <p:cond delay="0"/>
+                                  </p:stCondLst>
+                                  <p:childTnLst>
+                                    <p:set>
+                                      <p:cBhvr>
+                                        <p:cTn id="6" dur="1" fill="hold">
+                                          <p:stCondLst>
+                                            <p:cond delay="0"/>
+                                          </p:stCondLst>
+                                        </p:cTn>
+                                        <p:tgtEl>
+                                          <p:spTgt spid="4"/>
+                                        </p:tgtEl>
+                                        <p:attrNameLst>
+                                          <p:attrName>style.visibility</p:attrName>
+                                        </p:attrNameLst>
+                                      </p:cBhvr>
+                                      <p:to>
+                                        <p:strVal val="visible"/>
+                                      </p:to>
+                                    </p:set>
+                                  </p:childTnLst>
+                                </p:cTn>
+                              </p:par>
+                            </p:childTnLst>
+                          </p:cTn>
+                        </p:par>
+                      </p:childTnLst>
+                    </p:cTn>
+                  </p:par>
+                  <p:par>
+                    <p:cTn id="7" fill="hold">
+                      <p:stCondLst>
+                        <p:cond delay="indefinite"/>
+                      </p:stCondLst>
+                      <p:childTnLst>
+                        <p:par>
+                          <p:cTn id="8" fill="hold">
+                            <p:stCondLst>
+                              <p:cond delay="0"/>
+                            </p:stCondLst>
+                            <p:childTnLst>
+                              <p:par>
+                                <p:cTn id="9" presetID="1" presetClass="entr" presetSubtype="0" fill="hold" grpId="0" nodeType="clickEffect">
+                                  <p:stCondLst>
+                                    <p:cond delay="0"/>
+                                  </p:stCondLst>
+                                  <p:childTnLst>
+                                    <p:set>
+                                      <p:cBhvr>
+                                        <p:cTn id="10" dur="1" fill="hold">
+                                          <p:stCondLst>
+                                            <p:cond delay="0"/>
+                                          </p:stCondLst>
+                                        </p:cTn>
+                                        <p:tgtEl>
+                                          <p:spTgt spid="5"/>
+                                        </p:tgtEl>
+                                        <p:attrNameLst>
+                                          <p:attrName>style.visibility</p:attrName>
+                                        </p:attrNameLst>
+                                      </p:cBhvr>
+                                      <p:to>
+                                        <p:strVal val="visible"/>
+                                      </p:to>
+                                    </p:set>
+                                  </p:childTnLst>
+                                </p:cTn>
+                              </p:par>
+                            </p:childTnLst>
+                          </p:cTn>
+                        </p:par>
+                      </p:childTnLst>
+                    </p:cTn>
+                  </p:par>
+                  <p:par>
+                    <p:cTn id="11" fill="hold">
+                      <p:stCondLst>
+                        <p:cond delay="indefinite"/>
+                      </p:stCondLst>
+                      <p:childTnLst>
+                        <p:par>
+                          <p:cTn id="12" fill="hold">
+                            <p:stCondLst>
+                              <p:cond delay="0"/>
+                            </p:stCondLst>
+                            <p:childTnLst>
+                              <p:par>
+                                <p:cTn id="13" presetID="1" presetClass="entr" presetSubtype="0" fill="hold" grpId="0" nodeType="clickEffect">
+                                  <p:stCondLst>
+                                    <p:cond delay="0"/>
+                                  </p:stCondLst>
+                                  <p:childTnLst>
+                                    <p:set>
+                                      <p:cBhvr>
+                                        <p:cTn id="14" dur="1" fill="hold">
+                                          <p:stCondLst>
+                                            <p:cond delay="0"/>
+                                          </p:stCondLst>
+                                        </p:cTn>
+                                        <p:tgtEl>
+                                          <p:spTgt spid="6"/>
+                                        </p:tgtEl>
+                                        <p:attrNameLst>
+                                          <p:attrName>style.visibility</p:attrName>
+                                        </p:attrNameLst>
+                                      </p:cBhvr>
+                                      <p:to>
+                                        <p:strVal val="visible"/>
+                                      </p:to>
+                                    </p:set>
+                                  </p:childTnLst>
+                                </p:cTn>
+                              </p:par>
+                            </p:childTnLst>
+                          </p:cTn>
+                        </p:par>
+                      </p:childTnLst>
+                    </p:cTn>
+                  </p:par>
+                </p:childTnLst>
+              </p:cTn>
+              <p:prevCondLst>
+                <p:cond evt="onPrev" delay="0">
+                  <p:tgtEl>
+                    <p:sldTgt/>
+                  </p:tgtEl>
+                </p:cond>
+              </p:prevCondLst>
+              <p:nextCondLst>
+                <p:cond evt="onNext" delay="0">
+                  <p:tgtEl>
+                    <p:sldTgt/>
+                  </p:tgtEl>
+                </p:cond>
+              </p:nextCondLst>
+            </p:seq>
+          </p:childTnLst>
+        </p:cTn>
+      </p:par>
+    </p:tnLst>
+    <p:bldLst>
+      <p:bldP spid="4" grpId="0"/>
+      <p:bldP spid="5" grpId="0"/>
+      <p:bldP spid="6" grpId="0"/>
+    </p:bldLst>
+  </p:timing>
 </p:sld>
 </file>
 
@@ -4470,87 +5695,259 @@
       </p:grpSpPr>
       <p:sp>
         <p:nvSpPr>
-          <p:cNvPr id="2" name="Title 1">
+          <p:cNvPr id="4" name="Content Placeholder 2">
             <a:extLst>
               <a:ext uri="{FF2B5EF4-FFF2-40B4-BE49-F238E27FC236}">
-                <a16:creationId xmlns:a16="http://schemas.microsoft.com/office/drawing/2014/main" id="{78FAE5D1-4645-4E07-BC33-F527A9C6C236}"/>
+                <a16:creationId xmlns:a16="http://schemas.microsoft.com/office/drawing/2014/main" id="{BF34E48B-CDFC-4B36-9EFF-3F0536CF806C}"/>
               </a:ext>
             </a:extLst>
           </p:cNvPr>
-          <p:cNvSpPr>
-            <a:spLocks noGrp="1"/>
-          </p:cNvSpPr>
-          <p:nvPr>
-            <p:ph type="title"/>
-          </p:nvPr>
-        </p:nvSpPr>
-        <p:spPr/>
-        <p:txBody>
-          <a:bodyPr/>
-          <a:lstStyle/>
-          <a:p>
-            <a:r>
-              <a:rPr lang="en-US" dirty="0"/>
-              <a:t>Question 1: Availability</a:t>
-            </a:r>
-          </a:p>
-        </p:txBody>
-      </p:sp>
-      <p:pic>
-        <p:nvPicPr>
-          <p:cNvPr id="6" name="Content Placeholder 5">
-            <a:extLst>
-              <a:ext uri="{FF2B5EF4-FFF2-40B4-BE49-F238E27FC236}">
-                <a16:creationId xmlns:a16="http://schemas.microsoft.com/office/drawing/2014/main" id="{19891CC7-EAF0-4DFC-8516-7CADD0FEA7B8}"/>
-              </a:ext>
-            </a:extLst>
-          </p:cNvPr>
-          <p:cNvPicPr>
-            <a:picLocks noGrp="1" noChangeAspect="1"/>
-          </p:cNvPicPr>
-          <p:nvPr>
-            <p:ph idx="1"/>
-          </p:nvPr>
-        </p:nvPicPr>
-        <p:blipFill>
-          <a:blip r:embed="rId2">
-            <a:extLst>
-              <a:ext uri="{28A0092B-C50C-407E-A947-70E740481C1C}">
-                <a14:useLocalDpi xmlns:a14="http://schemas.microsoft.com/office/drawing/2010/main" val="0"/>
-              </a:ext>
-            </a:extLst>
-          </a:blip>
-          <a:stretch>
-            <a:fillRect/>
-          </a:stretch>
-        </p:blipFill>
+          <p:cNvSpPr txBox="1">
+            <a:spLocks/>
+          </p:cNvSpPr>
+          <p:nvPr/>
+        </p:nvSpPr>
         <p:spPr>
           <a:xfrm>
-            <a:off x="541020" y="1371600"/>
-            <a:ext cx="7269482" cy="4038600"/>
+            <a:off x="838200" y="2474912"/>
+            <a:ext cx="10515600" cy="1908175"/>
           </a:xfrm>
+          <a:prstGeom prst="rect">
+            <a:avLst/>
+          </a:prstGeom>
         </p:spPr>
-      </p:pic>
-      <p:sp>
-        <p:nvSpPr>
-          <p:cNvPr id="5" name="Text Placeholder 4">
-            <a:extLst>
-              <a:ext uri="{FF2B5EF4-FFF2-40B4-BE49-F238E27FC236}">
-                <a16:creationId xmlns:a16="http://schemas.microsoft.com/office/drawing/2014/main" id="{05449ECE-C7BC-41D1-B712-1F0BCD3A7DE1}"/>
-              </a:ext>
-            </a:extLst>
-          </p:cNvPr>
-          <p:cNvSpPr>
-            <a:spLocks noGrp="1"/>
-          </p:cNvSpPr>
-          <p:nvPr>
-            <p:ph type="body" sz="half" idx="2"/>
-          </p:nvPr>
-        </p:nvSpPr>
-        <p:spPr/>
-        <p:txBody>
-          <a:bodyPr/>
-          <a:lstStyle/>
+        <p:txBody>
+          <a:bodyPr vert="horz" lIns="91440" tIns="45720" rIns="91440" bIns="45720" rtlCol="0">
+            <a:normAutofit fontScale="92500"/>
+          </a:bodyPr>
+          <a:lstStyle>
+            <a:lvl1pPr marL="228600" indent="-228600" algn="l" defTabSz="914400" rtl="0" eaLnBrk="1" latinLnBrk="0" hangingPunct="1">
+              <a:lnSpc>
+                <a:spcPct val="90000"/>
+              </a:lnSpc>
+              <a:spcBef>
+                <a:spcPts val="1800"/>
+              </a:spcBef>
+              <a:buClr>
+                <a:schemeClr val="accent1"/>
+              </a:buClr>
+              <a:buFont typeface="Arial" panose="020B0604020202020204" pitchFamily="34" charset="0"/>
+              <a:buChar char="•"/>
+              <a:defRPr sz="2000" kern="1200">
+                <a:solidFill>
+                  <a:schemeClr val="tx1"/>
+                </a:solidFill>
+                <a:latin typeface="+mn-lt"/>
+                <a:ea typeface="+mn-ea"/>
+                <a:cs typeface="+mn-cs"/>
+              </a:defRPr>
+            </a:lvl1pPr>
+            <a:lvl2pPr marL="457200" indent="-228600" algn="l" defTabSz="914400" rtl="0" eaLnBrk="1" latinLnBrk="0" hangingPunct="1">
+              <a:lnSpc>
+                <a:spcPct val="90000"/>
+              </a:lnSpc>
+              <a:spcBef>
+                <a:spcPts val="1000"/>
+              </a:spcBef>
+              <a:buClr>
+                <a:schemeClr val="accent1"/>
+              </a:buClr>
+              <a:buFont typeface="Arial" panose="020B0604020202020204" pitchFamily="34" charset="0"/>
+              <a:buChar char="•"/>
+              <a:defRPr sz="1800" kern="1200">
+                <a:solidFill>
+                  <a:schemeClr val="tx1"/>
+                </a:solidFill>
+                <a:latin typeface="+mn-lt"/>
+                <a:ea typeface="+mn-ea"/>
+                <a:cs typeface="+mn-cs"/>
+              </a:defRPr>
+            </a:lvl2pPr>
+            <a:lvl3pPr marL="685800" indent="-182880" algn="l" defTabSz="914400" rtl="0" eaLnBrk="1" latinLnBrk="0" hangingPunct="1">
+              <a:lnSpc>
+                <a:spcPct val="90000"/>
+              </a:lnSpc>
+              <a:spcBef>
+                <a:spcPts val="800"/>
+              </a:spcBef>
+              <a:buClr>
+                <a:schemeClr val="accent1"/>
+              </a:buClr>
+              <a:buFont typeface="Arial" panose="020B0604020202020204" pitchFamily="34" charset="0"/>
+              <a:buChar char="•"/>
+              <a:defRPr sz="1600" kern="1200">
+                <a:solidFill>
+                  <a:schemeClr val="tx1"/>
+                </a:solidFill>
+                <a:latin typeface="+mn-lt"/>
+                <a:ea typeface="+mn-ea"/>
+                <a:cs typeface="+mn-cs"/>
+              </a:defRPr>
+            </a:lvl3pPr>
+            <a:lvl4pPr marL="914400" indent="-182880" algn="l" defTabSz="914400" rtl="0" eaLnBrk="1" latinLnBrk="0" hangingPunct="1">
+              <a:lnSpc>
+                <a:spcPct val="90000"/>
+              </a:lnSpc>
+              <a:spcBef>
+                <a:spcPts val="800"/>
+              </a:spcBef>
+              <a:buClr>
+                <a:schemeClr val="accent1"/>
+              </a:buClr>
+              <a:buFont typeface="Arial" panose="020B0604020202020204" pitchFamily="34" charset="0"/>
+              <a:buChar char="•"/>
+              <a:defRPr sz="1400" kern="1200">
+                <a:solidFill>
+                  <a:schemeClr val="tx1"/>
+                </a:solidFill>
+                <a:latin typeface="+mn-lt"/>
+                <a:ea typeface="+mn-ea"/>
+                <a:cs typeface="+mn-cs"/>
+              </a:defRPr>
+            </a:lvl4pPr>
+            <a:lvl5pPr marL="1143000" indent="-182880" algn="l" defTabSz="914400" rtl="0" eaLnBrk="1" latinLnBrk="0" hangingPunct="1">
+              <a:lnSpc>
+                <a:spcPct val="90000"/>
+              </a:lnSpc>
+              <a:spcBef>
+                <a:spcPts val="800"/>
+              </a:spcBef>
+              <a:buClr>
+                <a:schemeClr val="accent1"/>
+              </a:buClr>
+              <a:buFont typeface="Arial" panose="020B0604020202020204" pitchFamily="34" charset="0"/>
+              <a:buChar char="•"/>
+              <a:defRPr sz="1400" kern="1200">
+                <a:solidFill>
+                  <a:schemeClr val="tx1"/>
+                </a:solidFill>
+                <a:latin typeface="+mn-lt"/>
+                <a:ea typeface="+mn-ea"/>
+                <a:cs typeface="+mn-cs"/>
+              </a:defRPr>
+            </a:lvl5pPr>
+            <a:lvl6pPr marL="1371600" indent="-182880" algn="l" defTabSz="914400" rtl="0" eaLnBrk="1" latinLnBrk="0" hangingPunct="1">
+              <a:lnSpc>
+                <a:spcPct val="90000"/>
+              </a:lnSpc>
+              <a:spcBef>
+                <a:spcPts val="800"/>
+              </a:spcBef>
+              <a:buClr>
+                <a:schemeClr val="accent1"/>
+              </a:buClr>
+              <a:buFont typeface="Arial" panose="020B0604020202020204" pitchFamily="34" charset="0"/>
+              <a:buChar char="•"/>
+              <a:defRPr sz="1400" kern="1200">
+                <a:solidFill>
+                  <a:schemeClr val="tx1"/>
+                </a:solidFill>
+                <a:latin typeface="+mn-lt"/>
+                <a:ea typeface="+mn-ea"/>
+                <a:cs typeface="+mn-cs"/>
+              </a:defRPr>
+            </a:lvl6pPr>
+            <a:lvl7pPr marL="1600200" indent="-182880" algn="l" defTabSz="914400" rtl="0" eaLnBrk="1" latinLnBrk="0" hangingPunct="1">
+              <a:lnSpc>
+                <a:spcPct val="90000"/>
+              </a:lnSpc>
+              <a:spcBef>
+                <a:spcPts val="800"/>
+              </a:spcBef>
+              <a:buClr>
+                <a:schemeClr val="accent1"/>
+              </a:buClr>
+              <a:buFont typeface="Arial" panose="020B0604020202020204" pitchFamily="34" charset="0"/>
+              <a:buChar char="•"/>
+              <a:defRPr sz="1400" kern="1200">
+                <a:solidFill>
+                  <a:schemeClr val="tx1"/>
+                </a:solidFill>
+                <a:latin typeface="+mn-lt"/>
+                <a:ea typeface="+mn-ea"/>
+                <a:cs typeface="+mn-cs"/>
+              </a:defRPr>
+            </a:lvl7pPr>
+            <a:lvl8pPr marL="1828800" indent="-182880" algn="l" defTabSz="914400" rtl="0" eaLnBrk="1" latinLnBrk="0" hangingPunct="1">
+              <a:lnSpc>
+                <a:spcPct val="90000"/>
+              </a:lnSpc>
+              <a:spcBef>
+                <a:spcPts val="800"/>
+              </a:spcBef>
+              <a:buClr>
+                <a:schemeClr val="accent1"/>
+              </a:buClr>
+              <a:buFont typeface="Arial" panose="020B0604020202020204" pitchFamily="34" charset="0"/>
+              <a:buChar char="•"/>
+              <a:defRPr sz="1400" kern="1200">
+                <a:solidFill>
+                  <a:schemeClr val="tx1"/>
+                </a:solidFill>
+                <a:latin typeface="+mn-lt"/>
+                <a:ea typeface="+mn-ea"/>
+                <a:cs typeface="+mn-cs"/>
+              </a:defRPr>
+            </a:lvl8pPr>
+            <a:lvl9pPr marL="2057400" indent="-182880" algn="l" defTabSz="914400" rtl="0" eaLnBrk="1" latinLnBrk="0" hangingPunct="1">
+              <a:lnSpc>
+                <a:spcPct val="90000"/>
+              </a:lnSpc>
+              <a:spcBef>
+                <a:spcPts val="800"/>
+              </a:spcBef>
+              <a:buClr>
+                <a:schemeClr val="accent1"/>
+              </a:buClr>
+              <a:buFont typeface="Arial" panose="020B0604020202020204" pitchFamily="34" charset="0"/>
+              <a:buChar char="•"/>
+              <a:defRPr sz="1400" kern="1200">
+                <a:solidFill>
+                  <a:schemeClr val="tx1"/>
+                </a:solidFill>
+                <a:latin typeface="+mn-lt"/>
+                <a:ea typeface="+mn-ea"/>
+                <a:cs typeface="+mn-cs"/>
+              </a:defRPr>
+            </a:lvl9pPr>
+          </a:lstStyle>
+          <a:p>
+            <a:endParaRPr lang="en-US" dirty="0"/>
+          </a:p>
+          <a:p>
+            <a:pPr marL="0" indent="0" algn="ctr">
+              <a:buNone/>
+            </a:pPr>
+            <a:r>
+              <a:rPr lang="en-US" sz="2800" dirty="0"/>
+              <a:t> </a:t>
+            </a:r>
+            <a:r>
+              <a:rPr lang="en-US" sz="3500" dirty="0">
+                <a:solidFill>
+                  <a:schemeClr val="tx2">
+                    <a:lumMod val="75000"/>
+                  </a:schemeClr>
+                </a:solidFill>
+              </a:rPr>
+              <a:t>As housing volume increases,</a:t>
+            </a:r>
+          </a:p>
+          <a:p>
+            <a:pPr marL="0" indent="0" algn="ctr">
+              <a:buNone/>
+            </a:pPr>
+            <a:r>
+              <a:rPr lang="en-US" sz="3500" dirty="0">
+                <a:solidFill>
+                  <a:schemeClr val="tx2">
+                    <a:lumMod val="75000"/>
+                  </a:schemeClr>
+                </a:solidFill>
+              </a:rPr>
+              <a:t> is home ownership becoming a less attainable goal? </a:t>
+            </a:r>
+          </a:p>
           <a:p>
             <a:endParaRPr lang="en-US" dirty="0"/>
           </a:p>
@@ -4559,7 +5956,7 @@
     </p:spTree>
     <p:extLst>
       <p:ext uri="{BB962C8B-B14F-4D97-AF65-F5344CB8AC3E}">
-        <p14:creationId xmlns:p14="http://schemas.microsoft.com/office/powerpoint/2010/main" val="1987509164"/>
+        <p14:creationId xmlns:p14="http://schemas.microsoft.com/office/powerpoint/2010/main" val="1991090515"/>
       </p:ext>
     </p:extLst>
   </p:cSld>
@@ -4603,6 +6000,139 @@
           <p:cNvPr id="2" name="Title 1">
             <a:extLst>
               <a:ext uri="{FF2B5EF4-FFF2-40B4-BE49-F238E27FC236}">
+                <a16:creationId xmlns:a16="http://schemas.microsoft.com/office/drawing/2014/main" id="{78FAE5D1-4645-4E07-BC33-F527A9C6C236}"/>
+              </a:ext>
+            </a:extLst>
+          </p:cNvPr>
+          <p:cNvSpPr>
+            <a:spLocks noGrp="1"/>
+          </p:cNvSpPr>
+          <p:nvPr>
+            <p:ph type="title"/>
+          </p:nvPr>
+        </p:nvSpPr>
+        <p:spPr/>
+        <p:txBody>
+          <a:bodyPr/>
+          <a:lstStyle/>
+          <a:p>
+            <a:r>
+              <a:rPr lang="en-US" dirty="0"/>
+              <a:t>Question 1: Availability</a:t>
+            </a:r>
+          </a:p>
+        </p:txBody>
+      </p:sp>
+      <p:pic>
+        <p:nvPicPr>
+          <p:cNvPr id="6" name="Content Placeholder 5">
+            <a:extLst>
+              <a:ext uri="{FF2B5EF4-FFF2-40B4-BE49-F238E27FC236}">
+                <a16:creationId xmlns:a16="http://schemas.microsoft.com/office/drawing/2014/main" id="{19891CC7-EAF0-4DFC-8516-7CADD0FEA7B8}"/>
+              </a:ext>
+            </a:extLst>
+          </p:cNvPr>
+          <p:cNvPicPr>
+            <a:picLocks noGrp="1" noChangeAspect="1"/>
+          </p:cNvPicPr>
+          <p:nvPr>
+            <p:ph idx="1"/>
+          </p:nvPr>
+        </p:nvPicPr>
+        <p:blipFill>
+          <a:blip r:embed="rId2">
+            <a:extLst>
+              <a:ext uri="{28A0092B-C50C-407E-A947-70E740481C1C}">
+                <a14:useLocalDpi xmlns:a14="http://schemas.microsoft.com/office/drawing/2010/main" val="0"/>
+              </a:ext>
+            </a:extLst>
+          </a:blip>
+          <a:stretch>
+            <a:fillRect/>
+          </a:stretch>
+        </p:blipFill>
+        <p:spPr>
+          <a:xfrm>
+            <a:off x="541020" y="1371600"/>
+            <a:ext cx="7269482" cy="4038600"/>
+          </a:xfrm>
+        </p:spPr>
+      </p:pic>
+      <p:sp>
+        <p:nvSpPr>
+          <p:cNvPr id="5" name="Text Placeholder 4">
+            <a:extLst>
+              <a:ext uri="{FF2B5EF4-FFF2-40B4-BE49-F238E27FC236}">
+                <a16:creationId xmlns:a16="http://schemas.microsoft.com/office/drawing/2014/main" id="{05449ECE-C7BC-41D1-B712-1F0BCD3A7DE1}"/>
+              </a:ext>
+            </a:extLst>
+          </p:cNvPr>
+          <p:cNvSpPr>
+            <a:spLocks noGrp="1"/>
+          </p:cNvSpPr>
+          <p:nvPr>
+            <p:ph type="body" sz="half" idx="2"/>
+          </p:nvPr>
+        </p:nvSpPr>
+        <p:spPr/>
+        <p:txBody>
+          <a:bodyPr/>
+          <a:lstStyle/>
+          <a:p>
+            <a:r>
+              <a:rPr lang="en-US" dirty="0"/>
+              <a:t>Available Housing</a:t>
+            </a:r>
+          </a:p>
+        </p:txBody>
+      </p:sp>
+    </p:spTree>
+    <p:extLst>
+      <p:ext uri="{BB962C8B-B14F-4D97-AF65-F5344CB8AC3E}">
+        <p14:creationId xmlns:p14="http://schemas.microsoft.com/office/powerpoint/2010/main" val="1987509164"/>
+      </p:ext>
+    </p:extLst>
+  </p:cSld>
+  <p:clrMapOvr>
+    <a:masterClrMapping/>
+  </p:clrMapOvr>
+  <mc:AlternateContent xmlns:mc="http://schemas.openxmlformats.org/markup-compatibility/2006" xmlns:p14="http://schemas.microsoft.com/office/powerpoint/2010/main">
+    <mc:Choice Requires="p14">
+      <p:transition spd="med" p14:dur="700">
+        <p:fade/>
+      </p:transition>
+    </mc:Choice>
+    <mc:Fallback xmlns="">
+      <p:transition spd="med">
+        <p:fade/>
+      </p:transition>
+    </mc:Fallback>
+  </mc:AlternateContent>
+</p:sld>
+</file>
+
+<file path=ppt/slides/slide5.xml><?xml version="1.0" encoding="utf-8"?>
+<p:sld xmlns:a="http://schemas.openxmlformats.org/drawingml/2006/main" xmlns:r="http://schemas.openxmlformats.org/officeDocument/2006/relationships" xmlns:p="http://schemas.openxmlformats.org/presentationml/2006/main">
+  <p:cSld>
+    <p:spTree>
+      <p:nvGrpSpPr>
+        <p:cNvPr id="1" name=""/>
+        <p:cNvGrpSpPr/>
+        <p:nvPr/>
+      </p:nvGrpSpPr>
+      <p:grpSpPr>
+        <a:xfrm>
+          <a:off x="0" y="0"/>
+          <a:ext cx="0" cy="0"/>
+          <a:chOff x="0" y="0"/>
+          <a:chExt cx="0" cy="0"/>
+        </a:xfrm>
+      </p:grpSpPr>
+      <p:sp>
+        <p:nvSpPr>
+          <p:cNvPr id="2" name="Title 1">
+            <a:extLst>
+              <a:ext uri="{FF2B5EF4-FFF2-40B4-BE49-F238E27FC236}">
                 <a16:creationId xmlns:a16="http://schemas.microsoft.com/office/drawing/2014/main" id="{AAF78278-52B7-4CCC-AD8E-7D873CE2AF84}"/>
               </a:ext>
             </a:extLst>
@@ -4657,7 +6187,7 @@
         <p:spPr>
           <a:xfrm>
             <a:off x="609601" y="213338"/>
-            <a:ext cx="7298480" cy="3097675"/>
+            <a:ext cx="7315198" cy="3097675"/>
           </a:xfrm>
         </p:spPr>
       </p:pic>
@@ -4682,7 +6212,10 @@
           <a:bodyPr/>
           <a:lstStyle/>
           <a:p>
-            <a:endParaRPr lang="en-US"/>
+            <a:r>
+              <a:rPr lang="en-US" dirty="0"/>
+              <a:t>Income vs Housing Prices</a:t>
+            </a:r>
           </a:p>
         </p:txBody>
       </p:sp>
@@ -4747,7 +6280,7 @@
 </p:sld>
 </file>
 
-<file path=ppt/slides/slide5.xml><?xml version="1.0" encoding="utf-8"?>
+<file path=ppt/slides/slide6.xml><?xml version="1.0" encoding="utf-8"?>
 <p:sld xmlns:a="http://schemas.openxmlformats.org/drawingml/2006/main" xmlns:r="http://schemas.openxmlformats.org/officeDocument/2006/relationships" xmlns:p="http://schemas.openxmlformats.org/presentationml/2006/main">
   <p:cSld>
     <p:spTree>
@@ -4843,7 +6376,12 @@
             <p:ph type="body" sz="half" idx="2"/>
           </p:nvPr>
         </p:nvSpPr>
-        <p:spPr/>
+        <p:spPr>
+          <a:xfrm>
+            <a:off x="7924800" y="3581400"/>
+            <a:ext cx="3429000" cy="1828800"/>
+          </a:xfrm>
+        </p:spPr>
         <p:txBody>
           <a:bodyPr/>
           <a:lstStyle/>
@@ -4859,139 +6397,6 @@
     <p:extLst>
       <p:ext uri="{BB962C8B-B14F-4D97-AF65-F5344CB8AC3E}">
         <p14:creationId xmlns:p14="http://schemas.microsoft.com/office/powerpoint/2010/main" val="2453513752"/>
-      </p:ext>
-    </p:extLst>
-  </p:cSld>
-  <p:clrMapOvr>
-    <a:masterClrMapping/>
-  </p:clrMapOvr>
-  <mc:AlternateContent xmlns:mc="http://schemas.openxmlformats.org/markup-compatibility/2006" xmlns:p14="http://schemas.microsoft.com/office/powerpoint/2010/main">
-    <mc:Choice Requires="p14">
-      <p:transition spd="med" p14:dur="700">
-        <p:fade/>
-      </p:transition>
-    </mc:Choice>
-    <mc:Fallback xmlns="">
-      <p:transition spd="med">
-        <p:fade/>
-      </p:transition>
-    </mc:Fallback>
-  </mc:AlternateContent>
-</p:sld>
-</file>
-
-<file path=ppt/slides/slide6.xml><?xml version="1.0" encoding="utf-8"?>
-<p:sld xmlns:a="http://schemas.openxmlformats.org/drawingml/2006/main" xmlns:r="http://schemas.openxmlformats.org/officeDocument/2006/relationships" xmlns:p="http://schemas.openxmlformats.org/presentationml/2006/main">
-  <p:cSld>
-    <p:spTree>
-      <p:nvGrpSpPr>
-        <p:cNvPr id="1" name=""/>
-        <p:cNvGrpSpPr/>
-        <p:nvPr/>
-      </p:nvGrpSpPr>
-      <p:grpSpPr>
-        <a:xfrm>
-          <a:off x="0" y="0"/>
-          <a:ext cx="0" cy="0"/>
-          <a:chOff x="0" y="0"/>
-          <a:chExt cx="0" cy="0"/>
-        </a:xfrm>
-      </p:grpSpPr>
-      <p:sp>
-        <p:nvSpPr>
-          <p:cNvPr id="2" name="Title 1">
-            <a:extLst>
-              <a:ext uri="{FF2B5EF4-FFF2-40B4-BE49-F238E27FC236}">
-                <a16:creationId xmlns:a16="http://schemas.microsoft.com/office/drawing/2014/main" id="{81DB3431-6291-4D88-96BE-B787DF56C10A}"/>
-              </a:ext>
-            </a:extLst>
-          </p:cNvPr>
-          <p:cNvSpPr>
-            <a:spLocks noGrp="1"/>
-          </p:cNvSpPr>
-          <p:nvPr>
-            <p:ph type="title"/>
-          </p:nvPr>
-        </p:nvSpPr>
-        <p:spPr/>
-        <p:txBody>
-          <a:bodyPr/>
-          <a:lstStyle/>
-          <a:p>
-            <a:r>
-              <a:rPr lang="en-US" dirty="0"/>
-              <a:t>Question 3: Demographic Changes</a:t>
-            </a:r>
-          </a:p>
-        </p:txBody>
-      </p:sp>
-      <p:pic>
-        <p:nvPicPr>
-          <p:cNvPr id="6" name="Content Placeholder 5">
-            <a:extLst>
-              <a:ext uri="{FF2B5EF4-FFF2-40B4-BE49-F238E27FC236}">
-                <a16:creationId xmlns:a16="http://schemas.microsoft.com/office/drawing/2014/main" id="{9D1D8E82-670D-4AE0-A790-AF9D52FBA889}"/>
-              </a:ext>
-            </a:extLst>
-          </p:cNvPr>
-          <p:cNvPicPr>
-            <a:picLocks noGrp="1" noChangeAspect="1"/>
-          </p:cNvPicPr>
-          <p:nvPr>
-            <p:ph idx="1"/>
-          </p:nvPr>
-        </p:nvPicPr>
-        <p:blipFill>
-          <a:blip r:embed="rId2">
-            <a:extLst>
-              <a:ext uri="{28A0092B-C50C-407E-A947-70E740481C1C}">
-                <a14:useLocalDpi xmlns:a14="http://schemas.microsoft.com/office/drawing/2010/main" val="0"/>
-              </a:ext>
-            </a:extLst>
-          </a:blip>
-          <a:stretch>
-            <a:fillRect/>
-          </a:stretch>
-        </p:blipFill>
-        <p:spPr>
-          <a:xfrm>
-            <a:off x="257244" y="1219200"/>
-            <a:ext cx="7667556" cy="3465985"/>
-          </a:xfrm>
-        </p:spPr>
-      </p:pic>
-      <p:sp>
-        <p:nvSpPr>
-          <p:cNvPr id="4" name="Text Placeholder 3">
-            <a:extLst>
-              <a:ext uri="{FF2B5EF4-FFF2-40B4-BE49-F238E27FC236}">
-                <a16:creationId xmlns:a16="http://schemas.microsoft.com/office/drawing/2014/main" id="{DCC92131-E9C0-4708-9063-2F8C8F124067}"/>
-              </a:ext>
-            </a:extLst>
-          </p:cNvPr>
-          <p:cNvSpPr>
-            <a:spLocks noGrp="1"/>
-          </p:cNvSpPr>
-          <p:nvPr>
-            <p:ph type="body" sz="half" idx="2"/>
-          </p:nvPr>
-        </p:nvSpPr>
-        <p:spPr/>
-        <p:txBody>
-          <a:bodyPr/>
-          <a:lstStyle/>
-          <a:p>
-            <a:r>
-              <a:rPr lang="en-US" dirty="0"/>
-              <a:t>Race</a:t>
-            </a:r>
-          </a:p>
-        </p:txBody>
-      </p:sp>
-    </p:spTree>
-    <p:extLst>
-      <p:ext uri="{BB962C8B-B14F-4D97-AF65-F5344CB8AC3E}">
-        <p14:creationId xmlns:p14="http://schemas.microsoft.com/office/powerpoint/2010/main" val="707463969"/>
       </p:ext>
     </p:extLst>
   </p:cSld>
@@ -5063,7 +6468,7 @@
           <p:cNvPr id="6" name="Content Placeholder 5">
             <a:extLst>
               <a:ext uri="{FF2B5EF4-FFF2-40B4-BE49-F238E27FC236}">
-                <a16:creationId xmlns:a16="http://schemas.microsoft.com/office/drawing/2014/main" id="{E20BB6C7-54AE-4F0B-B0DD-9BB776946DBF}"/>
+                <a16:creationId xmlns:a16="http://schemas.microsoft.com/office/drawing/2014/main" id="{9D1D8E82-670D-4AE0-A790-AF9D52FBA889}"/>
               </a:ext>
             </a:extLst>
           </p:cNvPr>
@@ -5088,8 +6493,8 @@
         </p:blipFill>
         <p:spPr>
           <a:xfrm>
-            <a:off x="304800" y="1219200"/>
-            <a:ext cx="7555892" cy="3635265"/>
+            <a:off x="190811" y="1289482"/>
+            <a:ext cx="7667556" cy="3465985"/>
           </a:xfrm>
         </p:spPr>
       </p:pic>
@@ -5116,7 +6521,7 @@
           <a:p>
             <a:r>
               <a:rPr lang="en-US" dirty="0"/>
-              <a:t>Age Range</a:t>
+              <a:t>Race</a:t>
             </a:r>
           </a:p>
         </p:txBody>
@@ -5124,7 +6529,7 @@
     </p:spTree>
     <p:extLst>
       <p:ext uri="{BB962C8B-B14F-4D97-AF65-F5344CB8AC3E}">
-        <p14:creationId xmlns:p14="http://schemas.microsoft.com/office/powerpoint/2010/main" val="1181949973"/>
+        <p14:creationId xmlns:p14="http://schemas.microsoft.com/office/powerpoint/2010/main" val="707463969"/>
       </p:ext>
     </p:extLst>
   </p:cSld>
@@ -5165,10 +6570,10 @@
       </p:grpSpPr>
       <p:sp>
         <p:nvSpPr>
-          <p:cNvPr id="5" name="Title 4">
+          <p:cNvPr id="2" name="Title 1">
             <a:extLst>
               <a:ext uri="{FF2B5EF4-FFF2-40B4-BE49-F238E27FC236}">
-                <a16:creationId xmlns:a16="http://schemas.microsoft.com/office/drawing/2014/main" id="{60928B2D-6D8A-4A34-B883-8AF2366CA4ED}"/>
+                <a16:creationId xmlns:a16="http://schemas.microsoft.com/office/drawing/2014/main" id="{81DB3431-6291-4D88-96BE-B787DF56C10A}"/>
               </a:ext>
             </a:extLst>
           </p:cNvPr>
@@ -5186,25 +6591,60 @@
           <a:p>
             <a:r>
               <a:rPr lang="en-US" dirty="0"/>
-              <a:t>Data Cleanup &amp; Exploration</a:t>
-            </a:r>
-          </a:p>
-        </p:txBody>
-      </p:sp>
-      <p:sp>
-        <p:nvSpPr>
+              <a:t>Question 3: Demographic Changes</a:t>
+            </a:r>
+          </a:p>
+        </p:txBody>
+      </p:sp>
+      <p:pic>
+        <p:nvPicPr>
           <p:cNvPr id="6" name="Content Placeholder 5">
             <a:extLst>
               <a:ext uri="{FF2B5EF4-FFF2-40B4-BE49-F238E27FC236}">
-                <a16:creationId xmlns:a16="http://schemas.microsoft.com/office/drawing/2014/main" id="{AEAF33BA-40C5-4D07-85EA-272E84F4C590}"/>
+                <a16:creationId xmlns:a16="http://schemas.microsoft.com/office/drawing/2014/main" id="{E20BB6C7-54AE-4F0B-B0DD-9BB776946DBF}"/>
               </a:ext>
             </a:extLst>
           </p:cNvPr>
-          <p:cNvSpPr>
-            <a:spLocks noGrp="1"/>
-          </p:cNvSpPr>
+          <p:cNvPicPr>
+            <a:picLocks noGrp="1" noChangeAspect="1"/>
+          </p:cNvPicPr>
           <p:nvPr>
             <p:ph idx="1"/>
+          </p:nvPr>
+        </p:nvPicPr>
+        <p:blipFill>
+          <a:blip r:embed="rId2">
+            <a:extLst>
+              <a:ext uri="{28A0092B-C50C-407E-A947-70E740481C1C}">
+                <a14:useLocalDpi xmlns:a14="http://schemas.microsoft.com/office/drawing/2010/main" val="0"/>
+              </a:ext>
+            </a:extLst>
+          </a:blip>
+          <a:stretch>
+            <a:fillRect/>
+          </a:stretch>
+        </p:blipFill>
+        <p:spPr>
+          <a:xfrm>
+            <a:off x="304800" y="1219200"/>
+            <a:ext cx="7555892" cy="3635265"/>
+          </a:xfrm>
+        </p:spPr>
+      </p:pic>
+      <p:sp>
+        <p:nvSpPr>
+          <p:cNvPr id="4" name="Text Placeholder 3">
+            <a:extLst>
+              <a:ext uri="{FF2B5EF4-FFF2-40B4-BE49-F238E27FC236}">
+                <a16:creationId xmlns:a16="http://schemas.microsoft.com/office/drawing/2014/main" id="{DCC92131-E9C0-4708-9063-2F8C8F124067}"/>
+              </a:ext>
+            </a:extLst>
+          </p:cNvPr>
+          <p:cNvSpPr>
+            <a:spLocks noGrp="1"/>
+          </p:cNvSpPr>
+          <p:nvPr>
+            <p:ph type="body" sz="half" idx="2"/>
           </p:nvPr>
         </p:nvSpPr>
         <p:spPr/>
@@ -5214,31 +6654,7 @@
           <a:p>
             <a:r>
               <a:rPr lang="en-US" dirty="0"/>
-              <a:t>Methods of data collection including .csv pulls from the Multiple Listing Service (MLS) database and API pulls from the US government’s American Community Survey census.</a:t>
-            </a:r>
-          </a:p>
-          <a:p>
-            <a:pPr marL="0" indent="0">
-              <a:buNone/>
-            </a:pPr>
-            <a:endParaRPr lang="en-US" dirty="0"/>
-          </a:p>
-          <a:p>
-            <a:r>
-              <a:rPr lang="en-US" dirty="0"/>
-              <a:t>Data clean up involved limiting year ranges based on overlap between two datasets, as well as targeting what was relevant and targeted in mass of data.</a:t>
-            </a:r>
-          </a:p>
-          <a:p>
-            <a:pPr marL="0" indent="0">
-              <a:buNone/>
-            </a:pPr>
-            <a:endParaRPr lang="en-US" dirty="0"/>
-          </a:p>
-          <a:p>
-            <a:r>
-              <a:rPr lang="en-US" dirty="0"/>
-              <a:t>Surprising elements were the consistencies in demographics over time (though admittedly our year range is limited) and the discrepancy between family and non-family incomes.</a:t>
+              <a:t>Age Groups</a:t>
             </a:r>
           </a:p>
         </p:txBody>
@@ -5246,7 +6662,7 @@
     </p:spTree>
     <p:extLst>
       <p:ext uri="{BB962C8B-B14F-4D97-AF65-F5344CB8AC3E}">
-        <p14:creationId xmlns:p14="http://schemas.microsoft.com/office/powerpoint/2010/main" val="3589475554"/>
+        <p14:creationId xmlns:p14="http://schemas.microsoft.com/office/powerpoint/2010/main" val="1181949973"/>
       </p:ext>
     </p:extLst>
   </p:cSld>
@@ -5287,10 +6703,10 @@
       </p:grpSpPr>
       <p:sp>
         <p:nvSpPr>
-          <p:cNvPr id="2" name="Title 1">
+          <p:cNvPr id="5" name="Title 4">
             <a:extLst>
               <a:ext uri="{FF2B5EF4-FFF2-40B4-BE49-F238E27FC236}">
-                <a16:creationId xmlns:a16="http://schemas.microsoft.com/office/drawing/2014/main" id="{4A976F62-38FC-4B90-8209-4C25001787FC}"/>
+                <a16:creationId xmlns:a16="http://schemas.microsoft.com/office/drawing/2014/main" id="{60928B2D-6D8A-4A34-B883-8AF2366CA4ED}"/>
               </a:ext>
             </a:extLst>
           </p:cNvPr>
@@ -5308,17 +6724,17 @@
           <a:p>
             <a:r>
               <a:rPr lang="en-US" dirty="0"/>
-              <a:t>Post Mortem</a:t>
-            </a:r>
-          </a:p>
-        </p:txBody>
-      </p:sp>
-      <p:sp>
-        <p:nvSpPr>
-          <p:cNvPr id="3" name="Content Placeholder 2">
+              <a:t>Data Cleanup &amp; Exploration</a:t>
+            </a:r>
+          </a:p>
+        </p:txBody>
+      </p:sp>
+      <p:sp>
+        <p:nvSpPr>
+          <p:cNvPr id="6" name="Content Placeholder 5">
             <a:extLst>
               <a:ext uri="{FF2B5EF4-FFF2-40B4-BE49-F238E27FC236}">
-                <a16:creationId xmlns:a16="http://schemas.microsoft.com/office/drawing/2014/main" id="{2730CC84-5563-4FF8-9ABA-99712EB5C434}"/>
+                <a16:creationId xmlns:a16="http://schemas.microsoft.com/office/drawing/2014/main" id="{AEAF33BA-40C5-4D07-85EA-272E84F4C590}"/>
               </a:ext>
             </a:extLst>
           </p:cNvPr>
@@ -5336,19 +6752,31 @@
           <a:p>
             <a:r>
               <a:rPr lang="en-US" dirty="0"/>
-              <a:t>Discuss any difficulties that arose, and how you dealt with them</a:t>
-            </a:r>
+              <a:t>Methods of data collection including .csv pulls from the Multiple Listing Service (MLS) database and API pulls from the US government’s American Community Survey census.</a:t>
+            </a:r>
+          </a:p>
+          <a:p>
+            <a:pPr marL="0" indent="0">
+              <a:buNone/>
+            </a:pPr>
+            <a:endParaRPr lang="en-US" dirty="0"/>
           </a:p>
           <a:p>
             <a:r>
               <a:rPr lang="en-US" dirty="0"/>
-              <a:t>Discuss any additional questions that came up, but which you didn't have time to answer: What would you research next, if you had two more weeks?</a:t>
-            </a:r>
+              <a:t>Data clean up involved limiting year ranges based on overlap between two datasets, as well as targeting what was relevant and targeted in mass of data.</a:t>
+            </a:r>
+          </a:p>
+          <a:p>
+            <a:pPr marL="0" indent="0">
+              <a:buNone/>
+            </a:pPr>
+            <a:endParaRPr lang="en-US" dirty="0"/>
           </a:p>
           <a:p>
             <a:r>
               <a:rPr lang="en-US" dirty="0"/>
-              <a:t>Basically acknowledge limitations</a:t>
+              <a:t>Surprising elements were the consistencies in demographics over time (though admittedly our year range is limited) and the discrepancy between family and non-family incomes.</a:t>
             </a:r>
           </a:p>
         </p:txBody>
@@ -5356,7 +6784,7 @@
     </p:spTree>
     <p:extLst>
       <p:ext uri="{BB962C8B-B14F-4D97-AF65-F5344CB8AC3E}">
-        <p14:creationId xmlns:p14="http://schemas.microsoft.com/office/powerpoint/2010/main" val="1690957519"/>
+        <p14:creationId xmlns:p14="http://schemas.microsoft.com/office/powerpoint/2010/main" val="3589475554"/>
       </p:ext>
     </p:extLst>
   </p:cSld>

--- a/Housing in Orange County, FL.pptx
+++ b/Housing in Orange County, FL.pptx
@@ -132,12 +132,20 @@
 </p:presentation>
 </file>
 
+<file path=ppt/revisionInfo.xml><?xml version="1.0" encoding="utf-8"?>
+<p1510:revInfo xmlns:a="http://schemas.openxmlformats.org/drawingml/2006/main" xmlns:r="http://schemas.openxmlformats.org/officeDocument/2006/relationships" xmlns:p1510="http://schemas.microsoft.com/office/powerpoint/2015/10/main">
+  <p1510:revLst>
+    <p1510:client id="{88168AFA-D758-4CD3-8BA7-9930004ABCBD}" v="2" dt="2019-03-09T14:40:10.041"/>
+  </p1510:revLst>
+</p1510:revInfo>
+</file>
+
 <file path=ppt/changesInfos/changesInfo1.xml><?xml version="1.0" encoding="utf-8"?>
 <pc:chgInfo xmlns:a="http://schemas.openxmlformats.org/drawingml/2006/main" xmlns:r="http://schemas.openxmlformats.org/officeDocument/2006/relationships" xmlns:ac="http://schemas.microsoft.com/office/drawing/2013/main/command" xmlns:pc="http://schemas.microsoft.com/office/powerpoint/2013/main/command">
   <pc:docChgLst>
     <pc:chgData name="Elizabeth Jaye" userId="de304061a751da9d" providerId="LiveId" clId="{88168AFA-D758-4CD3-8BA7-9930004ABCBD}"/>
     <pc:docChg chg="custSel modSld">
-      <pc:chgData name="Elizabeth Jaye" userId="de304061a751da9d" providerId="LiveId" clId="{88168AFA-D758-4CD3-8BA7-9930004ABCBD}" dt="2019-03-08T01:48:58.291" v="713" actId="5793"/>
+      <pc:chgData name="Elizabeth Jaye" userId="de304061a751da9d" providerId="LiveId" clId="{88168AFA-D758-4CD3-8BA7-9930004ABCBD}" dt="2019-03-09T14:40:10.041" v="786"/>
       <pc:docMkLst>
         <pc:docMk/>
       </pc:docMkLst>
@@ -153,6 +161,29 @@
             <pc:docMk/>
             <pc:sldMk cId="3589475554" sldId="261"/>
             <ac:spMk id="6" creationId="{AEAF33BA-40C5-4D07-85EA-272E84F4C590}"/>
+          </ac:spMkLst>
+        </pc:spChg>
+      </pc:sldChg>
+      <pc:sldChg chg="addSp modSp modAnim">
+        <pc:chgData name="Elizabeth Jaye" userId="de304061a751da9d" providerId="LiveId" clId="{88168AFA-D758-4CD3-8BA7-9930004ABCBD}" dt="2019-03-09T14:40:10.041" v="786"/>
+        <pc:sldMkLst>
+          <pc:docMk/>
+          <pc:sldMk cId="3069973228" sldId="267"/>
+        </pc:sldMkLst>
+        <pc:spChg chg="add mod">
+          <ac:chgData name="Elizabeth Jaye" userId="de304061a751da9d" providerId="LiveId" clId="{88168AFA-D758-4CD3-8BA7-9930004ABCBD}" dt="2019-03-09T14:39:19.058" v="785" actId="313"/>
+          <ac:spMkLst>
+            <pc:docMk/>
+            <pc:sldMk cId="3069973228" sldId="267"/>
+            <ac:spMk id="3" creationId="{C305BB81-4525-405B-BE3E-52954AB269F8}"/>
+          </ac:spMkLst>
+        </pc:spChg>
+        <pc:spChg chg="mod">
+          <ac:chgData name="Elizabeth Jaye" userId="de304061a751da9d" providerId="LiveId" clId="{88168AFA-D758-4CD3-8BA7-9930004ABCBD}" dt="2019-03-09T14:38:50.294" v="718" actId="1076"/>
+          <ac:spMkLst>
+            <pc:docMk/>
+            <pc:sldMk cId="3069973228" sldId="267"/>
+            <ac:spMk id="8" creationId="{34334291-89BD-45D3-98F4-A6245570BA70}"/>
           </ac:spMkLst>
         </pc:spChg>
       </pc:sldChg>
@@ -243,7 +274,7 @@
           <a:p>
             <a:fld id="{061C5132-FFA3-4B02-9F09-22FCF40EFA74}" type="datetimeFigureOut">
               <a:rPr lang="en-US" smtClean="0"/>
-              <a:t>3/8/2019</a:t>
+              <a:t>3/9/2019</a:t>
             </a:fld>
             <a:endParaRPr lang="en-US"/>
           </a:p>
@@ -408,7 +439,7 @@
           <a:p>
             <a:fld id="{0B6E42C9-243F-4DC5-AFF6-9D56B5FA9D63}" type="datetimeFigureOut">
               <a:rPr lang="en-US" smtClean="0"/>
-              <a:t>3/8/2019</a:t>
+              <a:t>3/9/2019</a:t>
             </a:fld>
             <a:endParaRPr lang="en-US"/>
           </a:p>
@@ -1012,7 +1043,7 @@
           <a:p>
             <a:fld id="{B0FE2824-C2A0-4931-BB32-60B24BDBB3CC}" type="datetimeFigureOut">
               <a:rPr lang="en-US" smtClean="0"/>
-              <a:t>3/8/2019</a:t>
+              <a:t>3/9/2019</a:t>
             </a:fld>
             <a:endParaRPr lang="en-US"/>
           </a:p>
@@ -1207,7 +1238,7 @@
           <a:p>
             <a:fld id="{B0FE2824-C2A0-4931-BB32-60B24BDBB3CC}" type="datetimeFigureOut">
               <a:rPr lang="en-US" smtClean="0"/>
-              <a:t>3/8/2019</a:t>
+              <a:t>3/9/2019</a:t>
             </a:fld>
             <a:endParaRPr lang="en-US"/>
           </a:p>
@@ -1387,7 +1418,7 @@
           <a:p>
             <a:fld id="{B0FE2824-C2A0-4931-BB32-60B24BDBB3CC}" type="datetimeFigureOut">
               <a:rPr lang="en-US" smtClean="0"/>
-              <a:t>3/8/2019</a:t>
+              <a:t>3/9/2019</a:t>
             </a:fld>
             <a:endParaRPr lang="en-US"/>
           </a:p>
@@ -1907,7 +1938,7 @@
           <a:p>
             <a:fld id="{B0FE2824-C2A0-4931-BB32-60B24BDBB3CC}" type="datetimeFigureOut">
               <a:rPr lang="en-US" smtClean="0"/>
-              <a:t>3/8/2019</a:t>
+              <a:t>3/9/2019</a:t>
             </a:fld>
             <a:endParaRPr lang="en-US"/>
           </a:p>
@@ -2349,7 +2380,7 @@
           <a:p>
             <a:fld id="{B0FE2824-C2A0-4931-BB32-60B24BDBB3CC}" type="datetimeFigureOut">
               <a:rPr lang="en-US" smtClean="0"/>
-              <a:t>3/8/2019</a:t>
+              <a:t>3/9/2019</a:t>
             </a:fld>
             <a:endParaRPr lang="en-US"/>
           </a:p>
@@ -2478,7 +2509,7 @@
           <a:p>
             <a:fld id="{B0FE2824-C2A0-4931-BB32-60B24BDBB3CC}" type="datetimeFigureOut">
               <a:rPr lang="en-US" smtClean="0"/>
-              <a:t>3/8/2019</a:t>
+              <a:t>3/9/2019</a:t>
             </a:fld>
             <a:endParaRPr lang="en-US"/>
           </a:p>
@@ -2585,7 +2616,7 @@
           <a:p>
             <a:fld id="{B0FE2824-C2A0-4931-BB32-60B24BDBB3CC}" type="datetimeFigureOut">
               <a:rPr lang="en-US" smtClean="0"/>
-              <a:t>3/8/2019</a:t>
+              <a:t>3/9/2019</a:t>
             </a:fld>
             <a:endParaRPr lang="en-US"/>
           </a:p>
@@ -2881,7 +2912,7 @@
           <a:p>
             <a:fld id="{B0FE2824-C2A0-4931-BB32-60B24BDBB3CC}" type="datetimeFigureOut">
               <a:rPr lang="en-US" smtClean="0"/>
-              <a:t>3/8/2019</a:t>
+              <a:t>3/9/2019</a:t>
             </a:fld>
             <a:endParaRPr lang="en-US"/>
           </a:p>
@@ -3154,7 +3185,7 @@
           <a:p>
             <a:fld id="{B0FE2824-C2A0-4931-BB32-60B24BDBB3CC}" type="datetimeFigureOut">
               <a:rPr lang="en-US" smtClean="0"/>
-              <a:t>3/8/2019</a:t>
+              <a:t>3/9/2019</a:t>
             </a:fld>
             <a:endParaRPr lang="en-US"/>
           </a:p>
@@ -3448,7 +3479,7 @@
             <a:fld id="{B0FE2824-C2A0-4931-BB32-60B24BDBB3CC}" type="datetimeFigureOut">
               <a:rPr lang="en-US" smtClean="0"/>
               <a:pPr/>
-              <a:t>3/8/2019</a:t>
+              <a:t>3/9/2019</a:t>
             </a:fld>
             <a:endParaRPr lang="en-US"/>
           </a:p>
@@ -4814,7 +4845,7 @@
         </p:nvSpPr>
         <p:spPr>
           <a:xfrm>
-            <a:off x="1676400" y="4818886"/>
+            <a:off x="571341" y="4496457"/>
             <a:ext cx="7452681" cy="646331"/>
           </a:xfrm>
           <a:prstGeom prst="rect">
@@ -4838,6 +4869,53 @@
               <a:rPr lang="en-US" dirty="0"/>
               <a:t>						- Dinielle</a:t>
             </a:r>
+          </a:p>
+        </p:txBody>
+      </p:sp>
+      <p:sp>
+        <p:nvSpPr>
+          <p:cNvPr id="3" name="Rectangle 2">
+            <a:extLst>
+              <a:ext uri="{FF2B5EF4-FFF2-40B4-BE49-F238E27FC236}">
+                <a16:creationId xmlns:a16="http://schemas.microsoft.com/office/drawing/2014/main" id="{C305BB81-4525-405B-BE3E-52954AB269F8}"/>
+              </a:ext>
+            </a:extLst>
+          </p:cNvPr>
+          <p:cNvSpPr/>
+          <p:nvPr/>
+        </p:nvSpPr>
+        <p:spPr>
+          <a:xfrm>
+            <a:off x="2667000" y="5410200"/>
+            <a:ext cx="9448800" cy="923330"/>
+          </a:xfrm>
+          <a:prstGeom prst="rect">
+            <a:avLst/>
+          </a:prstGeom>
+        </p:spPr>
+        <p:txBody>
+          <a:bodyPr wrap="square">
+            <a:spAutoFit/>
+          </a:bodyPr>
+          <a:lstStyle/>
+          <a:p>
+            <a:r>
+              <a:rPr lang="en-US" dirty="0">
+                <a:latin typeface="Georgia" panose="02040502050405020303" pitchFamily="18" charset="0"/>
+                <a:cs typeface="Times New Roman" panose="02020603050405020304" pitchFamily="18" charset="0"/>
+              </a:rPr>
+              <a:t>“Gaps in foundational understanding on coding, coding errors and lack of experience with data wrangling…”</a:t>
+            </a:r>
+          </a:p>
+          <a:p>
+            <a:r>
+              <a:rPr lang="en-US" dirty="0">
+                <a:latin typeface="Georgia" panose="02040502050405020303" pitchFamily="18" charset="0"/>
+                <a:cs typeface="Times New Roman" panose="02020603050405020304" pitchFamily="18" charset="0"/>
+              </a:rPr>
+              <a:t>								-Dolly </a:t>
+            </a:r>
+            <a:endParaRPr lang="en-US" dirty="0"/>
           </a:p>
         </p:txBody>
       </p:sp>
@@ -5144,6 +5222,97 @@
                       </p:childTnLst>
                     </p:cTn>
                   </p:par>
+                  <p:par>
+                    <p:cTn id="21" fill="hold">
+                      <p:stCondLst>
+                        <p:cond delay="indefinite"/>
+                      </p:stCondLst>
+                      <p:childTnLst>
+                        <p:par>
+                          <p:cTn id="22" fill="hold">
+                            <p:stCondLst>
+                              <p:cond delay="0"/>
+                            </p:stCondLst>
+                            <p:childTnLst>
+                              <p:par>
+                                <p:cTn id="23" presetID="2" presetClass="entr" presetSubtype="4" fill="hold" grpId="0" nodeType="clickEffect">
+                                  <p:stCondLst>
+                                    <p:cond delay="0"/>
+                                  </p:stCondLst>
+                                  <p:childTnLst>
+                                    <p:set>
+                                      <p:cBhvr>
+                                        <p:cTn id="24" dur="1" fill="hold">
+                                          <p:stCondLst>
+                                            <p:cond delay="0"/>
+                                          </p:stCondLst>
+                                        </p:cTn>
+                                        <p:tgtEl>
+                                          <p:spTgt spid="3"/>
+                                        </p:tgtEl>
+                                        <p:attrNameLst>
+                                          <p:attrName>style.visibility</p:attrName>
+                                        </p:attrNameLst>
+                                      </p:cBhvr>
+                                      <p:to>
+                                        <p:strVal val="visible"/>
+                                      </p:to>
+                                    </p:set>
+                                    <p:anim calcmode="lin" valueType="num">
+                                      <p:cBhvr additive="base">
+                                        <p:cTn id="25" dur="500" fill="hold"/>
+                                        <p:tgtEl>
+                                          <p:spTgt spid="3"/>
+                                        </p:tgtEl>
+                                        <p:attrNameLst>
+                                          <p:attrName>ppt_x</p:attrName>
+                                        </p:attrNameLst>
+                                      </p:cBhvr>
+                                      <p:tavLst>
+                                        <p:tav tm="0">
+                                          <p:val>
+                                            <p:strVal val="#ppt_x"/>
+                                          </p:val>
+                                        </p:tav>
+                                        <p:tav tm="100000">
+                                          <p:val>
+                                            <p:strVal val="#ppt_x"/>
+                                          </p:val>
+                                        </p:tav>
+                                      </p:tavLst>
+                                    </p:anim>
+                                    <p:anim calcmode="lin" valueType="num">
+                                      <p:cBhvr additive="base">
+                                        <p:cTn id="26" dur="500" fill="hold"/>
+                                        <p:tgtEl>
+                                          <p:spTgt spid="3"/>
+                                        </p:tgtEl>
+                                        <p:attrNameLst>
+                                          <p:attrName>ppt_y</p:attrName>
+                                        </p:attrNameLst>
+                                      </p:cBhvr>
+                                      <p:tavLst>
+                                        <p:tav tm="0">
+                                          <p:val>
+                                            <p:strVal val="1+#ppt_h/2"/>
+                                          </p:val>
+                                        </p:tav>
+                                        <p:tav tm="100000">
+                                          <p:val>
+                                            <p:strVal val="#ppt_y"/>
+                                          </p:val>
+                                        </p:tav>
+                                      </p:tavLst>
+                                    </p:anim>
+                                  </p:childTnLst>
+                                </p:cTn>
+                              </p:par>
+                            </p:childTnLst>
+                          </p:cTn>
+                        </p:par>
+                      </p:childTnLst>
+                    </p:cTn>
+                  </p:par>
                 </p:childTnLst>
               </p:cTn>
               <p:prevCondLst>
@@ -5169,6 +5338,7 @@
       <p:bldP spid="6" grpId="0"/>
       <p:bldP spid="7" grpId="0"/>
       <p:bldP spid="8" grpId="0"/>
+      <p:bldP spid="3" grpId="0"/>
     </p:bldLst>
   </p:timing>
 </p:sld>

--- a/Housing in Orange County, FL.pptx
+++ b/Housing in Orange County, FL.pptx
@@ -135,7 +135,7 @@
 <file path=ppt/revisionInfo.xml><?xml version="1.0" encoding="utf-8"?>
 <p1510:revInfo xmlns:a="http://schemas.openxmlformats.org/drawingml/2006/main" xmlns:r="http://schemas.openxmlformats.org/officeDocument/2006/relationships" xmlns:p1510="http://schemas.microsoft.com/office/powerpoint/2015/10/main">
   <p1510:revLst>
-    <p1510:client id="{88168AFA-D758-4CD3-8BA7-9930004ABCBD}" v="2" dt="2019-03-09T14:40:10.041"/>
+    <p1510:client id="{88168AFA-D758-4CD3-8BA7-9930004ABCBD}" v="3" dt="2019-03-09T17:01:07.489"/>
   </p1510:revLst>
 </p1510:revInfo>
 </file>
@@ -145,7 +145,7 @@
   <pc:docChgLst>
     <pc:chgData name="Elizabeth Jaye" userId="de304061a751da9d" providerId="LiveId" clId="{88168AFA-D758-4CD3-8BA7-9930004ABCBD}"/>
     <pc:docChg chg="custSel modSld">
-      <pc:chgData name="Elizabeth Jaye" userId="de304061a751da9d" providerId="LiveId" clId="{88168AFA-D758-4CD3-8BA7-9930004ABCBD}" dt="2019-03-09T14:40:10.041" v="786"/>
+      <pc:chgData name="Elizabeth Jaye" userId="de304061a751da9d" providerId="LiveId" clId="{88168AFA-D758-4CD3-8BA7-9930004ABCBD}" dt="2019-03-09T17:01:07.488" v="788"/>
       <pc:docMkLst>
         <pc:docMk/>
       </pc:docMkLst>
@@ -163,6 +163,37 @@
             <ac:spMk id="6" creationId="{AEAF33BA-40C5-4D07-85EA-272E84F4C590}"/>
           </ac:spMkLst>
         </pc:spChg>
+      </pc:sldChg>
+      <pc:sldChg chg="addSp delSp modSp">
+        <pc:chgData name="Elizabeth Jaye" userId="de304061a751da9d" providerId="LiveId" clId="{88168AFA-D758-4CD3-8BA7-9930004ABCBD}" dt="2019-03-09T17:01:07.488" v="788"/>
+        <pc:sldMkLst>
+          <pc:docMk/>
+          <pc:sldMk cId="1181949973" sldId="266"/>
+        </pc:sldMkLst>
+        <pc:spChg chg="add del mod">
+          <ac:chgData name="Elizabeth Jaye" userId="de304061a751da9d" providerId="LiveId" clId="{88168AFA-D758-4CD3-8BA7-9930004ABCBD}" dt="2019-03-09T17:01:07.488" v="788"/>
+          <ac:spMkLst>
+            <pc:docMk/>
+            <pc:sldMk cId="1181949973" sldId="266"/>
+            <ac:spMk id="5" creationId="{BBB7CEA6-FDB8-4E02-B958-4AD806A59A21}"/>
+          </ac:spMkLst>
+        </pc:spChg>
+        <pc:picChg chg="del">
+          <ac:chgData name="Elizabeth Jaye" userId="de304061a751da9d" providerId="LiveId" clId="{88168AFA-D758-4CD3-8BA7-9930004ABCBD}" dt="2019-03-09T17:01:06.531" v="787" actId="478"/>
+          <ac:picMkLst>
+            <pc:docMk/>
+            <pc:sldMk cId="1181949973" sldId="266"/>
+            <ac:picMk id="6" creationId="{E20BB6C7-54AE-4F0B-B0DD-9BB776946DBF}"/>
+          </ac:picMkLst>
+        </pc:picChg>
+        <pc:picChg chg="add mod">
+          <ac:chgData name="Elizabeth Jaye" userId="de304061a751da9d" providerId="LiveId" clId="{88168AFA-D758-4CD3-8BA7-9930004ABCBD}" dt="2019-03-09T17:01:07.488" v="788"/>
+          <ac:picMkLst>
+            <pc:docMk/>
+            <pc:sldMk cId="1181949973" sldId="266"/>
+            <ac:picMk id="8" creationId="{45E50EAF-E6DB-4218-B34A-4360B05FDE6E}"/>
+          </ac:picMkLst>
+        </pc:picChg>
       </pc:sldChg>
       <pc:sldChg chg="addSp modSp modAnim">
         <pc:chgData name="Elizabeth Jaye" userId="de304061a751da9d" providerId="LiveId" clId="{88168AFA-D758-4CD3-8BA7-9930004ABCBD}" dt="2019-03-09T14:40:10.041" v="786"/>
@@ -6766,12 +6797,40 @@
           </a:p>
         </p:txBody>
       </p:sp>
+      <p:sp>
+        <p:nvSpPr>
+          <p:cNvPr id="4" name="Text Placeholder 3">
+            <a:extLst>
+              <a:ext uri="{FF2B5EF4-FFF2-40B4-BE49-F238E27FC236}">
+                <a16:creationId xmlns:a16="http://schemas.microsoft.com/office/drawing/2014/main" id="{DCC92131-E9C0-4708-9063-2F8C8F124067}"/>
+              </a:ext>
+            </a:extLst>
+          </p:cNvPr>
+          <p:cNvSpPr>
+            <a:spLocks noGrp="1"/>
+          </p:cNvSpPr>
+          <p:nvPr>
+            <p:ph type="body" sz="half" idx="2"/>
+          </p:nvPr>
+        </p:nvSpPr>
+        <p:spPr/>
+        <p:txBody>
+          <a:bodyPr/>
+          <a:lstStyle/>
+          <a:p>
+            <a:r>
+              <a:rPr lang="en-US" dirty="0"/>
+              <a:t>Age Groups</a:t>
+            </a:r>
+          </a:p>
+        </p:txBody>
+      </p:sp>
       <p:pic>
         <p:nvPicPr>
-          <p:cNvPr id="6" name="Content Placeholder 5">
+          <p:cNvPr id="8" name="Content Placeholder 7">
             <a:extLst>
               <a:ext uri="{FF2B5EF4-FFF2-40B4-BE49-F238E27FC236}">
-                <a16:creationId xmlns:a16="http://schemas.microsoft.com/office/drawing/2014/main" id="{E20BB6C7-54AE-4F0B-B0DD-9BB776946DBF}"/>
+                <a16:creationId xmlns:a16="http://schemas.microsoft.com/office/drawing/2014/main" id="{45E50EAF-E6DB-4218-B34A-4360B05FDE6E}"/>
               </a:ext>
             </a:extLst>
           </p:cNvPr>
@@ -6796,39 +6855,11 @@
         </p:blipFill>
         <p:spPr>
           <a:xfrm>
-            <a:off x="304800" y="1219200"/>
-            <a:ext cx="7555892" cy="3635265"/>
+            <a:off x="838200" y="1774934"/>
+            <a:ext cx="6400800" cy="3079531"/>
           </a:xfrm>
         </p:spPr>
       </p:pic>
-      <p:sp>
-        <p:nvSpPr>
-          <p:cNvPr id="4" name="Text Placeholder 3">
-            <a:extLst>
-              <a:ext uri="{FF2B5EF4-FFF2-40B4-BE49-F238E27FC236}">
-                <a16:creationId xmlns:a16="http://schemas.microsoft.com/office/drawing/2014/main" id="{DCC92131-E9C0-4708-9063-2F8C8F124067}"/>
-              </a:ext>
-            </a:extLst>
-          </p:cNvPr>
-          <p:cNvSpPr>
-            <a:spLocks noGrp="1"/>
-          </p:cNvSpPr>
-          <p:nvPr>
-            <p:ph type="body" sz="half" idx="2"/>
-          </p:nvPr>
-        </p:nvSpPr>
-        <p:spPr/>
-        <p:txBody>
-          <a:bodyPr/>
-          <a:lstStyle/>
-          <a:p>
-            <a:r>
-              <a:rPr lang="en-US" dirty="0"/>
-              <a:t>Age Groups</a:t>
-            </a:r>
-          </a:p>
-        </p:txBody>
-      </p:sp>
     </p:spTree>
     <p:extLst>
       <p:ext uri="{BB962C8B-B14F-4D97-AF65-F5344CB8AC3E}">
